--- a/poster/dreamer.pptx
+++ b/poster/dreamer.pptx
@@ -3373,49 +3373,93 @@
           <a:chExt cx="0" cy="0"/>
         </a:xfrm>
       </p:grpSpPr>
+      <p:pic>
+        <p:nvPicPr>
+          <p:cNvPr id="1027" name="Picture 3" descr="C:\Users\Ducky\Documents\GitHub\dreamer-talks\poster_preview\chiselator.png"/>
+          <p:cNvPicPr>
+            <a:picLocks noChangeAspect="1" noChangeArrowheads="1"/>
+          </p:cNvPicPr>
+          <p:nvPr/>
+        </p:nvPicPr>
+        <p:blipFill>
+          <a:blip r:embed="rId3">
+            <a:extLst>
+              <a:ext uri="{28A0092B-C50C-407E-A947-70E740481C1C}">
+                <a14:useLocalDpi xmlns:a14="http://schemas.microsoft.com/office/drawing/2010/main" val="0"/>
+              </a:ext>
+            </a:extLst>
+          </a:blip>
+          <a:srcRect/>
+          <a:stretch>
+            <a:fillRect/>
+          </a:stretch>
+        </p:blipFill>
+        <p:spPr bwMode="auto">
+          <a:xfrm>
+            <a:off x="7086600" y="20116800"/>
+            <a:ext cx="3657600" cy="2796988"/>
+          </a:xfrm>
+          <a:prstGeom prst="rect">
+            <a:avLst/>
+          </a:prstGeom>
+          <a:noFill/>
+          <a:extLst>
+            <a:ext uri="{909E8E84-426E-40DD-AFC4-6F175D3DCCD1}">
+              <a14:hiddenFill xmlns:a14="http://schemas.microsoft.com/office/drawing/2010/main">
+                <a:solidFill>
+                  <a:srgbClr val="FFFFFF"/>
+                </a:solidFill>
+              </a14:hiddenFill>
+            </a:ext>
+          </a:extLst>
+        </p:spPr>
+      </p:pic>
       <p:sp>
         <p:nvSpPr>
-          <p:cNvPr id="10" name="Rounded Rectangle 9"/>
-          <p:cNvSpPr/>
+          <p:cNvPr id="38" name="Text Box 1383"/>
+          <p:cNvSpPr txBox="1">
+            <a:spLocks noChangeArrowheads="1"/>
+          </p:cNvSpPr>
           <p:nvPr/>
         </p:nvSpPr>
         <p:spPr bwMode="auto">
           <a:xfrm>
-            <a:off x="11430000" y="21945600"/>
-            <a:ext cx="10058400" cy="5029200"/>
+            <a:off x="0" y="15544800"/>
+            <a:ext cx="10972800" cy="7772400"/>
           </a:xfrm>
-          <a:prstGeom prst="roundRect">
+          <a:prstGeom prst="rect">
             <a:avLst/>
           </a:prstGeom>
-          <a:solidFill>
-            <a:schemeClr val="accent1">
-              <a:alpha val="27000"/>
-            </a:schemeClr>
-          </a:solidFill>
-          <a:ln w="9525" cap="flat" cmpd="sng" algn="ctr">
-            <a:solidFill>
-              <a:schemeClr val="tx1"/>
-            </a:solidFill>
-            <a:prstDash val="solid"/>
-            <a:round/>
-            <a:headEnd type="none" w="med" len="med"/>
-            <a:tailEnd type="none" w="med" len="med"/>
+          <a:noFill/>
+          <a:ln>
+            <a:noFill/>
           </a:ln>
-          <a:effectLst>
-            <a:glow rad="101600">
-              <a:schemeClr val="accent1">
-                <a:lumMod val="20000"/>
-                <a:lumOff val="80000"/>
-                <a:alpha val="75000"/>
-              </a:schemeClr>
-            </a:glow>
-            <a:softEdge rad="469900"/>
-          </a:effectLst>
+          <a:extLst>
+            <a:ext uri="{909E8E84-426E-40DD-AFC4-6F175D3DCCD1}">
+              <a14:hiddenFill xmlns:a14="http://schemas.microsoft.com/office/drawing/2010/main">
+                <a:solidFill>
+                  <a:srgbClr val="FFFFFF"/>
+                </a:solidFill>
+              </a14:hiddenFill>
+            </a:ext>
+            <a:ext uri="{91240B29-F687-4F45-9708-019B960494DF}">
+              <a14:hiddenLine xmlns:a14="http://schemas.microsoft.com/office/drawing/2010/main" w="9525">
+                <a:solidFill>
+                  <a:srgbClr val="000000"/>
+                </a:solidFill>
+                <a:miter lim="800000"/>
+                <a:headEnd/>
+                <a:tailEnd/>
+              </a14:hiddenLine>
+            </a:ext>
+          </a:extLst>
         </p:spPr>
         <p:txBody>
-          <a:bodyPr/>
+          <a:bodyPr wrap="square" lIns="228600" tIns="228600" rIns="228600" bIns="228600">
+            <a:noAutofit/>
+          </a:bodyPr>
           <a:lstStyle>
-            <a:lvl1pPr>
+            <a:lvl1pPr marL="457200" indent="-457200">
               <a:defRPr sz="3000">
                 <a:solidFill>
                   <a:schemeClr val="tx1"/>
@@ -3424,7 +3468,7 @@
                 <a:ea typeface="ＭＳ Ｐゴシック" charset="-128"/>
               </a:defRPr>
             </a:lvl1pPr>
-            <a:lvl2pPr marL="37931725" indent="-37474525">
+            <a:lvl2pPr marL="1092200" indent="-393700">
               <a:defRPr sz="3000">
                 <a:solidFill>
                   <a:schemeClr val="tx1"/>
@@ -3522,12 +3566,504 @@
             </a:lvl9pPr>
           </a:lstStyle>
           <a:p>
-            <a:endParaRPr lang="en-US" sz="3200">
-              <a:effectLst>
-                <a:outerShdw blurRad="38100" dist="38100" dir="2700000" algn="tl">
-                  <a:srgbClr val="C0C0C0"/>
-                </a:outerShdw>
-              </a:effectLst>
+            <a:pPr marL="0" indent="0" algn="ctr">
+              <a:lnSpc>
+                <a:spcPct val="80000"/>
+              </a:lnSpc>
+              <a:spcBef>
+                <a:spcPct val="15000"/>
+              </a:spcBef>
+              <a:buClr>
+                <a:schemeClr val="accent1"/>
+              </a:buClr>
+              <a:buSzPct val="75000"/>
+            </a:pPr>
+            <a:r>
+              <a:rPr lang="en-US" sz="4800" b="1" dirty="0" smtClean="0">
+                <a:latin typeface="Helvetica" charset="0"/>
+              </a:rPr>
+              <a:t>DREAMER </a:t>
+            </a:r>
+            <a:r>
+              <a:rPr lang="en-US" sz="4800" b="1" dirty="0">
+                <a:latin typeface="Helvetica" charset="0"/>
+              </a:rPr>
+              <a:t>Motivation</a:t>
+            </a:r>
+          </a:p>
+          <a:p>
+            <a:pPr marL="0" indent="0" algn="ctr">
+              <a:lnSpc>
+                <a:spcPct val="80000"/>
+              </a:lnSpc>
+              <a:spcBef>
+                <a:spcPct val="15000"/>
+              </a:spcBef>
+              <a:buClr>
+                <a:schemeClr val="accent1"/>
+              </a:buClr>
+              <a:buSzPct val="75000"/>
+            </a:pPr>
+            <a:endParaRPr lang="en-US" sz="2000" b="1" dirty="0">
+              <a:latin typeface="Helvetica" charset="0"/>
+            </a:endParaRPr>
+          </a:p>
+          <a:p>
+            <a:pPr>
+              <a:lnSpc>
+                <a:spcPct val="80000"/>
+              </a:lnSpc>
+              <a:spcBef>
+                <a:spcPct val="15000"/>
+              </a:spcBef>
+              <a:buClr>
+                <a:schemeClr val="accent1"/>
+              </a:buClr>
+              <a:buSzPct val="75000"/>
+              <a:buFont typeface="Wingdings" charset="2"/>
+              <a:buChar char="o"/>
+            </a:pPr>
+            <a:r>
+              <a:rPr lang="en-US" sz="3200" dirty="0">
+                <a:latin typeface="Helvetica" charset="0"/>
+              </a:rPr>
+              <a:t>… but FPGA emulation is not ideal</a:t>
+            </a:r>
+          </a:p>
+          <a:p>
+            <a:pPr lvl="1">
+              <a:lnSpc>
+                <a:spcPct val="80000"/>
+              </a:lnSpc>
+              <a:spcBef>
+                <a:spcPct val="15000"/>
+              </a:spcBef>
+              <a:buClr>
+                <a:schemeClr val="accent2"/>
+              </a:buClr>
+              <a:buSzPct val="75000"/>
+              <a:buFont typeface="Wingdings" charset="2"/>
+              <a:buChar char="o"/>
+            </a:pPr>
+            <a:r>
+              <a:rPr lang="en-US" sz="2600" dirty="0">
+                <a:latin typeface="Helvetica" charset="0"/>
+              </a:rPr>
+              <a:t>Inefficient support for word-wide operations </a:t>
+            </a:r>
+            <a:r>
+              <a:rPr lang="en-US" sz="2600" dirty="0" smtClean="0">
+                <a:latin typeface="Helvetica" charset="0"/>
+              </a:rPr>
+              <a:t>(natively bit-wide)</a:t>
+            </a:r>
+          </a:p>
+          <a:p>
+            <a:pPr lvl="1">
+              <a:lnSpc>
+                <a:spcPct val="80000"/>
+              </a:lnSpc>
+              <a:spcBef>
+                <a:spcPct val="15000"/>
+              </a:spcBef>
+              <a:buClr>
+                <a:schemeClr val="accent2"/>
+              </a:buClr>
+              <a:buSzPct val="75000"/>
+              <a:buFont typeface="Wingdings" charset="2"/>
+              <a:buChar char="o"/>
+            </a:pPr>
+            <a:r>
+              <a:rPr lang="en-US" sz="2600" dirty="0" smtClean="0">
+                <a:latin typeface="Helvetica" charset="0"/>
+              </a:rPr>
+              <a:t>Logic </a:t>
+            </a:r>
+            <a:r>
+              <a:rPr lang="en-US" sz="2600" dirty="0">
+                <a:latin typeface="Helvetica" charset="0"/>
+              </a:rPr>
+              <a:t>synthesis and mapping takes a long time</a:t>
+            </a:r>
+          </a:p>
+          <a:p>
+            <a:pPr lvl="1">
+              <a:lnSpc>
+                <a:spcPct val="80000"/>
+              </a:lnSpc>
+              <a:spcBef>
+                <a:spcPct val="15000"/>
+              </a:spcBef>
+              <a:buClr>
+                <a:schemeClr val="accent2"/>
+              </a:buClr>
+              <a:buSzPct val="75000"/>
+              <a:buFont typeface="Wingdings" charset="2"/>
+              <a:buChar char="o"/>
+            </a:pPr>
+            <a:r>
+              <a:rPr lang="en-US" sz="2600" dirty="0">
+                <a:latin typeface="Helvetica" charset="0"/>
+              </a:rPr>
+              <a:t>… and must be done after </a:t>
+            </a:r>
+            <a:r>
+              <a:rPr lang="en-US" sz="2600" i="1" dirty="0">
+                <a:latin typeface="Helvetica" charset="0"/>
+              </a:rPr>
+              <a:t>any</a:t>
+            </a:r>
+            <a:r>
+              <a:rPr lang="en-US" sz="2600" dirty="0">
+                <a:latin typeface="Helvetica" charset="0"/>
+              </a:rPr>
+              <a:t> change in the design</a:t>
+            </a:r>
+          </a:p>
+          <a:p>
+            <a:pPr lvl="1">
+              <a:lnSpc>
+                <a:spcPct val="80000"/>
+              </a:lnSpc>
+              <a:spcBef>
+                <a:spcPct val="15000"/>
+              </a:spcBef>
+              <a:buClr>
+                <a:schemeClr val="accent2"/>
+              </a:buClr>
+              <a:buSzPct val="75000"/>
+              <a:buFont typeface="Wingdings" charset="2"/>
+              <a:buChar char="o"/>
+            </a:pPr>
+            <a:r>
+              <a:rPr lang="en-US" sz="2600" dirty="0">
+                <a:latin typeface="Helvetica" charset="0"/>
+              </a:rPr>
+              <a:t>… even if all you want to do is add a logic </a:t>
+            </a:r>
+            <a:r>
+              <a:rPr lang="en-US" sz="2600" dirty="0" smtClean="0">
+                <a:latin typeface="Helvetica" charset="0"/>
+              </a:rPr>
+              <a:t>probe</a:t>
+            </a:r>
+          </a:p>
+          <a:p>
+            <a:pPr lvl="1">
+              <a:lnSpc>
+                <a:spcPct val="80000"/>
+              </a:lnSpc>
+              <a:spcBef>
+                <a:spcPct val="15000"/>
+              </a:spcBef>
+              <a:buClr>
+                <a:schemeClr val="accent2"/>
+              </a:buClr>
+              <a:buSzPct val="75000"/>
+              <a:buFont typeface="Wingdings" charset="2"/>
+              <a:buChar char="o"/>
+            </a:pPr>
+            <a:endParaRPr lang="en-US" sz="3200" dirty="0">
+              <a:latin typeface="Helvetica" charset="0"/>
+            </a:endParaRPr>
+          </a:p>
+          <a:p>
+            <a:pPr>
+              <a:lnSpc>
+                <a:spcPct val="80000"/>
+              </a:lnSpc>
+              <a:spcBef>
+                <a:spcPct val="15000"/>
+              </a:spcBef>
+              <a:buClr>
+                <a:schemeClr val="accent1"/>
+              </a:buClr>
+              <a:buSzPct val="75000"/>
+              <a:buFont typeface="Wingdings" charset="2"/>
+              <a:buChar char="o"/>
+            </a:pPr>
+            <a:r>
+              <a:rPr lang="en-US" sz="3200" b="1" dirty="0">
+                <a:latin typeface="Helvetica" charset="0"/>
+              </a:rPr>
+              <a:t>DREAMER</a:t>
+            </a:r>
+            <a:r>
+              <a:rPr lang="en-US" sz="3200" dirty="0">
+                <a:latin typeface="Helvetica" charset="0"/>
+              </a:rPr>
+              <a:t>: a </a:t>
+            </a:r>
+            <a:r>
+              <a:rPr lang="en-US" sz="3200" dirty="0" smtClean="0">
+                <a:latin typeface="Helvetica" charset="0"/>
+              </a:rPr>
+              <a:t>new reconfigurable </a:t>
+            </a:r>
+            <a:r>
+              <a:rPr lang="en-US" sz="3200" dirty="0">
+                <a:latin typeface="Helvetica" charset="0"/>
+              </a:rPr>
+              <a:t>logic </a:t>
+            </a:r>
+            <a:r>
+              <a:rPr lang="en-US" sz="3200" dirty="0" smtClean="0">
+                <a:latin typeface="Helvetica" charset="0"/>
+              </a:rPr>
+              <a:t>platform</a:t>
+            </a:r>
+            <a:endParaRPr lang="en-US" sz="3200" dirty="0">
+              <a:latin typeface="Helvetica" charset="0"/>
+            </a:endParaRPr>
+          </a:p>
+          <a:p>
+            <a:pPr lvl="1">
+              <a:lnSpc>
+                <a:spcPct val="80000"/>
+              </a:lnSpc>
+              <a:spcBef>
+                <a:spcPct val="15000"/>
+              </a:spcBef>
+              <a:buClr>
+                <a:schemeClr val="accent2"/>
+              </a:buClr>
+              <a:buSzPct val="75000"/>
+              <a:buFont typeface="Wingdings" charset="2"/>
+              <a:buChar char="o"/>
+            </a:pPr>
+            <a:r>
+              <a:rPr lang="en-US" sz="2600" dirty="0">
+                <a:latin typeface="Helvetica" charset="0"/>
+              </a:rPr>
+              <a:t>New point in the space between programmability and </a:t>
+            </a:r>
+            <a:r>
+              <a:rPr lang="en-US" sz="2600" dirty="0" smtClean="0">
+                <a:latin typeface="Helvetica" charset="0"/>
+              </a:rPr>
+              <a:t>efficiency</a:t>
+            </a:r>
+          </a:p>
+          <a:p>
+            <a:pPr lvl="1">
+              <a:lnSpc>
+                <a:spcPct val="80000"/>
+              </a:lnSpc>
+              <a:spcBef>
+                <a:spcPct val="15000"/>
+              </a:spcBef>
+              <a:buClr>
+                <a:schemeClr val="accent2"/>
+              </a:buClr>
+              <a:buSzPct val="75000"/>
+              <a:buFont typeface="Wingdings" charset="2"/>
+              <a:buChar char="o"/>
+            </a:pPr>
+            <a:r>
+              <a:rPr lang="en-US" sz="2600" dirty="0" smtClean="0">
+                <a:latin typeface="Helvetica" charset="0"/>
+              </a:rPr>
+              <a:t>Instead of array of bits, use parallel array of simple processors</a:t>
+            </a:r>
+            <a:endParaRPr lang="en-US" sz="2600" dirty="0">
+              <a:latin typeface="Helvetica" charset="0"/>
+            </a:endParaRPr>
+          </a:p>
+          <a:p>
+            <a:pPr marL="1371600" lvl="2" indent="-457200">
+              <a:lnSpc>
+                <a:spcPct val="80000"/>
+              </a:lnSpc>
+              <a:spcBef>
+                <a:spcPct val="15000"/>
+              </a:spcBef>
+              <a:buClr>
+                <a:schemeClr val="accent2"/>
+              </a:buClr>
+              <a:buSzPct val="75000"/>
+              <a:buFont typeface="Wingdings" charset="2"/>
+              <a:buChar char="o"/>
+            </a:pPr>
+            <a:r>
+              <a:rPr lang="en-US" sz="2600" dirty="0" smtClean="0">
+                <a:latin typeface="Helvetica" charset="0"/>
+              </a:rPr>
+              <a:t>Each tile executes a portion of design’s</a:t>
+            </a:r>
+            <a:br>
+              <a:rPr lang="en-US" sz="2600" dirty="0" smtClean="0">
+                <a:latin typeface="Helvetica" charset="0"/>
+              </a:rPr>
+            </a:br>
+            <a:r>
+              <a:rPr lang="en-US" sz="2600" b="1" dirty="0" smtClean="0">
+                <a:latin typeface="Helvetica" charset="0"/>
+              </a:rPr>
+              <a:t>hardware graph</a:t>
+            </a:r>
+            <a:r>
+              <a:rPr lang="en-US" sz="2600" dirty="0" smtClean="0">
+                <a:latin typeface="Helvetica" charset="0"/>
+              </a:rPr>
+              <a:t> (right)</a:t>
+            </a:r>
+          </a:p>
+          <a:p>
+            <a:pPr lvl="1">
+              <a:lnSpc>
+                <a:spcPct val="80000"/>
+              </a:lnSpc>
+              <a:spcBef>
+                <a:spcPct val="15000"/>
+              </a:spcBef>
+              <a:buClr>
+                <a:schemeClr val="accent2"/>
+              </a:buClr>
+              <a:buSzPct val="75000"/>
+              <a:buFont typeface="Wingdings" charset="2"/>
+              <a:buChar char="o"/>
+            </a:pPr>
+            <a:r>
+              <a:rPr lang="en-US" sz="2600" dirty="0" smtClean="0">
+                <a:latin typeface="Helvetica" charset="0"/>
+              </a:rPr>
+              <a:t>Supporting tools to map RTL to array</a:t>
+            </a:r>
+          </a:p>
+          <a:p>
+            <a:pPr marL="1371600" lvl="2" indent="-457200">
+              <a:lnSpc>
+                <a:spcPct val="80000"/>
+              </a:lnSpc>
+              <a:spcBef>
+                <a:spcPct val="15000"/>
+              </a:spcBef>
+              <a:buClr>
+                <a:schemeClr val="accent2"/>
+              </a:buClr>
+              <a:buSzPct val="75000"/>
+              <a:buFont typeface="Wingdings" charset="2"/>
+              <a:buChar char="o"/>
+            </a:pPr>
+            <a:r>
+              <a:rPr lang="en-US" sz="2600" dirty="0" smtClean="0">
+                <a:latin typeface="Helvetica" charset="0"/>
+              </a:rPr>
+              <a:t>Compiles in seconds, not hours</a:t>
+            </a:r>
+          </a:p>
+          <a:p>
+            <a:pPr lvl="1">
+              <a:lnSpc>
+                <a:spcPct val="80000"/>
+              </a:lnSpc>
+              <a:spcBef>
+                <a:spcPct val="15000"/>
+              </a:spcBef>
+              <a:buClr>
+                <a:schemeClr val="accent2"/>
+              </a:buClr>
+              <a:buSzPct val="75000"/>
+              <a:buFont typeface="Wingdings" charset="2"/>
+              <a:buChar char="o"/>
+            </a:pPr>
+            <a:r>
+              <a:rPr lang="en-US" sz="2600" dirty="0" smtClean="0">
+                <a:latin typeface="Helvetica" charset="0"/>
+              </a:rPr>
+              <a:t>Integrated debugging support</a:t>
+            </a:r>
+            <a:endParaRPr lang="en-US" sz="2600" dirty="0">
+              <a:latin typeface="Helvetica" charset="0"/>
+            </a:endParaRPr>
+          </a:p>
+          <a:p>
+            <a:pPr marL="1371600" lvl="2" indent="-457200">
+              <a:lnSpc>
+                <a:spcPct val="80000"/>
+              </a:lnSpc>
+              <a:spcBef>
+                <a:spcPct val="15000"/>
+              </a:spcBef>
+              <a:buClr>
+                <a:schemeClr val="accent2"/>
+              </a:buClr>
+              <a:buSzPct val="75000"/>
+              <a:buFont typeface="Wingdings" charset="2"/>
+              <a:buChar char="o"/>
+            </a:pPr>
+            <a:r>
+              <a:rPr lang="en-US" sz="2600" dirty="0" smtClean="0">
+                <a:latin typeface="Helvetica" charset="0"/>
+              </a:rPr>
+              <a:t>Probe state without recompiling</a:t>
+            </a:r>
+          </a:p>
+          <a:p>
+            <a:pPr lvl="1">
+              <a:lnSpc>
+                <a:spcPct val="80000"/>
+              </a:lnSpc>
+              <a:spcBef>
+                <a:spcPct val="15000"/>
+              </a:spcBef>
+              <a:buClr>
+                <a:schemeClr val="accent2"/>
+              </a:buClr>
+              <a:buSzPct val="75000"/>
+              <a:buFont typeface="Wingdings" charset="2"/>
+              <a:buChar char="o"/>
+            </a:pPr>
+            <a:r>
+              <a:rPr lang="en-US" sz="2600" dirty="0" smtClean="0">
+                <a:latin typeface="Helvetica" charset="0"/>
+              </a:rPr>
+              <a:t>Overall, </a:t>
+            </a:r>
+            <a:r>
+              <a:rPr lang="en-US" sz="2600" b="1" dirty="0" smtClean="0">
+                <a:latin typeface="Helvetica" charset="0"/>
+              </a:rPr>
+              <a:t>faster design iteration time</a:t>
+            </a:r>
+            <a:endParaRPr lang="en-US" sz="2600" dirty="0" smtClean="0">
+              <a:latin typeface="Helvetica" charset="0"/>
+            </a:endParaRPr>
+          </a:p>
+          <a:p>
+            <a:pPr lvl="1">
+              <a:lnSpc>
+                <a:spcPct val="80000"/>
+              </a:lnSpc>
+              <a:spcBef>
+                <a:spcPct val="15000"/>
+              </a:spcBef>
+              <a:buClr>
+                <a:schemeClr val="accent2"/>
+              </a:buClr>
+              <a:buSzPct val="75000"/>
+              <a:buFont typeface="Wingdings" charset="2"/>
+              <a:buChar char="o"/>
+            </a:pPr>
+            <a:endParaRPr lang="en-US" sz="2600" dirty="0">
+              <a:latin typeface="Helvetica" charset="0"/>
+            </a:endParaRPr>
+          </a:p>
+          <a:p>
+            <a:pPr marL="698500" lvl="1" indent="0">
+              <a:lnSpc>
+                <a:spcPct val="80000"/>
+              </a:lnSpc>
+              <a:spcBef>
+                <a:spcPct val="15000"/>
+              </a:spcBef>
+              <a:buClr>
+                <a:schemeClr val="accent2"/>
+              </a:buClr>
+              <a:buSzPct val="75000"/>
+            </a:pPr>
+            <a:endParaRPr lang="en-US" sz="2600" dirty="0">
+              <a:latin typeface="Helvetica" charset="0"/>
             </a:endParaRPr>
           </a:p>
         </p:txBody>
@@ -3542,8 +4078,8 @@
         </p:nvSpPr>
         <p:spPr bwMode="auto">
           <a:xfrm>
-            <a:off x="914400" y="3657600"/>
-            <a:ext cx="31089600" cy="1371600"/>
+            <a:off x="6400800" y="3657600"/>
+            <a:ext cx="17373600" cy="1371600"/>
           </a:xfrm>
           <a:prstGeom prst="rect">
             <a:avLst/>
@@ -3669,6 +4205,7 @@
             </a:lvl9pPr>
           </a:lstStyle>
           <a:p>
+            <a:pPr algn="ctr"/>
             <a:r>
               <a:rPr lang="en-US" sz="5600" dirty="0" smtClean="0">
                 <a:effectLst>
@@ -3701,8 +4238,8 @@
         </p:nvSpPr>
         <p:spPr bwMode="auto">
           <a:xfrm>
-            <a:off x="8229600" y="914400"/>
-            <a:ext cx="18551525" cy="1631950"/>
+            <a:off x="8229600" y="457200"/>
+            <a:ext cx="16459199" cy="1631950"/>
           </a:xfrm>
           <a:prstGeom prst="rect">
             <a:avLst/>
@@ -3717,7 +4254,7 @@
           <a:effectLst/>
         </p:spPr>
         <p:txBody>
-          <a:bodyPr>
+          <a:bodyPr wrap="square">
             <a:spAutoFit/>
           </a:bodyPr>
           <a:lstStyle>
@@ -3837,7 +4374,7 @@
                 </a:effectLst>
                 <a:latin typeface="Copperplate Gothic Bold" charset="0"/>
               </a:rPr>
-              <a:t>DREAMER</a:t>
+              <a:t>Dreamer</a:t>
             </a:r>
             <a:endParaRPr lang="en-US" sz="10000" b="1" dirty="0">
               <a:effectLst>
@@ -3913,8 +4450,8 @@
         </p:nvSpPr>
         <p:spPr bwMode="auto">
           <a:xfrm>
-            <a:off x="8229600" y="2743200"/>
-            <a:ext cx="18288000" cy="914400"/>
+            <a:off x="8229600" y="2286000"/>
+            <a:ext cx="16459200" cy="914400"/>
           </a:xfrm>
           <a:prstGeom prst="rect">
             <a:avLst/>
@@ -4094,8 +4631,8 @@
         </p:nvSpPr>
         <p:spPr bwMode="auto">
           <a:xfrm>
-            <a:off x="10972800" y="6400800"/>
-            <a:ext cx="10972800" cy="5633850"/>
+            <a:off x="10972800" y="15544800"/>
+            <a:ext cx="10972800" cy="11430000"/>
           </a:xfrm>
           <a:prstGeom prst="rect">
             <a:avLst/>
@@ -4125,7 +4662,7 @@
           </a:extLst>
         </p:spPr>
         <p:txBody>
-          <a:bodyPr wrap="square" lIns="457200" tIns="228600" rIns="457200" bIns="228600">
+          <a:bodyPr wrap="square" lIns="228600" tIns="228600" rIns="228600" bIns="228600">
             <a:noAutofit/>
           </a:bodyPr>
           <a:lstStyle>
@@ -4235,6 +4772,47 @@
               </a:defRPr>
             </a:lvl9pPr>
           </a:lstStyle>
+          <a:p>
+            <a:pPr marL="0" indent="0" algn="ctr">
+              <a:lnSpc>
+                <a:spcPct val="80000"/>
+              </a:lnSpc>
+              <a:spcBef>
+                <a:spcPct val="15000"/>
+              </a:spcBef>
+              <a:buClr>
+                <a:schemeClr val="accent1"/>
+              </a:buClr>
+              <a:buSzPct val="75000"/>
+            </a:pPr>
+            <a:r>
+              <a:rPr lang="en-US" sz="4800" b="1" dirty="0" smtClean="0">
+                <a:latin typeface="Helvetica" charset="0"/>
+              </a:rPr>
+              <a:t>The Array</a:t>
+            </a:r>
+            <a:endParaRPr lang="en-US" sz="4800" b="1" dirty="0">
+              <a:latin typeface="Helvetica" charset="0"/>
+            </a:endParaRPr>
+          </a:p>
+          <a:p>
+            <a:pPr marL="0" indent="0">
+              <a:lnSpc>
+                <a:spcPct val="80000"/>
+              </a:lnSpc>
+              <a:spcBef>
+                <a:spcPct val="15000"/>
+              </a:spcBef>
+              <a:buClr>
+                <a:schemeClr val="accent1"/>
+              </a:buClr>
+              <a:buSzPct val="75000"/>
+            </a:pPr>
+            <a:endParaRPr lang="en-US" sz="2000" dirty="0" smtClean="0">
+              <a:effectLst/>
+              <a:latin typeface="Helvetica" charset="0"/>
+            </a:endParaRPr>
+          </a:p>
           <a:p>
             <a:pPr>
               <a:lnSpc>
@@ -4251,18 +4829,11 @@
               <a:buChar char="o"/>
             </a:pPr>
             <a:r>
-              <a:rPr lang="en-US" sz="3200" dirty="0">
+              <a:rPr lang="en-US" sz="3200" dirty="0" smtClean="0">
                 <a:effectLst/>
                 <a:latin typeface="Helvetica" charset="0"/>
               </a:rPr>
-              <a:t>Text </a:t>
-            </a:r>
-            <a:r>
-              <a:rPr lang="en-US" sz="3200" dirty="0" err="1">
-                <a:effectLst/>
-                <a:latin typeface="Helvetica" charset="0"/>
-              </a:rPr>
-              <a:t>Text</a:t>
+              <a:t>Massively parallel array of simple compute tiles</a:t>
             </a:r>
             <a:endParaRPr lang="en-US" sz="3200" dirty="0">
               <a:effectLst/>
@@ -4285,11 +4856,11 @@
               <a:buChar char="o"/>
             </a:pPr>
             <a:r>
-              <a:rPr lang="en-US" sz="2600" dirty="0">
+              <a:rPr lang="en-US" sz="2600" dirty="0" smtClean="0">
                 <a:effectLst/>
                 <a:latin typeface="Helvetica" charset="0"/>
               </a:rPr>
-              <a:t>Text</a:t>
+              <a:t>Cores connected in a nearest-neighbor network</a:t>
             </a:r>
           </a:p>
           <a:p>
@@ -4308,12 +4879,60 @@
               <a:buChar char="o"/>
             </a:pPr>
             <a:r>
-              <a:rPr lang="en-US" sz="2600" dirty="0">
+              <a:rPr lang="en-US" sz="2600" dirty="0" smtClean="0">
+                <a:latin typeface="Helvetica" charset="0"/>
+              </a:rPr>
+              <a:t>Each connection is a 2-element buffer (reduce deadlocks)</a:t>
+            </a:r>
+          </a:p>
+          <a:p>
+            <a:pPr lvl="1">
+              <a:lnSpc>
+                <a:spcPct val="80000"/>
+              </a:lnSpc>
+              <a:spcBef>
+                <a:spcPct val="15000"/>
+              </a:spcBef>
+              <a:buClr>
+                <a:schemeClr val="accent2"/>
+              </a:buClr>
+              <a:buSzPct val="75000"/>
+              <a:buFont typeface="Wingdings" charset="2"/>
+              <a:buChar char="o"/>
+            </a:pPr>
+            <a:r>
+              <a:rPr lang="en-US" sz="2600" dirty="0" smtClean="0">
                 <a:effectLst/>
                 <a:latin typeface="Helvetica" charset="0"/>
               </a:rPr>
-              <a:t>Text</a:t>
-            </a:r>
+              <a:t>Ready-valid interlocked ports (avoid explicit no-ops) </a:t>
+            </a:r>
+          </a:p>
+          <a:p>
+            <a:pPr lvl="1">
+              <a:lnSpc>
+                <a:spcPct val="80000"/>
+              </a:lnSpc>
+              <a:spcBef>
+                <a:spcPct val="15000"/>
+              </a:spcBef>
+              <a:buClr>
+                <a:schemeClr val="accent2"/>
+              </a:buClr>
+              <a:buSzPct val="75000"/>
+              <a:buFont typeface="Wingdings" charset="2"/>
+              <a:buChar char="o"/>
+            </a:pPr>
+            <a:r>
+              <a:rPr lang="en-US" sz="2600" dirty="0" smtClean="0">
+                <a:latin typeface="Helvetica" charset="0"/>
+              </a:rPr>
+              <a:t>Additionally, all tiles’ host interfaces connected in a scan chain (for debugging and control)</a:t>
+            </a:r>
+            <a:endParaRPr lang="en-US" sz="2600" dirty="0">
+              <a:effectLst/>
+              <a:latin typeface="Helvetica" charset="0"/>
+            </a:endParaRPr>
           </a:p>
           <a:p>
             <a:pPr lvl="1">
@@ -4351,18 +4970,11 @@
               <a:buChar char="o"/>
             </a:pPr>
             <a:r>
-              <a:rPr lang="en-US" sz="3200" dirty="0">
+              <a:rPr lang="en-US" sz="3200" dirty="0" smtClean="0">
                 <a:effectLst/>
                 <a:latin typeface="Helvetica" charset="0"/>
               </a:rPr>
-              <a:t>Text  </a:t>
-            </a:r>
-            <a:r>
-              <a:rPr lang="en-US" sz="3200" dirty="0" err="1">
-                <a:effectLst/>
-                <a:latin typeface="Helvetica" charset="0"/>
-              </a:rPr>
-              <a:t>Text</a:t>
+              <a:t>Statically scheduled computation and communication</a:t>
             </a:r>
             <a:endParaRPr lang="en-US" sz="3200" dirty="0">
               <a:effectLst/>
@@ -4385,11 +4997,11 @@
               <a:buChar char="o"/>
             </a:pPr>
             <a:r>
-              <a:rPr lang="en-US" sz="2600" dirty="0">
+              <a:rPr lang="en-US" sz="2600" dirty="0" smtClean="0">
                 <a:effectLst/>
                 <a:latin typeface="Helvetica" charset="0"/>
               </a:rPr>
-              <a:t>Text</a:t>
+              <a:t>Simple hardware architecture, push complexity to tools</a:t>
             </a:r>
           </a:p>
           <a:p>
@@ -4408,11 +5020,11 @@
               <a:buChar char="o"/>
             </a:pPr>
             <a:r>
-              <a:rPr lang="en-US" sz="2600" dirty="0">
+              <a:rPr lang="en-US" sz="2600" dirty="0" smtClean="0">
                 <a:effectLst/>
                 <a:latin typeface="Helvetica" charset="0"/>
               </a:rPr>
-              <a:t>Text</a:t>
+              <a:t>All inter-tile data movement explicit (one tile at a time)</a:t>
             </a:r>
           </a:p>
           <a:p>
@@ -4430,7 +5042,54 @@
               <a:buFont typeface="Wingdings" charset="2"/>
               <a:buChar char="o"/>
             </a:pPr>
-            <a:endParaRPr lang="en-US" sz="2600" dirty="0">
+            <a:endParaRPr lang="en-US" sz="2600" dirty="0" smtClean="0">
+              <a:effectLst/>
+              <a:latin typeface="Helvetica" charset="0"/>
+            </a:endParaRPr>
+          </a:p>
+          <a:p>
+            <a:pPr marL="0" indent="0" algn="ctr">
+              <a:lnSpc>
+                <a:spcPct val="80000"/>
+              </a:lnSpc>
+              <a:spcBef>
+                <a:spcPct val="15000"/>
+              </a:spcBef>
+              <a:buClr>
+                <a:schemeClr val="accent1"/>
+              </a:buClr>
+              <a:buSzPct val="75000"/>
+            </a:pPr>
+            <a:r>
+              <a:rPr lang="en-US" sz="4800" b="1" dirty="0">
+                <a:latin typeface="Helvetica" charset="0"/>
+              </a:rPr>
+              <a:t>The </a:t>
+            </a:r>
+            <a:r>
+              <a:rPr lang="en-US" sz="4800" b="1" dirty="0" smtClean="0">
+                <a:latin typeface="Helvetica" charset="0"/>
+              </a:rPr>
+              <a:t>Tile</a:t>
+            </a:r>
+            <a:endParaRPr lang="en-US" sz="4800" b="1" dirty="0">
+              <a:latin typeface="Helvetica" charset="0"/>
+            </a:endParaRPr>
+          </a:p>
+          <a:p>
+            <a:pPr marL="698500" lvl="1" indent="0">
+              <a:lnSpc>
+                <a:spcPct val="80000"/>
+              </a:lnSpc>
+              <a:spcBef>
+                <a:spcPct val="15000"/>
+              </a:spcBef>
+              <a:buClr>
+                <a:schemeClr val="accent2"/>
+              </a:buClr>
+              <a:buSzPct val="75000"/>
+            </a:pPr>
+            <a:endParaRPr lang="en-US" sz="2000" dirty="0" smtClean="0">
               <a:effectLst/>
               <a:latin typeface="Helvetica" charset="0"/>
             </a:endParaRPr>
@@ -4451,18 +5110,11 @@
               <a:buChar char="o"/>
             </a:pPr>
             <a:r>
-              <a:rPr lang="en-US" sz="3200" dirty="0">
+              <a:rPr lang="en-US" sz="3200" dirty="0" smtClean="0">
                 <a:effectLst/>
                 <a:latin typeface="Helvetica" charset="0"/>
               </a:rPr>
-              <a:t>Text  </a:t>
-            </a:r>
-            <a:r>
-              <a:rPr lang="en-US" sz="3200" dirty="0" err="1">
-                <a:effectLst/>
-                <a:latin typeface="Helvetica" charset="0"/>
-              </a:rPr>
-              <a:t>Text</a:t>
+              <a:t>Simple compute cores</a:t>
             </a:r>
             <a:endParaRPr lang="en-US" sz="3200" dirty="0">
               <a:effectLst/>
@@ -4485,11 +5137,25 @@
               <a:buChar char="o"/>
             </a:pPr>
             <a:r>
-              <a:rPr lang="en-US" sz="2600" dirty="0">
+              <a:rPr lang="en-US" sz="2600" dirty="0" smtClean="0">
                 <a:effectLst/>
                 <a:latin typeface="Helvetica" charset="0"/>
               </a:rPr>
-              <a:t>Text</a:t>
+              <a:t>A mini computer – </a:t>
+            </a:r>
+            <a:r>
+              <a:rPr lang="en-US" sz="2600" dirty="0" err="1" smtClean="0">
+                <a:effectLst/>
+                <a:latin typeface="Helvetica" charset="0"/>
+              </a:rPr>
+              <a:t>datapath</a:t>
+            </a:r>
+            <a:r>
+              <a:rPr lang="en-US" sz="2600" dirty="0" smtClean="0">
+                <a:effectLst/>
+                <a:latin typeface="Helvetica" charset="0"/>
+              </a:rPr>
+              <a:t>, registers, memory, and code</a:t>
             </a:r>
           </a:p>
           <a:p>
@@ -4508,15 +5174,18 @@
               <a:buChar char="o"/>
             </a:pPr>
             <a:r>
-              <a:rPr lang="en-US" sz="2600" dirty="0">
+              <a:rPr lang="en-US" sz="2600" dirty="0" smtClean="0">
                 <a:effectLst/>
                 <a:latin typeface="Helvetica" charset="0"/>
               </a:rPr>
-              <a:t>Text</a:t>
-            </a:r>
-          </a:p>
-          <a:p>
-            <a:pPr lvl="1">
+              <a:t>Reduced ISA specialized for simulation, containing:</a:t>
+            </a:r>
+            <a:endParaRPr lang="en-US" sz="2600" dirty="0">
+              <a:latin typeface="Helvetica" charset="0"/>
+            </a:endParaRPr>
+          </a:p>
+          <a:p>
+            <a:pPr marL="1371600" lvl="2" indent="-457200">
               <a:lnSpc>
                 <a:spcPct val="80000"/>
               </a:lnSpc>
@@ -4530,6 +5199,176 @@
               <a:buFont typeface="Wingdings" charset="2"/>
               <a:buChar char="o"/>
             </a:pPr>
+            <a:r>
+              <a:rPr lang="en-US" sz="2600" dirty="0" smtClean="0">
+                <a:latin typeface="Helvetica" charset="0"/>
+              </a:rPr>
+              <a:t>your standard arithmetic / bitwise-logical operations</a:t>
+            </a:r>
+          </a:p>
+          <a:p>
+            <a:pPr marL="1371600" lvl="2" indent="-457200">
+              <a:lnSpc>
+                <a:spcPct val="80000"/>
+              </a:lnSpc>
+              <a:spcBef>
+                <a:spcPct val="15000"/>
+              </a:spcBef>
+              <a:buClr>
+                <a:schemeClr val="accent2"/>
+              </a:buClr>
+              <a:buSzPct val="75000"/>
+              <a:buFont typeface="Wingdings" charset="2"/>
+              <a:buChar char="o"/>
+            </a:pPr>
+            <a:r>
+              <a:rPr lang="en-US" sz="2600" dirty="0" smtClean="0">
+                <a:effectLst/>
+                <a:latin typeface="Helvetica" charset="0"/>
+              </a:rPr>
+              <a:t>emulation-specific instructions like mux</a:t>
+            </a:r>
+            <a:endParaRPr lang="en-US" sz="2600" dirty="0">
+              <a:effectLst/>
+              <a:latin typeface="Helvetica" charset="0"/>
+            </a:endParaRPr>
+          </a:p>
+          <a:p>
+            <a:pPr lvl="1">
+              <a:lnSpc>
+                <a:spcPct val="80000"/>
+              </a:lnSpc>
+              <a:spcBef>
+                <a:spcPct val="15000"/>
+              </a:spcBef>
+              <a:buClr>
+                <a:schemeClr val="accent2"/>
+              </a:buClr>
+              <a:buSzPct val="75000"/>
+              <a:buFont typeface="Wingdings" charset="2"/>
+              <a:buChar char="o"/>
+            </a:pPr>
+            <a:r>
+              <a:rPr lang="en-US" sz="2600" dirty="0" smtClean="0">
+                <a:effectLst/>
+                <a:latin typeface="Helvetica" charset="0"/>
+              </a:rPr>
+              <a:t>No branching – simple emulation loop</a:t>
+            </a:r>
+            <a:endParaRPr lang="en-US" sz="2600" dirty="0">
+              <a:latin typeface="Helvetica" charset="0"/>
+            </a:endParaRPr>
+          </a:p>
+          <a:p>
+            <a:pPr lvl="1">
+              <a:lnSpc>
+                <a:spcPct val="80000"/>
+              </a:lnSpc>
+              <a:spcBef>
+                <a:spcPct val="15000"/>
+              </a:spcBef>
+              <a:buClr>
+                <a:schemeClr val="accent2"/>
+              </a:buClr>
+              <a:buSzPct val="75000"/>
+              <a:buFont typeface="Wingdings" charset="2"/>
+              <a:buChar char="o"/>
+            </a:pPr>
+            <a:endParaRPr lang="en-US" sz="3200" dirty="0">
+              <a:latin typeface="Helvetica" charset="0"/>
+            </a:endParaRPr>
+          </a:p>
+          <a:p>
+            <a:pPr>
+              <a:lnSpc>
+                <a:spcPct val="80000"/>
+              </a:lnSpc>
+              <a:spcBef>
+                <a:spcPct val="15000"/>
+              </a:spcBef>
+              <a:buClr>
+                <a:schemeClr val="accent1"/>
+              </a:buClr>
+              <a:buSzPct val="75000"/>
+              <a:buFont typeface="Wingdings" charset="2"/>
+              <a:buChar char="o"/>
+            </a:pPr>
+            <a:r>
+              <a:rPr lang="en-US" sz="3200" dirty="0" smtClean="0">
+                <a:latin typeface="Helvetica" charset="0"/>
+              </a:rPr>
+              <a:t>Dedicated host interface</a:t>
+            </a:r>
+            <a:endParaRPr lang="en-US" sz="3200" dirty="0">
+              <a:latin typeface="Helvetica" charset="0"/>
+            </a:endParaRPr>
+          </a:p>
+          <a:p>
+            <a:pPr lvl="1">
+              <a:lnSpc>
+                <a:spcPct val="80000"/>
+              </a:lnSpc>
+              <a:spcBef>
+                <a:spcPct val="15000"/>
+              </a:spcBef>
+              <a:buClr>
+                <a:schemeClr val="accent2"/>
+              </a:buClr>
+              <a:buSzPct val="75000"/>
+              <a:buFont typeface="Wingdings" charset="2"/>
+              <a:buChar char="o"/>
+            </a:pPr>
+            <a:r>
+              <a:rPr lang="en-US" sz="2600" dirty="0" smtClean="0">
+                <a:latin typeface="Helvetica" charset="0"/>
+              </a:rPr>
+              <a:t>Process host command packets in-place, shift response to next tile in chain</a:t>
+            </a:r>
+          </a:p>
+          <a:p>
+            <a:pPr lvl="1">
+              <a:lnSpc>
+                <a:spcPct val="80000"/>
+              </a:lnSpc>
+              <a:spcBef>
+                <a:spcPct val="15000"/>
+              </a:spcBef>
+              <a:buClr>
+                <a:schemeClr val="accent2"/>
+              </a:buClr>
+              <a:buSzPct val="75000"/>
+              <a:buFont typeface="Wingdings" charset="2"/>
+              <a:buChar char="o"/>
+            </a:pPr>
+            <a:r>
+              <a:rPr lang="en-US" sz="2600" dirty="0" smtClean="0">
+                <a:effectLst/>
+                <a:latin typeface="Helvetica" charset="0"/>
+              </a:rPr>
+              <a:t>Arbitrary peek/poke access into all state elements</a:t>
+            </a:r>
+          </a:p>
+          <a:p>
+            <a:pPr lvl="1">
+              <a:lnSpc>
+                <a:spcPct val="80000"/>
+              </a:lnSpc>
+              <a:spcBef>
+                <a:spcPct val="15000"/>
+              </a:spcBef>
+              <a:buClr>
+                <a:schemeClr val="accent2"/>
+              </a:buClr>
+              <a:buSzPct val="75000"/>
+              <a:buFont typeface="Wingdings" charset="2"/>
+              <a:buChar char="o"/>
+            </a:pPr>
+            <a:r>
+              <a:rPr lang="en-US" sz="2600" dirty="0" smtClean="0">
+                <a:latin typeface="Helvetica" charset="0"/>
+              </a:rPr>
+              <a:t>Control tile execution</a:t>
+            </a:r>
             <a:endParaRPr lang="en-US" sz="2600" dirty="0">
               <a:effectLst/>
               <a:latin typeface="Helvetica" charset="0"/>
@@ -4635,66 +5474,6 @@
           </a:p>
         </p:txBody>
       </p:sp>
-      <p:cxnSp>
-        <p:nvCxnSpPr>
-          <p:cNvPr id="5" name="Straight Connector 4"/>
-          <p:cNvCxnSpPr/>
-          <p:nvPr/>
-        </p:nvCxnSpPr>
-        <p:spPr>
-          <a:xfrm>
-            <a:off x="10972800" y="6629400"/>
-            <a:ext cx="0" cy="22678231"/>
-          </a:xfrm>
-          <a:prstGeom prst="line">
-            <a:avLst/>
-          </a:prstGeom>
-        </p:spPr>
-        <p:style>
-          <a:lnRef idx="1">
-            <a:schemeClr val="accent1"/>
-          </a:lnRef>
-          <a:fillRef idx="0">
-            <a:schemeClr val="accent1"/>
-          </a:fillRef>
-          <a:effectRef idx="0">
-            <a:schemeClr val="accent1"/>
-          </a:effectRef>
-          <a:fontRef idx="minor">
-            <a:schemeClr val="tx1"/>
-          </a:fontRef>
-        </p:style>
-      </p:cxnSp>
-      <p:cxnSp>
-        <p:nvCxnSpPr>
-          <p:cNvPr id="28" name="Straight Connector 27"/>
-          <p:cNvCxnSpPr/>
-          <p:nvPr/>
-        </p:nvCxnSpPr>
-        <p:spPr>
-          <a:xfrm>
-            <a:off x="21945600" y="5943600"/>
-            <a:ext cx="0" cy="22678231"/>
-          </a:xfrm>
-          <a:prstGeom prst="line">
-            <a:avLst/>
-          </a:prstGeom>
-        </p:spPr>
-        <p:style>
-          <a:lnRef idx="1">
-            <a:schemeClr val="accent1"/>
-          </a:lnRef>
-          <a:fillRef idx="0">
-            <a:schemeClr val="accent1"/>
-          </a:fillRef>
-          <a:effectRef idx="0">
-            <a:schemeClr val="accent1"/>
-          </a:effectRef>
-          <a:fontRef idx="minor">
-            <a:schemeClr val="tx1"/>
-          </a:fontRef>
-        </p:style>
-      </p:cxnSp>
       <p:sp>
         <p:nvSpPr>
           <p:cNvPr id="30" name="AutoShape 1375"/>
@@ -4759,7 +5538,7 @@
         <p:spPr bwMode="auto">
           <a:xfrm>
             <a:off x="0" y="6858000"/>
-            <a:ext cx="10972800" cy="1828800"/>
+            <a:ext cx="10972800" cy="2286000"/>
           </a:xfrm>
           <a:prstGeom prst="rect">
             <a:avLst/>
@@ -5031,7 +5810,7 @@
         </p:nvSpPr>
         <p:spPr bwMode="auto">
           <a:xfrm>
-            <a:off x="22860000" y="13716000"/>
+            <a:off x="22860000" y="11887200"/>
             <a:ext cx="9144000" cy="914400"/>
           </a:xfrm>
           <a:prstGeom prst="roundRect">
@@ -5063,7 +5842,7 @@
                 </a:solidFill>
                 <a:effectLst/>
               </a:rPr>
-              <a:t>Hardware Results</a:t>
+              <a:t>Hardware Implementation</a:t>
             </a:r>
             <a:endParaRPr lang="en-US" sz="5000" b="1" dirty="0">
               <a:solidFill>
@@ -5084,7 +5863,7 @@
         </p:nvSpPr>
         <p:spPr bwMode="auto">
           <a:xfrm>
-            <a:off x="22860000" y="19202400"/>
+            <a:off x="22860000" y="21031200"/>
             <a:ext cx="9144000" cy="914400"/>
           </a:xfrm>
           <a:prstGeom prst="roundRect">
@@ -5127,1026 +5906,606 @@
           </a:p>
         </p:txBody>
       </p:sp>
-      <p:sp>
-        <p:nvSpPr>
-          <p:cNvPr id="36" name="Text Box 1383"/>
-          <p:cNvSpPr txBox="1">
-            <a:spLocks noChangeArrowheads="1"/>
-          </p:cNvSpPr>
-          <p:nvPr/>
-        </p:nvSpPr>
-        <p:spPr bwMode="auto">
-          <a:xfrm>
-            <a:off x="0" y="15087600"/>
-            <a:ext cx="10972800" cy="6091050"/>
-          </a:xfrm>
-          <a:prstGeom prst="rect">
-            <a:avLst/>
-          </a:prstGeom>
-          <a:noFill/>
-          <a:ln>
-            <a:noFill/>
-          </a:ln>
-          <a:extLst>
-            <a:ext uri="{909E8E84-426E-40DD-AFC4-6F175D3DCCD1}">
-              <a14:hiddenFill xmlns:a14="http://schemas.microsoft.com/office/drawing/2010/main">
-                <a:solidFill>
-                  <a:srgbClr val="FFFFFF"/>
-                </a:solidFill>
-              </a14:hiddenFill>
-            </a:ext>
-            <a:ext uri="{91240B29-F687-4F45-9708-019B960494DF}">
-              <a14:hiddenLine xmlns:a14="http://schemas.microsoft.com/office/drawing/2010/main" w="9525">
-                <a:solidFill>
-                  <a:srgbClr val="000000"/>
-                </a:solidFill>
-                <a:miter lim="800000"/>
-                <a:headEnd/>
-                <a:tailEnd/>
-              </a14:hiddenLine>
-            </a:ext>
-          </a:extLst>
-        </p:spPr>
-        <p:txBody>
-          <a:bodyPr wrap="square" lIns="228600" tIns="228600" rIns="228600" bIns="228600">
-            <a:noAutofit/>
-          </a:bodyPr>
-          <a:lstStyle>
-            <a:lvl1pPr marL="457200" indent="-457200">
-              <a:defRPr sz="3000">
-                <a:solidFill>
-                  <a:schemeClr val="tx1"/>
-                </a:solidFill>
-                <a:latin typeface="Times" charset="0"/>
-                <a:ea typeface="ＭＳ Ｐゴシック" charset="-128"/>
-              </a:defRPr>
-            </a:lvl1pPr>
-            <a:lvl2pPr marL="1092200" indent="-393700">
-              <a:defRPr sz="3000">
-                <a:solidFill>
-                  <a:schemeClr val="tx1"/>
-                </a:solidFill>
-                <a:latin typeface="Times" charset="0"/>
-                <a:ea typeface="ＭＳ Ｐゴシック" charset="-128"/>
-              </a:defRPr>
-            </a:lvl2pPr>
-            <a:lvl3pPr>
-              <a:defRPr sz="3000">
-                <a:solidFill>
-                  <a:schemeClr val="tx1"/>
-                </a:solidFill>
-                <a:latin typeface="Times" charset="0"/>
-                <a:ea typeface="ＭＳ Ｐゴシック" charset="-128"/>
-              </a:defRPr>
-            </a:lvl3pPr>
-            <a:lvl4pPr>
-              <a:defRPr sz="3000">
-                <a:solidFill>
-                  <a:schemeClr val="tx1"/>
-                </a:solidFill>
-                <a:latin typeface="Times" charset="0"/>
-                <a:ea typeface="ＭＳ Ｐゴシック" charset="-128"/>
-              </a:defRPr>
-            </a:lvl4pPr>
-            <a:lvl5pPr>
-              <a:defRPr sz="3000">
-                <a:solidFill>
-                  <a:schemeClr val="tx1"/>
-                </a:solidFill>
-                <a:latin typeface="Times" charset="0"/>
-                <a:ea typeface="ＭＳ Ｐゴシック" charset="-128"/>
-              </a:defRPr>
-            </a:lvl5pPr>
-            <a:lvl6pPr marL="457200" eaLnBrk="0" fontAlgn="base" hangingPunct="0">
-              <a:spcBef>
-                <a:spcPct val="0"/>
-              </a:spcBef>
-              <a:spcAft>
-                <a:spcPct val="0"/>
-              </a:spcAft>
-              <a:defRPr sz="3000">
-                <a:solidFill>
-                  <a:schemeClr val="tx1"/>
-                </a:solidFill>
-                <a:latin typeface="Times" charset="0"/>
-                <a:ea typeface="ＭＳ Ｐゴシック" charset="-128"/>
-              </a:defRPr>
-            </a:lvl6pPr>
-            <a:lvl7pPr marL="914400" eaLnBrk="0" fontAlgn="base" hangingPunct="0">
-              <a:spcBef>
-                <a:spcPct val="0"/>
-              </a:spcBef>
-              <a:spcAft>
-                <a:spcPct val="0"/>
-              </a:spcAft>
-              <a:defRPr sz="3000">
-                <a:solidFill>
-                  <a:schemeClr val="tx1"/>
-                </a:solidFill>
-                <a:latin typeface="Times" charset="0"/>
-                <a:ea typeface="ＭＳ Ｐゴシック" charset="-128"/>
-              </a:defRPr>
-            </a:lvl7pPr>
-            <a:lvl8pPr marL="1371600" eaLnBrk="0" fontAlgn="base" hangingPunct="0">
-              <a:spcBef>
-                <a:spcPct val="0"/>
-              </a:spcBef>
-              <a:spcAft>
-                <a:spcPct val="0"/>
-              </a:spcAft>
-              <a:defRPr sz="3000">
-                <a:solidFill>
-                  <a:schemeClr val="tx1"/>
-                </a:solidFill>
-                <a:latin typeface="Times" charset="0"/>
-                <a:ea typeface="ＭＳ Ｐゴシック" charset="-128"/>
-              </a:defRPr>
-            </a:lvl8pPr>
-            <a:lvl9pPr marL="1828800" eaLnBrk="0" fontAlgn="base" hangingPunct="0">
-              <a:spcBef>
-                <a:spcPct val="0"/>
-              </a:spcBef>
-              <a:spcAft>
-                <a:spcPct val="0"/>
-              </a:spcAft>
-              <a:defRPr sz="3000">
-                <a:solidFill>
-                  <a:schemeClr val="tx1"/>
-                </a:solidFill>
-                <a:latin typeface="Times" charset="0"/>
-                <a:ea typeface="ＭＳ Ｐゴシック" charset="-128"/>
-              </a:defRPr>
-            </a:lvl9pPr>
-          </a:lstStyle>
-          <a:p>
-            <a:pPr marL="0" indent="0" algn="ctr">
-              <a:lnSpc>
-                <a:spcPct val="80000"/>
-              </a:lnSpc>
-              <a:spcBef>
-                <a:spcPct val="15000"/>
-              </a:spcBef>
-              <a:buClr>
-                <a:schemeClr val="accent1"/>
-              </a:buClr>
-              <a:buSzPct val="75000"/>
-            </a:pPr>
-            <a:endParaRPr lang="en-US" sz="2600" dirty="0">
-              <a:effectLst/>
-              <a:latin typeface="Helvetica" charset="0"/>
-            </a:endParaRPr>
-          </a:p>
-        </p:txBody>
-      </p:sp>
-      <p:sp>
-        <p:nvSpPr>
-          <p:cNvPr id="37" name="Text Box 1383"/>
-          <p:cNvSpPr txBox="1">
-            <a:spLocks noChangeArrowheads="1"/>
-          </p:cNvSpPr>
-          <p:nvPr/>
-        </p:nvSpPr>
-        <p:spPr bwMode="auto">
-          <a:xfrm>
-            <a:off x="-19050" y="12801600"/>
-            <a:ext cx="10972800" cy="2743200"/>
-          </a:xfrm>
-          <a:prstGeom prst="rect">
-            <a:avLst/>
-          </a:prstGeom>
-          <a:noFill/>
-          <a:ln>
-            <a:noFill/>
-          </a:ln>
-          <a:extLst>
-            <a:ext uri="{909E8E84-426E-40DD-AFC4-6F175D3DCCD1}">
-              <a14:hiddenFill xmlns:a14="http://schemas.microsoft.com/office/drawing/2010/main">
-                <a:solidFill>
-                  <a:srgbClr val="FFFFFF"/>
-                </a:solidFill>
-              </a14:hiddenFill>
-            </a:ext>
-            <a:ext uri="{91240B29-F687-4F45-9708-019B960494DF}">
-              <a14:hiddenLine xmlns:a14="http://schemas.microsoft.com/office/drawing/2010/main" w="9525">
-                <a:solidFill>
-                  <a:srgbClr val="000000"/>
-                </a:solidFill>
-                <a:miter lim="800000"/>
-                <a:headEnd/>
-                <a:tailEnd/>
-              </a14:hiddenLine>
-            </a:ext>
-          </a:extLst>
-        </p:spPr>
-        <p:txBody>
-          <a:bodyPr wrap="square" lIns="228600" tIns="228600" rIns="228600" bIns="228600">
-            <a:noAutofit/>
-          </a:bodyPr>
-          <a:lstStyle>
-            <a:lvl1pPr marL="457200" indent="-457200">
-              <a:defRPr sz="3000">
-                <a:solidFill>
-                  <a:schemeClr val="tx1"/>
-                </a:solidFill>
-                <a:latin typeface="Times" charset="0"/>
-                <a:ea typeface="ＭＳ Ｐゴシック" charset="-128"/>
-              </a:defRPr>
-            </a:lvl1pPr>
-            <a:lvl2pPr marL="1092200" indent="-393700">
-              <a:defRPr sz="3000">
-                <a:solidFill>
-                  <a:schemeClr val="tx1"/>
-                </a:solidFill>
-                <a:latin typeface="Times" charset="0"/>
-                <a:ea typeface="ＭＳ Ｐゴシック" charset="-128"/>
-              </a:defRPr>
-            </a:lvl2pPr>
-            <a:lvl3pPr>
-              <a:defRPr sz="3000">
-                <a:solidFill>
-                  <a:schemeClr val="tx1"/>
-                </a:solidFill>
-                <a:latin typeface="Times" charset="0"/>
-                <a:ea typeface="ＭＳ Ｐゴシック" charset="-128"/>
-              </a:defRPr>
-            </a:lvl3pPr>
-            <a:lvl4pPr>
-              <a:defRPr sz="3000">
-                <a:solidFill>
-                  <a:schemeClr val="tx1"/>
-                </a:solidFill>
-                <a:latin typeface="Times" charset="0"/>
-                <a:ea typeface="ＭＳ Ｐゴシック" charset="-128"/>
-              </a:defRPr>
-            </a:lvl4pPr>
-            <a:lvl5pPr>
-              <a:defRPr sz="3000">
-                <a:solidFill>
-                  <a:schemeClr val="tx1"/>
-                </a:solidFill>
-                <a:latin typeface="Times" charset="0"/>
-                <a:ea typeface="ＭＳ Ｐゴシック" charset="-128"/>
-              </a:defRPr>
-            </a:lvl5pPr>
-            <a:lvl6pPr marL="457200" eaLnBrk="0" fontAlgn="base" hangingPunct="0">
-              <a:spcBef>
-                <a:spcPct val="0"/>
-              </a:spcBef>
-              <a:spcAft>
-                <a:spcPct val="0"/>
-              </a:spcAft>
-              <a:defRPr sz="3000">
-                <a:solidFill>
-                  <a:schemeClr val="tx1"/>
-                </a:solidFill>
-                <a:latin typeface="Times" charset="0"/>
-                <a:ea typeface="ＭＳ Ｐゴシック" charset="-128"/>
-              </a:defRPr>
-            </a:lvl6pPr>
-            <a:lvl7pPr marL="914400" eaLnBrk="0" fontAlgn="base" hangingPunct="0">
-              <a:spcBef>
-                <a:spcPct val="0"/>
-              </a:spcBef>
-              <a:spcAft>
-                <a:spcPct val="0"/>
-              </a:spcAft>
-              <a:defRPr sz="3000">
-                <a:solidFill>
-                  <a:schemeClr val="tx1"/>
-                </a:solidFill>
-                <a:latin typeface="Times" charset="0"/>
-                <a:ea typeface="ＭＳ Ｐゴシック" charset="-128"/>
-              </a:defRPr>
-            </a:lvl7pPr>
-            <a:lvl8pPr marL="1371600" eaLnBrk="0" fontAlgn="base" hangingPunct="0">
-              <a:spcBef>
-                <a:spcPct val="0"/>
-              </a:spcBef>
-              <a:spcAft>
-                <a:spcPct val="0"/>
-              </a:spcAft>
-              <a:defRPr sz="3000">
-                <a:solidFill>
-                  <a:schemeClr val="tx1"/>
-                </a:solidFill>
-                <a:latin typeface="Times" charset="0"/>
-                <a:ea typeface="ＭＳ Ｐゴシック" charset="-128"/>
-              </a:defRPr>
-            </a:lvl8pPr>
-            <a:lvl9pPr marL="1828800" eaLnBrk="0" fontAlgn="base" hangingPunct="0">
-              <a:spcBef>
-                <a:spcPct val="0"/>
-              </a:spcBef>
-              <a:spcAft>
-                <a:spcPct val="0"/>
-              </a:spcAft>
-              <a:defRPr sz="3000">
-                <a:solidFill>
-                  <a:schemeClr val="tx1"/>
-                </a:solidFill>
-                <a:latin typeface="Times" charset="0"/>
-                <a:ea typeface="ＭＳ Ｐゴシック" charset="-128"/>
-              </a:defRPr>
-            </a:lvl9pPr>
-          </a:lstStyle>
-          <a:p>
-            <a:pPr marL="0" indent="0" algn="ctr">
-              <a:lnSpc>
-                <a:spcPct val="80000"/>
-              </a:lnSpc>
-              <a:spcBef>
-                <a:spcPct val="15000"/>
-              </a:spcBef>
-              <a:buClr>
-                <a:schemeClr val="accent1"/>
-              </a:buClr>
-              <a:buSzPct val="75000"/>
-            </a:pPr>
-            <a:r>
-              <a:rPr lang="en-US" sz="4800" b="1" dirty="0" smtClean="0">
-                <a:latin typeface="Helvetica" charset="0"/>
-              </a:rPr>
-              <a:t>Iron Law of Emulation</a:t>
-            </a:r>
-          </a:p>
-          <a:p>
-            <a:pPr marL="0" indent="0" algn="ctr">
-              <a:lnSpc>
-                <a:spcPct val="80000"/>
-              </a:lnSpc>
-              <a:spcBef>
-                <a:spcPct val="15000"/>
-              </a:spcBef>
-              <a:buClr>
-                <a:schemeClr val="accent1"/>
-              </a:buClr>
-              <a:buSzPct val="75000"/>
-            </a:pPr>
-            <a:r>
-              <a:rPr lang="en-US" sz="2400" b="1" dirty="0" smtClean="0">
-                <a:latin typeface="Helvetica" charset="0"/>
-              </a:rPr>
-              <a:t>Tagline here</a:t>
-            </a:r>
-            <a:endParaRPr lang="en-US" sz="2400" b="1" dirty="0">
-              <a:latin typeface="Helvetica" charset="0"/>
-            </a:endParaRPr>
-          </a:p>
-          <a:p>
-            <a:pPr marL="0" indent="0" algn="ctr">
-              <a:lnSpc>
-                <a:spcPct val="80000"/>
-              </a:lnSpc>
-              <a:spcBef>
-                <a:spcPct val="15000"/>
-              </a:spcBef>
-              <a:buClr>
-                <a:schemeClr val="accent1"/>
-              </a:buClr>
-              <a:buSzPct val="75000"/>
-            </a:pPr>
-            <a:endParaRPr lang="en-US" sz="2000" b="1" dirty="0">
-              <a:latin typeface="Helvetica" charset="0"/>
-            </a:endParaRPr>
-          </a:p>
-          <a:p>
-            <a:pPr>
-              <a:lnSpc>
-                <a:spcPct val="80000"/>
-              </a:lnSpc>
-              <a:spcBef>
-                <a:spcPct val="15000"/>
-              </a:spcBef>
-              <a:buClr>
-                <a:schemeClr val="accent1"/>
-              </a:buClr>
-              <a:buSzPct val="75000"/>
-              <a:buFont typeface="Wingdings" charset="2"/>
-              <a:buChar char="o"/>
-            </a:pPr>
-            <a:r>
-              <a:rPr lang="en-US" sz="3200" dirty="0" smtClean="0">
-                <a:latin typeface="Helvetica" charset="0"/>
-              </a:rPr>
-              <a:t>FPGA </a:t>
-            </a:r>
-            <a:r>
-              <a:rPr lang="en-US" sz="3200" dirty="0">
-                <a:latin typeface="Helvetica" charset="0"/>
-              </a:rPr>
-              <a:t>emulation is the </a:t>
-            </a:r>
-            <a:r>
-              <a:rPr lang="en-US" sz="3200" dirty="0" smtClean="0">
-                <a:latin typeface="Helvetica" charset="0"/>
-              </a:rPr>
-              <a:t>fastest tool </a:t>
-            </a:r>
-            <a:r>
-              <a:rPr lang="en-US" sz="3200" dirty="0">
-                <a:latin typeface="Helvetica" charset="0"/>
-              </a:rPr>
-              <a:t>for </a:t>
-            </a:r>
-            <a:r>
-              <a:rPr lang="en-US" sz="3200" dirty="0" smtClean="0">
-                <a:latin typeface="Helvetica" charset="0"/>
-              </a:rPr>
-              <a:t>emulation</a:t>
-            </a:r>
-            <a:endParaRPr lang="en-US" sz="3200" dirty="0">
-              <a:latin typeface="Helvetica" charset="0"/>
-            </a:endParaRPr>
-          </a:p>
-          <a:p>
-            <a:pPr lvl="1">
-              <a:lnSpc>
-                <a:spcPct val="80000"/>
-              </a:lnSpc>
-              <a:spcBef>
-                <a:spcPct val="15000"/>
-              </a:spcBef>
-              <a:buClr>
-                <a:schemeClr val="accent2"/>
-              </a:buClr>
-              <a:buSzPct val="75000"/>
-              <a:buFont typeface="Wingdings" charset="2"/>
-              <a:buChar char="o"/>
-            </a:pPr>
-            <a:r>
-              <a:rPr lang="en-US" sz="2600" dirty="0">
-                <a:latin typeface="Helvetica" charset="0"/>
-              </a:rPr>
-              <a:t>Alternative is software simulation, which is much </a:t>
-            </a:r>
-            <a:r>
-              <a:rPr lang="en-US" sz="2600" dirty="0" smtClean="0">
-                <a:latin typeface="Helvetica" charset="0"/>
-              </a:rPr>
-              <a:t>slower</a:t>
-            </a:r>
-          </a:p>
-        </p:txBody>
-      </p:sp>
-      <p:sp>
-        <p:nvSpPr>
-          <p:cNvPr id="38" name="Text Box 1383"/>
-          <p:cNvSpPr txBox="1">
-            <a:spLocks noChangeArrowheads="1"/>
-          </p:cNvSpPr>
-          <p:nvPr/>
-        </p:nvSpPr>
-        <p:spPr bwMode="auto">
-          <a:xfrm>
-            <a:off x="0" y="15544800"/>
-            <a:ext cx="10972800" cy="5486400"/>
-          </a:xfrm>
-          <a:prstGeom prst="rect">
-            <a:avLst/>
-          </a:prstGeom>
-          <a:noFill/>
-          <a:ln>
-            <a:noFill/>
-          </a:ln>
-          <a:extLst>
-            <a:ext uri="{909E8E84-426E-40DD-AFC4-6F175D3DCCD1}">
-              <a14:hiddenFill xmlns:a14="http://schemas.microsoft.com/office/drawing/2010/main">
-                <a:solidFill>
-                  <a:srgbClr val="FFFFFF"/>
-                </a:solidFill>
-              </a14:hiddenFill>
-            </a:ext>
-            <a:ext uri="{91240B29-F687-4F45-9708-019B960494DF}">
-              <a14:hiddenLine xmlns:a14="http://schemas.microsoft.com/office/drawing/2010/main" w="9525">
-                <a:solidFill>
-                  <a:srgbClr val="000000"/>
-                </a:solidFill>
-                <a:miter lim="800000"/>
-                <a:headEnd/>
-                <a:tailEnd/>
-              </a14:hiddenLine>
-            </a:ext>
-          </a:extLst>
-        </p:spPr>
-        <p:txBody>
-          <a:bodyPr wrap="square" lIns="228600" tIns="228600" rIns="228600" bIns="228600">
-            <a:noAutofit/>
-          </a:bodyPr>
-          <a:lstStyle>
-            <a:lvl1pPr marL="457200" indent="-457200">
-              <a:defRPr sz="3000">
-                <a:solidFill>
-                  <a:schemeClr val="tx1"/>
-                </a:solidFill>
-                <a:latin typeface="Times" charset="0"/>
-                <a:ea typeface="ＭＳ Ｐゴシック" charset="-128"/>
-              </a:defRPr>
-            </a:lvl1pPr>
-            <a:lvl2pPr marL="1092200" indent="-393700">
-              <a:defRPr sz="3000">
-                <a:solidFill>
-                  <a:schemeClr val="tx1"/>
-                </a:solidFill>
-                <a:latin typeface="Times" charset="0"/>
-                <a:ea typeface="ＭＳ Ｐゴシック" charset="-128"/>
-              </a:defRPr>
-            </a:lvl2pPr>
-            <a:lvl3pPr>
-              <a:defRPr sz="3000">
-                <a:solidFill>
-                  <a:schemeClr val="tx1"/>
-                </a:solidFill>
-                <a:latin typeface="Times" charset="0"/>
-                <a:ea typeface="ＭＳ Ｐゴシック" charset="-128"/>
-              </a:defRPr>
-            </a:lvl3pPr>
-            <a:lvl4pPr>
-              <a:defRPr sz="3000">
-                <a:solidFill>
-                  <a:schemeClr val="tx1"/>
-                </a:solidFill>
-                <a:latin typeface="Times" charset="0"/>
-                <a:ea typeface="ＭＳ Ｐゴシック" charset="-128"/>
-              </a:defRPr>
-            </a:lvl4pPr>
-            <a:lvl5pPr>
-              <a:defRPr sz="3000">
-                <a:solidFill>
-                  <a:schemeClr val="tx1"/>
-                </a:solidFill>
-                <a:latin typeface="Times" charset="0"/>
-                <a:ea typeface="ＭＳ Ｐゴシック" charset="-128"/>
-              </a:defRPr>
-            </a:lvl5pPr>
-            <a:lvl6pPr marL="457200" eaLnBrk="0" fontAlgn="base" hangingPunct="0">
-              <a:spcBef>
-                <a:spcPct val="0"/>
-              </a:spcBef>
-              <a:spcAft>
-                <a:spcPct val="0"/>
-              </a:spcAft>
-              <a:defRPr sz="3000">
-                <a:solidFill>
-                  <a:schemeClr val="tx1"/>
-                </a:solidFill>
-                <a:latin typeface="Times" charset="0"/>
-                <a:ea typeface="ＭＳ Ｐゴシック" charset="-128"/>
-              </a:defRPr>
-            </a:lvl6pPr>
-            <a:lvl7pPr marL="914400" eaLnBrk="0" fontAlgn="base" hangingPunct="0">
-              <a:spcBef>
-                <a:spcPct val="0"/>
-              </a:spcBef>
-              <a:spcAft>
-                <a:spcPct val="0"/>
-              </a:spcAft>
-              <a:defRPr sz="3000">
-                <a:solidFill>
-                  <a:schemeClr val="tx1"/>
-                </a:solidFill>
-                <a:latin typeface="Times" charset="0"/>
-                <a:ea typeface="ＭＳ Ｐゴシック" charset="-128"/>
-              </a:defRPr>
-            </a:lvl7pPr>
-            <a:lvl8pPr marL="1371600" eaLnBrk="0" fontAlgn="base" hangingPunct="0">
-              <a:spcBef>
-                <a:spcPct val="0"/>
-              </a:spcBef>
-              <a:spcAft>
-                <a:spcPct val="0"/>
-              </a:spcAft>
-              <a:defRPr sz="3000">
-                <a:solidFill>
-                  <a:schemeClr val="tx1"/>
-                </a:solidFill>
-                <a:latin typeface="Times" charset="0"/>
-                <a:ea typeface="ＭＳ Ｐゴシック" charset="-128"/>
-              </a:defRPr>
-            </a:lvl8pPr>
-            <a:lvl9pPr marL="1828800" eaLnBrk="0" fontAlgn="base" hangingPunct="0">
-              <a:spcBef>
-                <a:spcPct val="0"/>
-              </a:spcBef>
-              <a:spcAft>
-                <a:spcPct val="0"/>
-              </a:spcAft>
-              <a:defRPr sz="3000">
-                <a:solidFill>
-                  <a:schemeClr val="tx1"/>
-                </a:solidFill>
-                <a:latin typeface="Times" charset="0"/>
-                <a:ea typeface="ＭＳ Ｐゴシック" charset="-128"/>
-              </a:defRPr>
-            </a:lvl9pPr>
-          </a:lstStyle>
-          <a:p>
-            <a:pPr marL="0" indent="0" algn="ctr">
-              <a:lnSpc>
-                <a:spcPct val="80000"/>
-              </a:lnSpc>
-              <a:spcBef>
-                <a:spcPct val="15000"/>
-              </a:spcBef>
-              <a:buClr>
-                <a:schemeClr val="accent1"/>
-              </a:buClr>
-              <a:buSzPct val="75000"/>
-            </a:pPr>
-            <a:r>
-              <a:rPr lang="en-US" sz="4800" b="1" dirty="0" smtClean="0">
-                <a:latin typeface="Helvetica" charset="0"/>
-              </a:rPr>
-              <a:t>DREAMER </a:t>
-            </a:r>
-            <a:r>
-              <a:rPr lang="en-US" sz="4800" b="1" dirty="0">
-                <a:latin typeface="Helvetica" charset="0"/>
-              </a:rPr>
-              <a:t>Motivation</a:t>
-            </a:r>
-          </a:p>
-          <a:p>
-            <a:pPr marL="0" indent="0" algn="ctr">
-              <a:lnSpc>
-                <a:spcPct val="80000"/>
-              </a:lnSpc>
-              <a:spcBef>
-                <a:spcPct val="15000"/>
-              </a:spcBef>
-              <a:buClr>
-                <a:schemeClr val="accent1"/>
-              </a:buClr>
-              <a:buSzPct val="75000"/>
-            </a:pPr>
-            <a:endParaRPr lang="en-US" sz="2000" b="1" dirty="0">
-              <a:latin typeface="Helvetica" charset="0"/>
-            </a:endParaRPr>
-          </a:p>
-          <a:p>
-            <a:pPr>
-              <a:lnSpc>
-                <a:spcPct val="80000"/>
-              </a:lnSpc>
-              <a:spcBef>
-                <a:spcPct val="15000"/>
-              </a:spcBef>
-              <a:buClr>
-                <a:schemeClr val="accent1"/>
-              </a:buClr>
-              <a:buSzPct val="75000"/>
-              <a:buFont typeface="Wingdings" charset="2"/>
-              <a:buChar char="o"/>
-            </a:pPr>
-            <a:r>
-              <a:rPr lang="en-US" sz="3200" dirty="0">
-                <a:latin typeface="Helvetica" charset="0"/>
-              </a:rPr>
-              <a:t>… but FPGA emulation is not ideal</a:t>
-            </a:r>
-          </a:p>
-          <a:p>
-            <a:pPr lvl="1">
-              <a:lnSpc>
-                <a:spcPct val="80000"/>
-              </a:lnSpc>
-              <a:spcBef>
-                <a:spcPct val="15000"/>
-              </a:spcBef>
-              <a:buClr>
-                <a:schemeClr val="accent2"/>
-              </a:buClr>
-              <a:buSzPct val="75000"/>
-              <a:buFont typeface="Wingdings" charset="2"/>
-              <a:buChar char="o"/>
-            </a:pPr>
-            <a:r>
-              <a:rPr lang="en-US" sz="2600" dirty="0">
-                <a:latin typeface="Helvetica" charset="0"/>
-              </a:rPr>
-              <a:t>Inefficient support for word-wide operations </a:t>
-            </a:r>
-            <a:r>
-              <a:rPr lang="en-US" sz="2600" dirty="0" smtClean="0">
-                <a:latin typeface="Helvetica" charset="0"/>
-              </a:rPr>
-              <a:t>(natively bit-wide)</a:t>
-            </a:r>
-          </a:p>
-          <a:p>
-            <a:pPr lvl="1">
-              <a:lnSpc>
-                <a:spcPct val="80000"/>
-              </a:lnSpc>
-              <a:spcBef>
-                <a:spcPct val="15000"/>
-              </a:spcBef>
-              <a:buClr>
-                <a:schemeClr val="accent2"/>
-              </a:buClr>
-              <a:buSzPct val="75000"/>
-              <a:buFont typeface="Wingdings" charset="2"/>
-              <a:buChar char="o"/>
-            </a:pPr>
-            <a:r>
-              <a:rPr lang="en-US" sz="2600" dirty="0" smtClean="0">
-                <a:latin typeface="Helvetica" charset="0"/>
-              </a:rPr>
-              <a:t>Logic </a:t>
-            </a:r>
-            <a:r>
-              <a:rPr lang="en-US" sz="2600" dirty="0">
-                <a:latin typeface="Helvetica" charset="0"/>
-              </a:rPr>
-              <a:t>synthesis and mapping takes a long time</a:t>
-            </a:r>
-          </a:p>
-          <a:p>
-            <a:pPr lvl="1">
-              <a:lnSpc>
-                <a:spcPct val="80000"/>
-              </a:lnSpc>
-              <a:spcBef>
-                <a:spcPct val="15000"/>
-              </a:spcBef>
-              <a:buClr>
-                <a:schemeClr val="accent2"/>
-              </a:buClr>
-              <a:buSzPct val="75000"/>
-              <a:buFont typeface="Wingdings" charset="2"/>
-              <a:buChar char="o"/>
-            </a:pPr>
-            <a:r>
-              <a:rPr lang="en-US" sz="2600" dirty="0">
-                <a:latin typeface="Helvetica" charset="0"/>
-              </a:rPr>
-              <a:t>… and must be done after </a:t>
-            </a:r>
-            <a:r>
-              <a:rPr lang="en-US" sz="2600" i="1" dirty="0">
-                <a:latin typeface="Helvetica" charset="0"/>
-              </a:rPr>
-              <a:t>any</a:t>
-            </a:r>
-            <a:r>
-              <a:rPr lang="en-US" sz="2600" dirty="0">
-                <a:latin typeface="Helvetica" charset="0"/>
-              </a:rPr>
-              <a:t> change in the design</a:t>
-            </a:r>
-          </a:p>
-          <a:p>
-            <a:pPr lvl="1">
-              <a:lnSpc>
-                <a:spcPct val="80000"/>
-              </a:lnSpc>
-              <a:spcBef>
-                <a:spcPct val="15000"/>
-              </a:spcBef>
-              <a:buClr>
-                <a:schemeClr val="accent2"/>
-              </a:buClr>
-              <a:buSzPct val="75000"/>
-              <a:buFont typeface="Wingdings" charset="2"/>
-              <a:buChar char="o"/>
-            </a:pPr>
-            <a:r>
-              <a:rPr lang="en-US" sz="2600" dirty="0">
-                <a:latin typeface="Helvetica" charset="0"/>
-              </a:rPr>
-              <a:t>… even if all you want to do is add a logic </a:t>
-            </a:r>
-            <a:r>
-              <a:rPr lang="en-US" sz="2600" dirty="0" smtClean="0">
-                <a:latin typeface="Helvetica" charset="0"/>
-              </a:rPr>
-              <a:t>probe</a:t>
-            </a:r>
-          </a:p>
-          <a:p>
-            <a:pPr lvl="1">
-              <a:lnSpc>
-                <a:spcPct val="80000"/>
-              </a:lnSpc>
-              <a:spcBef>
-                <a:spcPct val="15000"/>
-              </a:spcBef>
-              <a:buClr>
-                <a:schemeClr val="accent2"/>
-              </a:buClr>
-              <a:buSzPct val="75000"/>
-              <a:buFont typeface="Wingdings" charset="2"/>
-              <a:buChar char="o"/>
-            </a:pPr>
-            <a:endParaRPr lang="en-US" sz="3200" dirty="0">
-              <a:latin typeface="Helvetica" charset="0"/>
-            </a:endParaRPr>
-          </a:p>
-          <a:p>
-            <a:pPr>
-              <a:lnSpc>
-                <a:spcPct val="80000"/>
-              </a:lnSpc>
-              <a:spcBef>
-                <a:spcPct val="15000"/>
-              </a:spcBef>
-              <a:buClr>
-                <a:schemeClr val="accent1"/>
-              </a:buClr>
-              <a:buSzPct val="75000"/>
-              <a:buFont typeface="Wingdings" charset="2"/>
-              <a:buChar char="o"/>
-            </a:pPr>
-            <a:r>
-              <a:rPr lang="en-US" sz="3200" b="1" dirty="0">
-                <a:latin typeface="Helvetica" charset="0"/>
-              </a:rPr>
-              <a:t>DREAMER</a:t>
-            </a:r>
-            <a:r>
-              <a:rPr lang="en-US" sz="3200" dirty="0">
-                <a:latin typeface="Helvetica" charset="0"/>
-              </a:rPr>
-              <a:t>: a </a:t>
-            </a:r>
-            <a:r>
-              <a:rPr lang="en-US" sz="3200" dirty="0" smtClean="0">
-                <a:latin typeface="Helvetica" charset="0"/>
-              </a:rPr>
-              <a:t>new reconfigurable </a:t>
-            </a:r>
-            <a:r>
-              <a:rPr lang="en-US" sz="3200" dirty="0">
-                <a:latin typeface="Helvetica" charset="0"/>
-              </a:rPr>
-              <a:t>logic </a:t>
-            </a:r>
-            <a:r>
-              <a:rPr lang="en-US" sz="3200" dirty="0" smtClean="0">
-                <a:latin typeface="Helvetica" charset="0"/>
-              </a:rPr>
-              <a:t>platform</a:t>
-            </a:r>
-            <a:endParaRPr lang="en-US" sz="3200" dirty="0">
-              <a:latin typeface="Helvetica" charset="0"/>
-            </a:endParaRPr>
-          </a:p>
-          <a:p>
-            <a:pPr lvl="1">
-              <a:lnSpc>
-                <a:spcPct val="80000"/>
-              </a:lnSpc>
-              <a:spcBef>
-                <a:spcPct val="15000"/>
-              </a:spcBef>
-              <a:buClr>
-                <a:schemeClr val="accent2"/>
-              </a:buClr>
-              <a:buSzPct val="75000"/>
-              <a:buFont typeface="Wingdings" charset="2"/>
-              <a:buChar char="o"/>
-            </a:pPr>
-            <a:r>
-              <a:rPr lang="en-US" sz="2600" dirty="0" smtClean="0">
-                <a:latin typeface="Helvetica" charset="0"/>
-              </a:rPr>
-              <a:t>Instead of array of bits, use massively parallel array of simple processors</a:t>
-            </a:r>
-          </a:p>
-          <a:p>
-            <a:pPr lvl="1">
-              <a:lnSpc>
-                <a:spcPct val="80000"/>
-              </a:lnSpc>
-              <a:spcBef>
-                <a:spcPct val="15000"/>
-              </a:spcBef>
-              <a:buClr>
-                <a:schemeClr val="accent2"/>
-              </a:buClr>
-              <a:buSzPct val="75000"/>
-              <a:buFont typeface="Wingdings" charset="2"/>
-              <a:buChar char="o"/>
-            </a:pPr>
-            <a:r>
-              <a:rPr lang="en-US" sz="2600" dirty="0" smtClean="0">
-                <a:latin typeface="Helvetica" charset="0"/>
-              </a:rPr>
-              <a:t>Supporting tools to map hardware designs to array target</a:t>
-            </a:r>
-          </a:p>
-          <a:p>
-            <a:pPr lvl="1">
-              <a:lnSpc>
-                <a:spcPct val="80000"/>
-              </a:lnSpc>
-              <a:spcBef>
-                <a:spcPct val="15000"/>
-              </a:spcBef>
-              <a:buClr>
-                <a:schemeClr val="accent2"/>
-              </a:buClr>
-              <a:buSzPct val="75000"/>
-              <a:buFont typeface="Wingdings" charset="2"/>
-              <a:buChar char="o"/>
-            </a:pPr>
-            <a:r>
-              <a:rPr lang="en-US" sz="2600" dirty="0" smtClean="0">
-                <a:latin typeface="Helvetica" charset="0"/>
-              </a:rPr>
-              <a:t>New point in the space between programmability and efficiency</a:t>
-            </a:r>
-          </a:p>
-          <a:p>
-            <a:pPr lvl="1">
-              <a:lnSpc>
-                <a:spcPct val="80000"/>
-              </a:lnSpc>
-              <a:spcBef>
-                <a:spcPct val="15000"/>
-              </a:spcBef>
-              <a:buClr>
-                <a:schemeClr val="accent2"/>
-              </a:buClr>
-              <a:buSzPct val="75000"/>
-              <a:buFont typeface="Wingdings" charset="2"/>
-              <a:buChar char="o"/>
-            </a:pPr>
-            <a:endParaRPr lang="en-US" sz="2600" dirty="0">
-              <a:latin typeface="Helvetica" charset="0"/>
-            </a:endParaRPr>
-          </a:p>
-          <a:p>
-            <a:pPr marL="698500" lvl="1" indent="0">
-              <a:lnSpc>
-                <a:spcPct val="80000"/>
-              </a:lnSpc>
-              <a:spcBef>
-                <a:spcPct val="15000"/>
-              </a:spcBef>
-              <a:buClr>
-                <a:schemeClr val="accent2"/>
-              </a:buClr>
-              <a:buSzPct val="75000"/>
-            </a:pPr>
-            <a:endParaRPr lang="en-US" sz="2600" dirty="0">
-              <a:latin typeface="Helvetica" charset="0"/>
-            </a:endParaRPr>
-          </a:p>
-        </p:txBody>
-      </p:sp>
-      <p:sp>
-        <p:nvSpPr>
-          <p:cNvPr id="39" name="AutoShape 1375"/>
-          <p:cNvSpPr>
-            <a:spLocks noChangeArrowheads="1"/>
-          </p:cNvSpPr>
-          <p:nvPr/>
-        </p:nvSpPr>
-        <p:spPr bwMode="auto">
-          <a:xfrm>
-            <a:off x="914400" y="21945600"/>
-            <a:ext cx="9144000" cy="914400"/>
-          </a:xfrm>
-          <a:prstGeom prst="roundRect">
-            <a:avLst>
-              <a:gd name="adj" fmla="val 16667"/>
-            </a:avLst>
-          </a:prstGeom>
-          <a:solidFill>
-            <a:schemeClr val="accent1"/>
-          </a:solidFill>
-          <a:ln w="9525">
-            <a:solidFill>
-              <a:schemeClr val="tx1"/>
-            </a:solidFill>
-            <a:round/>
-            <a:headEnd/>
-            <a:tailEnd/>
-          </a:ln>
-        </p:spPr>
-        <p:txBody>
-          <a:bodyPr wrap="none" anchor="ctr"/>
-          <a:lstStyle/>
-          <a:p>
-            <a:pPr algn="ctr"/>
-            <a:r>
-              <a:rPr lang="en-US" sz="5000" b="1" dirty="0" smtClean="0">
-                <a:solidFill>
-                  <a:schemeClr val="bg1"/>
-                </a:solidFill>
-                <a:effectLst/>
-              </a:rPr>
-              <a:t>In the Lasagna</a:t>
-            </a:r>
-            <a:endParaRPr lang="en-US" sz="5000" b="1" dirty="0">
-              <a:solidFill>
-                <a:schemeClr val="bg1"/>
-              </a:solidFill>
-              <a:effectLst/>
-            </a:endParaRPr>
-          </a:p>
-        </p:txBody>
-      </p:sp>
+      <mc:AlternateContent xmlns:mc="http://schemas.openxmlformats.org/markup-compatibility/2006">
+        <mc:Choice xmlns:a14="http://schemas.microsoft.com/office/drawing/2010/main" Requires="a14">
+          <p:sp>
+            <p:nvSpPr>
+              <p:cNvPr id="37" name="Text Box 1383"/>
+              <p:cNvSpPr txBox="1">
+                <a:spLocks noChangeArrowheads="1"/>
+              </p:cNvSpPr>
+              <p:nvPr/>
+            </p:nvSpPr>
+            <p:spPr bwMode="auto">
+              <a:xfrm>
+                <a:off x="-19050" y="9144000"/>
+                <a:ext cx="10972800" cy="6400800"/>
+              </a:xfrm>
+              <a:prstGeom prst="rect">
+                <a:avLst/>
+              </a:prstGeom>
+              <a:noFill/>
+              <a:ln>
+                <a:noFill/>
+              </a:ln>
+              <a:extLst>
+                <a:ext uri="{909E8E84-426E-40DD-AFC4-6F175D3DCCD1}">
+                  <a14:hiddenFill>
+                    <a:solidFill>
+                      <a:srgbClr val="FFFFFF"/>
+                    </a:solidFill>
+                  </a14:hiddenFill>
+                </a:ext>
+                <a:ext uri="{91240B29-F687-4F45-9708-019B960494DF}">
+                  <a14:hiddenLine w="9525">
+                    <a:solidFill>
+                      <a:srgbClr val="000000"/>
+                    </a:solidFill>
+                    <a:miter lim="800000"/>
+                    <a:headEnd/>
+                    <a:tailEnd/>
+                  </a14:hiddenLine>
+                </a:ext>
+              </a:extLst>
+            </p:spPr>
+            <p:txBody>
+              <a:bodyPr wrap="square" lIns="228600" tIns="228600" rIns="228600" bIns="228600">
+                <a:noAutofit/>
+              </a:bodyPr>
+              <a:lstStyle>
+                <a:lvl1pPr marL="457200" indent="-457200">
+                  <a:defRPr sz="3000">
+                    <a:solidFill>
+                      <a:schemeClr val="tx1"/>
+                    </a:solidFill>
+                    <a:latin typeface="Times" charset="0"/>
+                    <a:ea typeface="ＭＳ Ｐゴシック" charset="-128"/>
+                  </a:defRPr>
+                </a:lvl1pPr>
+                <a:lvl2pPr marL="1092200" indent="-393700">
+                  <a:defRPr sz="3000">
+                    <a:solidFill>
+                      <a:schemeClr val="tx1"/>
+                    </a:solidFill>
+                    <a:latin typeface="Times" charset="0"/>
+                    <a:ea typeface="ＭＳ Ｐゴシック" charset="-128"/>
+                  </a:defRPr>
+                </a:lvl2pPr>
+                <a:lvl3pPr>
+                  <a:defRPr sz="3000">
+                    <a:solidFill>
+                      <a:schemeClr val="tx1"/>
+                    </a:solidFill>
+                    <a:latin typeface="Times" charset="0"/>
+                    <a:ea typeface="ＭＳ Ｐゴシック" charset="-128"/>
+                  </a:defRPr>
+                </a:lvl3pPr>
+                <a:lvl4pPr>
+                  <a:defRPr sz="3000">
+                    <a:solidFill>
+                      <a:schemeClr val="tx1"/>
+                    </a:solidFill>
+                    <a:latin typeface="Times" charset="0"/>
+                    <a:ea typeface="ＭＳ Ｐゴシック" charset="-128"/>
+                  </a:defRPr>
+                </a:lvl4pPr>
+                <a:lvl5pPr>
+                  <a:defRPr sz="3000">
+                    <a:solidFill>
+                      <a:schemeClr val="tx1"/>
+                    </a:solidFill>
+                    <a:latin typeface="Times" charset="0"/>
+                    <a:ea typeface="ＭＳ Ｐゴシック" charset="-128"/>
+                  </a:defRPr>
+                </a:lvl5pPr>
+                <a:lvl6pPr marL="457200" eaLnBrk="0" fontAlgn="base" hangingPunct="0">
+                  <a:spcBef>
+                    <a:spcPct val="0"/>
+                  </a:spcBef>
+                  <a:spcAft>
+                    <a:spcPct val="0"/>
+                  </a:spcAft>
+                  <a:defRPr sz="3000">
+                    <a:solidFill>
+                      <a:schemeClr val="tx1"/>
+                    </a:solidFill>
+                    <a:latin typeface="Times" charset="0"/>
+                    <a:ea typeface="ＭＳ Ｐゴシック" charset="-128"/>
+                  </a:defRPr>
+                </a:lvl6pPr>
+                <a:lvl7pPr marL="914400" eaLnBrk="0" fontAlgn="base" hangingPunct="0">
+                  <a:spcBef>
+                    <a:spcPct val="0"/>
+                  </a:spcBef>
+                  <a:spcAft>
+                    <a:spcPct val="0"/>
+                  </a:spcAft>
+                  <a:defRPr sz="3000">
+                    <a:solidFill>
+                      <a:schemeClr val="tx1"/>
+                    </a:solidFill>
+                    <a:latin typeface="Times" charset="0"/>
+                    <a:ea typeface="ＭＳ Ｐゴシック" charset="-128"/>
+                  </a:defRPr>
+                </a:lvl7pPr>
+                <a:lvl8pPr marL="1371600" eaLnBrk="0" fontAlgn="base" hangingPunct="0">
+                  <a:spcBef>
+                    <a:spcPct val="0"/>
+                  </a:spcBef>
+                  <a:spcAft>
+                    <a:spcPct val="0"/>
+                  </a:spcAft>
+                  <a:defRPr sz="3000">
+                    <a:solidFill>
+                      <a:schemeClr val="tx1"/>
+                    </a:solidFill>
+                    <a:latin typeface="Times" charset="0"/>
+                    <a:ea typeface="ＭＳ Ｐゴシック" charset="-128"/>
+                  </a:defRPr>
+                </a:lvl8pPr>
+                <a:lvl9pPr marL="1828800" eaLnBrk="0" fontAlgn="base" hangingPunct="0">
+                  <a:spcBef>
+                    <a:spcPct val="0"/>
+                  </a:spcBef>
+                  <a:spcAft>
+                    <a:spcPct val="0"/>
+                  </a:spcAft>
+                  <a:defRPr sz="3000">
+                    <a:solidFill>
+                      <a:schemeClr val="tx1"/>
+                    </a:solidFill>
+                    <a:latin typeface="Times" charset="0"/>
+                    <a:ea typeface="ＭＳ Ｐゴシック" charset="-128"/>
+                  </a:defRPr>
+                </a:lvl9pPr>
+              </a:lstStyle>
+              <a:p>
+                <a:pPr marL="0" indent="0" algn="ctr">
+                  <a:lnSpc>
+                    <a:spcPct val="80000"/>
+                  </a:lnSpc>
+                  <a:spcBef>
+                    <a:spcPct val="15000"/>
+                  </a:spcBef>
+                  <a:buClr>
+                    <a:schemeClr val="accent1"/>
+                  </a:buClr>
+                  <a:buSzPct val="75000"/>
+                </a:pPr>
+                <a:r>
+                  <a:rPr lang="en-US" sz="4800" b="1" dirty="0" smtClean="0">
+                    <a:latin typeface="Helvetica" charset="0"/>
+                  </a:rPr>
+                  <a:t>Iron Law of Emulation</a:t>
+                </a:r>
+              </a:p>
+              <a:p>
+                <a:pPr marL="0" indent="0" algn="ctr">
+                  <a:lnSpc>
+                    <a:spcPct val="80000"/>
+                  </a:lnSpc>
+                  <a:spcBef>
+                    <a:spcPct val="15000"/>
+                  </a:spcBef>
+                  <a:buClr>
+                    <a:schemeClr val="accent1"/>
+                  </a:buClr>
+                  <a:buSzPct val="75000"/>
+                </a:pPr>
+                <a:endParaRPr lang="en-US" sz="2000" b="1" dirty="0">
+                  <a:latin typeface="Helvetica" charset="0"/>
+                </a:endParaRPr>
+              </a:p>
+              <a:p>
+                <a:pPr>
+                  <a:lnSpc>
+                    <a:spcPct val="80000"/>
+                  </a:lnSpc>
+                  <a:spcBef>
+                    <a:spcPct val="15000"/>
+                  </a:spcBef>
+                  <a:buClr>
+                    <a:schemeClr val="accent1"/>
+                  </a:buClr>
+                  <a:buSzPct val="75000"/>
+                  <a:buFont typeface="Wingdings" charset="2"/>
+                  <a:buChar char="o"/>
+                </a:pPr>
+                <a:r>
+                  <a:rPr lang="en-US" sz="3200" dirty="0" smtClean="0">
+                    <a:latin typeface="Helvetica" charset="0"/>
+                  </a:rPr>
+                  <a:t>Time to simulate a design depends on tools and cycles</a:t>
+                </a:r>
+                <a:endParaRPr lang="en-US" sz="3200" dirty="0">
+                  <a:latin typeface="Helvetica" charset="0"/>
+                </a:endParaRPr>
+              </a:p>
+              <a:p>
+                <a:pPr lvl="1">
+                  <a:lnSpc>
+                    <a:spcPct val="80000"/>
+                  </a:lnSpc>
+                  <a:spcBef>
+                    <a:spcPct val="15000"/>
+                  </a:spcBef>
+                  <a:buClr>
+                    <a:schemeClr val="accent2"/>
+                  </a:buClr>
+                  <a:buSzPct val="75000"/>
+                  <a:buFont typeface="Wingdings" charset="2"/>
+                  <a:buChar char="o"/>
+                </a:pPr>
+                <a14:m>
+                  <m:oMath xmlns:m="http://schemas.openxmlformats.org/officeDocument/2006/math">
+                    <m:r>
+                      <a:rPr lang="en-US" sz="2600" b="0" i="1" smtClean="0">
+                        <a:latin typeface="Cambria Math"/>
+                      </a:rPr>
+                      <m:t>𝑇</m:t>
+                    </m:r>
+                    <m:r>
+                      <a:rPr lang="en-US" sz="2600" b="0" i="1" smtClean="0">
+                        <a:latin typeface="Cambria Math"/>
+                      </a:rPr>
+                      <m:t>=</m:t>
+                    </m:r>
+                    <m:sSub>
+                      <m:sSubPr>
+                        <m:ctrlPr>
+                          <a:rPr lang="en-US" sz="2600" b="0" i="1" smtClean="0">
+                            <a:latin typeface="Cambria Math"/>
+                          </a:rPr>
+                        </m:ctrlPr>
+                      </m:sSubPr>
+                      <m:e>
+                        <m:r>
+                          <a:rPr lang="en-US" sz="2600" b="0" i="1" smtClean="0">
+                            <a:latin typeface="Cambria Math"/>
+                          </a:rPr>
+                          <m:t>𝑡</m:t>
+                        </m:r>
+                      </m:e>
+                      <m:sub>
+                        <m:r>
+                          <a:rPr lang="en-US" sz="2600" b="0" i="1" smtClean="0">
+                            <a:latin typeface="Cambria Math"/>
+                          </a:rPr>
+                          <m:t>𝑑𝑒𝑠𝑖𝑔𝑛</m:t>
+                        </m:r>
+                      </m:sub>
+                    </m:sSub>
+                    <m:r>
+                      <a:rPr lang="en-US" sz="2600" b="0" i="1" smtClean="0">
+                        <a:latin typeface="Cambria Math"/>
+                      </a:rPr>
+                      <m:t>+</m:t>
+                    </m:r>
+                    <m:sSub>
+                      <m:sSubPr>
+                        <m:ctrlPr>
+                          <a:rPr lang="en-US" sz="2600" b="0" i="1" smtClean="0">
+                            <a:latin typeface="Cambria Math"/>
+                          </a:rPr>
+                        </m:ctrlPr>
+                      </m:sSubPr>
+                      <m:e>
+                        <m:r>
+                          <a:rPr lang="en-US" sz="2600" b="0" i="1" smtClean="0">
+                            <a:latin typeface="Cambria Math"/>
+                          </a:rPr>
+                          <m:t>𝑡</m:t>
+                        </m:r>
+                      </m:e>
+                      <m:sub>
+                        <m:r>
+                          <a:rPr lang="en-US" sz="2600" b="0" i="1" smtClean="0">
+                            <a:latin typeface="Cambria Math"/>
+                          </a:rPr>
+                          <m:t>𝑐𝑜𝑚𝑝𝑖𝑙𝑒</m:t>
+                        </m:r>
+                      </m:sub>
+                    </m:sSub>
+                    <m:r>
+                      <a:rPr lang="en-US" sz="2600" b="0" i="1" smtClean="0">
+                        <a:latin typeface="Cambria Math"/>
+                      </a:rPr>
+                      <m:t>+</m:t>
+                    </m:r>
+                    <m:r>
+                      <a:rPr lang="en-US" sz="2600" b="0" i="1" smtClean="0">
+                        <a:latin typeface="Cambria Math"/>
+                      </a:rPr>
+                      <m:t>𝑁</m:t>
+                    </m:r>
+                    <m:sSub>
+                      <m:sSubPr>
+                        <m:ctrlPr>
+                          <a:rPr lang="en-US" sz="2600" b="0" i="1" smtClean="0">
+                            <a:latin typeface="Cambria Math"/>
+                          </a:rPr>
+                        </m:ctrlPr>
+                      </m:sSubPr>
+                      <m:e>
+                        <m:r>
+                          <a:rPr lang="en-US" sz="2600" b="0" i="1" smtClean="0">
+                            <a:latin typeface="Cambria Math"/>
+                          </a:rPr>
+                          <m:t>𝑡</m:t>
+                        </m:r>
+                      </m:e>
+                      <m:sub>
+                        <m:r>
+                          <a:rPr lang="en-US" sz="2600" b="0" i="1" smtClean="0">
+                            <a:latin typeface="Cambria Math"/>
+                          </a:rPr>
+                          <m:t>𝑐𝑦𝑐𝑙𝑒</m:t>
+                        </m:r>
+                      </m:sub>
+                    </m:sSub>
+                  </m:oMath>
+                </a14:m>
+                <a:endParaRPr lang="en-US" sz="2600" dirty="0" smtClean="0">
+                  <a:latin typeface="Helvetica" charset="0"/>
+                </a:endParaRPr>
+              </a:p>
+              <a:p>
+                <a:pPr lvl="1">
+                  <a:lnSpc>
+                    <a:spcPct val="80000"/>
+                  </a:lnSpc>
+                  <a:spcBef>
+                    <a:spcPct val="15000"/>
+                  </a:spcBef>
+                  <a:buClr>
+                    <a:schemeClr val="accent2"/>
+                  </a:buClr>
+                  <a:buSzPct val="75000"/>
+                  <a:buFont typeface="Wingdings" charset="2"/>
+                  <a:buChar char="o"/>
+                </a:pPr>
+                <a:r>
+                  <a:rPr lang="en-US" sz="2600" dirty="0" smtClean="0">
+                    <a:latin typeface="Helvetica" charset="0"/>
+                  </a:rPr>
+                  <a:t>Software: fast compile times, but</a:t>
+                </a:r>
+                <a:br>
+                  <a:rPr lang="en-US" sz="2600" dirty="0" smtClean="0">
+                    <a:latin typeface="Helvetica" charset="0"/>
+                  </a:rPr>
+                </a:br>
+                <a:r>
+                  <a:rPr lang="en-US" sz="2600" dirty="0" smtClean="0">
+                    <a:latin typeface="Helvetica" charset="0"/>
+                  </a:rPr>
+                  <a:t>slow emulation for complex</a:t>
+                </a:r>
+                <a:br>
+                  <a:rPr lang="en-US" sz="2600" dirty="0" smtClean="0">
+                    <a:latin typeface="Helvetica" charset="0"/>
+                  </a:rPr>
+                </a:br>
+                <a:r>
+                  <a:rPr lang="en-US" sz="2600" dirty="0" smtClean="0">
+                    <a:latin typeface="Helvetica" charset="0"/>
+                  </a:rPr>
+                  <a:t>designs or long simulations</a:t>
+                </a:r>
+              </a:p>
+              <a:p>
+                <a:pPr lvl="1">
+                  <a:lnSpc>
+                    <a:spcPct val="80000"/>
+                  </a:lnSpc>
+                  <a:spcBef>
+                    <a:spcPct val="15000"/>
+                  </a:spcBef>
+                  <a:buClr>
+                    <a:schemeClr val="accent2"/>
+                  </a:buClr>
+                  <a:buSzPct val="75000"/>
+                  <a:buFont typeface="Wingdings" charset="2"/>
+                  <a:buChar char="o"/>
+                </a:pPr>
+                <a:r>
+                  <a:rPr lang="en-US" sz="2600" dirty="0" smtClean="0">
+                    <a:latin typeface="Helvetica" charset="0"/>
+                  </a:rPr>
+                  <a:t>FPGA: high compile overhead,</a:t>
+                </a:r>
+                <a:br>
+                  <a:rPr lang="en-US" sz="2600" dirty="0" smtClean="0">
+                    <a:latin typeface="Helvetica" charset="0"/>
+                  </a:rPr>
+                </a:br>
+                <a:r>
+                  <a:rPr lang="en-US" sz="2600" dirty="0" smtClean="0">
+                    <a:latin typeface="Helvetica" charset="0"/>
+                  </a:rPr>
+                  <a:t>suitable for complex designs</a:t>
+                </a:r>
+              </a:p>
+              <a:p>
+                <a:pPr lvl="1">
+                  <a:lnSpc>
+                    <a:spcPct val="80000"/>
+                  </a:lnSpc>
+                  <a:spcBef>
+                    <a:spcPct val="15000"/>
+                  </a:spcBef>
+                  <a:buClr>
+                    <a:schemeClr val="accent2"/>
+                  </a:buClr>
+                  <a:buSzPct val="75000"/>
+                  <a:buFont typeface="Wingdings" charset="2"/>
+                  <a:buChar char="o"/>
+                </a:pPr>
+                <a:r>
+                  <a:rPr lang="en-US" sz="2600" dirty="0" smtClean="0">
+                    <a:latin typeface="Helvetica" charset="0"/>
+                  </a:rPr>
+                  <a:t>ASIC: if you have lots of time</a:t>
+                </a:r>
+                <a:br>
+                  <a:rPr lang="en-US" sz="2600" dirty="0" smtClean="0">
+                    <a:latin typeface="Helvetica" charset="0"/>
+                  </a:rPr>
+                </a:br>
+                <a:r>
+                  <a:rPr lang="en-US" sz="2600" dirty="0" smtClean="0">
+                    <a:latin typeface="Helvetica" charset="0"/>
+                  </a:rPr>
+                  <a:t>and money to burn…</a:t>
+                </a:r>
+              </a:p>
+              <a:p>
+                <a:pPr marL="0" indent="0">
+                  <a:lnSpc>
+                    <a:spcPct val="80000"/>
+                  </a:lnSpc>
+                  <a:spcBef>
+                    <a:spcPct val="15000"/>
+                  </a:spcBef>
+                  <a:buClr>
+                    <a:schemeClr val="accent1"/>
+                  </a:buClr>
+                  <a:buSzPct val="75000"/>
+                </a:pPr>
+                <a:endParaRPr lang="en-US" sz="2600" dirty="0" smtClean="0">
+                  <a:latin typeface="Helvetica" charset="0"/>
+                </a:endParaRPr>
+              </a:p>
+              <a:p>
+                <a:pPr marL="0" indent="0">
+                  <a:lnSpc>
+                    <a:spcPct val="80000"/>
+                  </a:lnSpc>
+                  <a:spcBef>
+                    <a:spcPct val="15000"/>
+                  </a:spcBef>
+                  <a:buClr>
+                    <a:schemeClr val="accent1"/>
+                  </a:buClr>
+                  <a:buSzPct val="75000"/>
+                </a:pPr>
+                <a:endParaRPr lang="en-US" sz="2600" dirty="0" smtClean="0">
+                  <a:latin typeface="Helvetica" charset="0"/>
+                </a:endParaRPr>
+              </a:p>
+              <a:p>
+                <a:pPr>
+                  <a:lnSpc>
+                    <a:spcPct val="80000"/>
+                  </a:lnSpc>
+                  <a:spcBef>
+                    <a:spcPct val="15000"/>
+                  </a:spcBef>
+                  <a:buClr>
+                    <a:schemeClr val="accent1"/>
+                  </a:buClr>
+                  <a:buSzPct val="75000"/>
+                  <a:buFont typeface="Wingdings" charset="2"/>
+                  <a:buChar char="o"/>
+                </a:pPr>
+                <a:r>
+                  <a:rPr lang="en-US" sz="3200" dirty="0" smtClean="0">
+                    <a:latin typeface="Helvetica" charset="0"/>
+                  </a:rPr>
+                  <a:t>Practically, FPGA </a:t>
+                </a:r>
+                <a:r>
+                  <a:rPr lang="en-US" sz="3200" dirty="0">
+                    <a:latin typeface="Helvetica" charset="0"/>
+                  </a:rPr>
+                  <a:t>emulation is the </a:t>
+                </a:r>
+                <a:r>
+                  <a:rPr lang="en-US" sz="3200" dirty="0" smtClean="0">
+                    <a:latin typeface="Helvetica" charset="0"/>
+                  </a:rPr>
+                  <a:t>fastest tool </a:t>
+                </a:r>
+                <a:r>
+                  <a:rPr lang="en-US" sz="3200" dirty="0">
+                    <a:latin typeface="Helvetica" charset="0"/>
+                  </a:rPr>
+                  <a:t>for </a:t>
+                </a:r>
+                <a:r>
+                  <a:rPr lang="en-US" sz="3200" dirty="0" smtClean="0">
+                    <a:latin typeface="Helvetica" charset="0"/>
+                  </a:rPr>
+                  <a:t>emulation</a:t>
+                </a:r>
+                <a:endParaRPr lang="en-US" sz="3200" dirty="0">
+                  <a:latin typeface="Helvetica" charset="0"/>
+                </a:endParaRPr>
+              </a:p>
+            </p:txBody>
+          </p:sp>
+        </mc:Choice>
+        <mc:Fallback>
+          <p:sp>
+            <p:nvSpPr>
+              <p:cNvPr id="37" name="Text Box 1383"/>
+              <p:cNvSpPr txBox="1">
+                <a:spLocks noRot="1" noChangeAspect="1" noMove="1" noResize="1" noEditPoints="1" noAdjustHandles="1" noChangeArrowheads="1" noChangeShapeType="1" noTextEdit="1"/>
+              </p:cNvSpPr>
+              <p:nvPr/>
+            </p:nvSpPr>
+            <p:spPr bwMode="auto">
+              <a:xfrm>
+                <a:off x="-19050" y="9144000"/>
+                <a:ext cx="10972800" cy="6400800"/>
+              </a:xfrm>
+              <a:prstGeom prst="rect">
+                <a:avLst/>
+              </a:prstGeom>
+              <a:blipFill rotWithShape="1">
+                <a:blip r:embed="rId4"/>
+                <a:stretch>
+                  <a:fillRect t="-1714"/>
+                </a:stretch>
+              </a:blipFill>
+              <a:ln>
+                <a:noFill/>
+              </a:ln>
+              <a:extLst>
+                <a:ext uri="{909E8E84-426E-40DD-AFC4-6F175D3DCCD1}">
+                  <a14:hiddenFill xmlns:a14="http://schemas.microsoft.com/office/drawing/2010/main">
+                    <a:solidFill>
+                      <a:srgbClr val="FFFFFF"/>
+                    </a:solidFill>
+                  </a14:hiddenFill>
+                </a:ext>
+                <a:ext uri="{91240B29-F687-4F45-9708-019B960494DF}">
+                  <a14:hiddenLine xmlns:a14="http://schemas.microsoft.com/office/drawing/2010/main" w="9525">
+                    <a:solidFill>
+                      <a:srgbClr val="000000"/>
+                    </a:solidFill>
+                    <a:miter lim="800000"/>
+                    <a:headEnd/>
+                    <a:tailEnd/>
+                  </a14:hiddenLine>
+                </a:ext>
+              </a:extLst>
+            </p:spPr>
+            <p:txBody>
+              <a:bodyPr/>
+              <a:lstStyle/>
+              <a:p>
+                <a:r>
+                  <a:rPr lang="en-US">
+                    <a:noFill/>
+                  </a:rPr>
+                  <a:t> </a:t>
+                </a:r>
+              </a:p>
+            </p:txBody>
+          </p:sp>
+        </mc:Fallback>
+      </mc:AlternateContent>
       <p:sp>
         <p:nvSpPr>
           <p:cNvPr id="7" name="Smiley Face 6"/>
@@ -6264,6 +6623,1718 @@
           <a:p>
             <a:pPr algn="ctr"/>
             <a:endParaRPr lang="en-US"/>
+          </a:p>
+        </p:txBody>
+      </p:sp>
+      <p:pic>
+        <p:nvPicPr>
+          <p:cNvPr id="1026" name="Picture 2" descr="C:\Users\Ducky\Documents\GitHub\dreamer-talks\poster_preview\array_4x4.png"/>
+          <p:cNvPicPr>
+            <a:picLocks noChangeAspect="1" noChangeArrowheads="1"/>
+          </p:cNvPicPr>
+          <p:nvPr/>
+        </p:nvPicPr>
+        <p:blipFill>
+          <a:blip r:embed="rId5" cstate="print">
+            <a:extLst>
+              <a:ext uri="{28A0092B-C50C-407E-A947-70E740481C1C}">
+                <a14:useLocalDpi xmlns:a14="http://schemas.microsoft.com/office/drawing/2010/main" val="0"/>
+              </a:ext>
+            </a:extLst>
+          </a:blip>
+          <a:srcRect/>
+          <a:stretch>
+            <a:fillRect/>
+          </a:stretch>
+        </p:blipFill>
+        <p:spPr bwMode="auto">
+          <a:xfrm>
+            <a:off x="12344400" y="6858000"/>
+            <a:ext cx="8229600" cy="8229600"/>
+          </a:xfrm>
+          <a:prstGeom prst="rect">
+            <a:avLst/>
+          </a:prstGeom>
+          <a:noFill/>
+          <a:extLst>
+            <a:ext uri="{909E8E84-426E-40DD-AFC4-6F175D3DCCD1}">
+              <a14:hiddenFill xmlns:a14="http://schemas.microsoft.com/office/drawing/2010/main">
+                <a:solidFill>
+                  <a:srgbClr val="FFFFFF"/>
+                </a:solidFill>
+              </a14:hiddenFill>
+            </a:ext>
+          </a:extLst>
+        </p:spPr>
+      </p:pic>
+      <p:pic>
+        <p:nvPicPr>
+          <p:cNvPr id="1030" name="Picture 6" descr="C:\Users\Ducky\Documents\GitHub\dreamer-talks\poster\ironlaw-simple.png"/>
+          <p:cNvPicPr>
+            <a:picLocks noChangeAspect="1" noChangeArrowheads="1"/>
+          </p:cNvPicPr>
+          <p:nvPr/>
+        </p:nvPicPr>
+        <p:blipFill>
+          <a:blip r:embed="rId6">
+            <a:extLst>
+              <a:ext uri="{28A0092B-C50C-407E-A947-70E740481C1C}">
+                <a14:useLocalDpi xmlns:a14="http://schemas.microsoft.com/office/drawing/2010/main" val="0"/>
+              </a:ext>
+            </a:extLst>
+          </a:blip>
+          <a:srcRect/>
+          <a:stretch>
+            <a:fillRect/>
+          </a:stretch>
+        </p:blipFill>
+        <p:spPr bwMode="auto">
+          <a:xfrm>
+            <a:off x="5943600" y="10744200"/>
+            <a:ext cx="4800600" cy="3418580"/>
+          </a:xfrm>
+          <a:prstGeom prst="rect">
+            <a:avLst/>
+          </a:prstGeom>
+          <a:noFill/>
+          <a:extLst>
+            <a:ext uri="{909E8E84-426E-40DD-AFC4-6F175D3DCCD1}">
+              <a14:hiddenFill xmlns:a14="http://schemas.microsoft.com/office/drawing/2010/main">
+                <a:solidFill>
+                  <a:srgbClr val="FFFFFF"/>
+                </a:solidFill>
+              </a14:hiddenFill>
+            </a:ext>
+          </a:extLst>
+        </p:spPr>
+      </p:pic>
+      <p:sp>
+        <p:nvSpPr>
+          <p:cNvPr id="45" name="Text Box 1383"/>
+          <p:cNvSpPr txBox="1">
+            <a:spLocks noChangeArrowheads="1"/>
+          </p:cNvSpPr>
+          <p:nvPr/>
+        </p:nvSpPr>
+        <p:spPr bwMode="auto">
+          <a:xfrm>
+            <a:off x="21945600" y="6858000"/>
+            <a:ext cx="10972800" cy="4572000"/>
+          </a:xfrm>
+          <a:prstGeom prst="rect">
+            <a:avLst/>
+          </a:prstGeom>
+          <a:noFill/>
+          <a:ln>
+            <a:noFill/>
+          </a:ln>
+          <a:extLst>
+            <a:ext uri="{909E8E84-426E-40DD-AFC4-6F175D3DCCD1}">
+              <a14:hiddenFill xmlns:a14="http://schemas.microsoft.com/office/drawing/2010/main">
+                <a:solidFill>
+                  <a:srgbClr val="FFFFFF"/>
+                </a:solidFill>
+              </a14:hiddenFill>
+            </a:ext>
+            <a:ext uri="{91240B29-F687-4F45-9708-019B960494DF}">
+              <a14:hiddenLine xmlns:a14="http://schemas.microsoft.com/office/drawing/2010/main" w="9525">
+                <a:solidFill>
+                  <a:srgbClr val="000000"/>
+                </a:solidFill>
+                <a:miter lim="800000"/>
+                <a:headEnd/>
+                <a:tailEnd/>
+              </a14:hiddenLine>
+            </a:ext>
+          </a:extLst>
+        </p:spPr>
+        <p:txBody>
+          <a:bodyPr wrap="square" lIns="228600" tIns="228600" rIns="228600" bIns="228600">
+            <a:noAutofit/>
+          </a:bodyPr>
+          <a:lstStyle>
+            <a:lvl1pPr marL="457200" indent="-457200">
+              <a:defRPr sz="3000">
+                <a:solidFill>
+                  <a:schemeClr val="tx1"/>
+                </a:solidFill>
+                <a:latin typeface="Times" charset="0"/>
+                <a:ea typeface="ＭＳ Ｐゴシック" charset="-128"/>
+              </a:defRPr>
+            </a:lvl1pPr>
+            <a:lvl2pPr marL="1092200" indent="-393700">
+              <a:defRPr sz="3000">
+                <a:solidFill>
+                  <a:schemeClr val="tx1"/>
+                </a:solidFill>
+                <a:latin typeface="Times" charset="0"/>
+                <a:ea typeface="ＭＳ Ｐゴシック" charset="-128"/>
+              </a:defRPr>
+            </a:lvl2pPr>
+            <a:lvl3pPr>
+              <a:defRPr sz="3000">
+                <a:solidFill>
+                  <a:schemeClr val="tx1"/>
+                </a:solidFill>
+                <a:latin typeface="Times" charset="0"/>
+                <a:ea typeface="ＭＳ Ｐゴシック" charset="-128"/>
+              </a:defRPr>
+            </a:lvl3pPr>
+            <a:lvl4pPr>
+              <a:defRPr sz="3000">
+                <a:solidFill>
+                  <a:schemeClr val="tx1"/>
+                </a:solidFill>
+                <a:latin typeface="Times" charset="0"/>
+                <a:ea typeface="ＭＳ Ｐゴシック" charset="-128"/>
+              </a:defRPr>
+            </a:lvl4pPr>
+            <a:lvl5pPr>
+              <a:defRPr sz="3000">
+                <a:solidFill>
+                  <a:schemeClr val="tx1"/>
+                </a:solidFill>
+                <a:latin typeface="Times" charset="0"/>
+                <a:ea typeface="ＭＳ Ｐゴシック" charset="-128"/>
+              </a:defRPr>
+            </a:lvl5pPr>
+            <a:lvl6pPr marL="457200" eaLnBrk="0" fontAlgn="base" hangingPunct="0">
+              <a:spcBef>
+                <a:spcPct val="0"/>
+              </a:spcBef>
+              <a:spcAft>
+                <a:spcPct val="0"/>
+              </a:spcAft>
+              <a:defRPr sz="3000">
+                <a:solidFill>
+                  <a:schemeClr val="tx1"/>
+                </a:solidFill>
+                <a:latin typeface="Times" charset="0"/>
+                <a:ea typeface="ＭＳ Ｐゴシック" charset="-128"/>
+              </a:defRPr>
+            </a:lvl6pPr>
+            <a:lvl7pPr marL="914400" eaLnBrk="0" fontAlgn="base" hangingPunct="0">
+              <a:spcBef>
+                <a:spcPct val="0"/>
+              </a:spcBef>
+              <a:spcAft>
+                <a:spcPct val="0"/>
+              </a:spcAft>
+              <a:defRPr sz="3000">
+                <a:solidFill>
+                  <a:schemeClr val="tx1"/>
+                </a:solidFill>
+                <a:latin typeface="Times" charset="0"/>
+                <a:ea typeface="ＭＳ Ｐゴシック" charset="-128"/>
+              </a:defRPr>
+            </a:lvl7pPr>
+            <a:lvl8pPr marL="1371600" eaLnBrk="0" fontAlgn="base" hangingPunct="0">
+              <a:spcBef>
+                <a:spcPct val="0"/>
+              </a:spcBef>
+              <a:spcAft>
+                <a:spcPct val="0"/>
+              </a:spcAft>
+              <a:defRPr sz="3000">
+                <a:solidFill>
+                  <a:schemeClr val="tx1"/>
+                </a:solidFill>
+                <a:latin typeface="Times" charset="0"/>
+                <a:ea typeface="ＭＳ Ｐゴシック" charset="-128"/>
+              </a:defRPr>
+            </a:lvl8pPr>
+            <a:lvl9pPr marL="1828800" eaLnBrk="0" fontAlgn="base" hangingPunct="0">
+              <a:spcBef>
+                <a:spcPct val="0"/>
+              </a:spcBef>
+              <a:spcAft>
+                <a:spcPct val="0"/>
+              </a:spcAft>
+              <a:defRPr sz="3000">
+                <a:solidFill>
+                  <a:schemeClr val="tx1"/>
+                </a:solidFill>
+                <a:latin typeface="Times" charset="0"/>
+                <a:ea typeface="ＭＳ Ｐゴシック" charset="-128"/>
+              </a:defRPr>
+            </a:lvl9pPr>
+          </a:lstStyle>
+          <a:p>
+            <a:pPr>
+              <a:lnSpc>
+                <a:spcPct val="80000"/>
+              </a:lnSpc>
+              <a:spcBef>
+                <a:spcPct val="15000"/>
+              </a:spcBef>
+              <a:buClr>
+                <a:schemeClr val="accent1"/>
+              </a:buClr>
+              <a:buSzPct val="75000"/>
+              <a:buFont typeface="Wingdings" charset="2"/>
+              <a:buChar char="o"/>
+            </a:pPr>
+            <a:r>
+              <a:rPr lang="en-US" sz="3200" dirty="0" smtClean="0">
+                <a:effectLst/>
+                <a:latin typeface="Helvetica" charset="0"/>
+              </a:rPr>
+              <a:t>Generalizing from emulation, array can be used as a general dataflow </a:t>
+            </a:r>
+            <a:r>
+              <a:rPr lang="en-US" sz="3200" dirty="0">
+                <a:latin typeface="Helvetica" charset="0"/>
+              </a:rPr>
+              <a:t>style machine</a:t>
+            </a:r>
+          </a:p>
+          <a:p>
+            <a:pPr lvl="1">
+              <a:lnSpc>
+                <a:spcPct val="80000"/>
+              </a:lnSpc>
+              <a:spcBef>
+                <a:spcPct val="15000"/>
+              </a:spcBef>
+              <a:buClr>
+                <a:schemeClr val="accent2"/>
+              </a:buClr>
+              <a:buSzPct val="75000"/>
+              <a:buFont typeface="Wingdings" charset="2"/>
+              <a:buChar char="o"/>
+            </a:pPr>
+            <a:r>
+              <a:rPr lang="en-US" sz="2600" dirty="0" smtClean="0">
+                <a:latin typeface="Helvetica" charset="0"/>
+              </a:rPr>
+              <a:t>Can even be programmed in Chisel</a:t>
+            </a:r>
+          </a:p>
+          <a:p>
+            <a:pPr lvl="1">
+              <a:lnSpc>
+                <a:spcPct val="80000"/>
+              </a:lnSpc>
+              <a:spcBef>
+                <a:spcPct val="15000"/>
+              </a:spcBef>
+              <a:buClr>
+                <a:schemeClr val="accent2"/>
+              </a:buClr>
+              <a:buSzPct val="75000"/>
+              <a:buFont typeface="Wingdings" charset="2"/>
+              <a:buChar char="o"/>
+            </a:pPr>
+            <a:r>
+              <a:rPr lang="en-US" sz="2600" dirty="0" smtClean="0">
+                <a:latin typeface="Helvetica" charset="0"/>
+              </a:rPr>
+              <a:t>… or parallel assembly, if you feel more adventurous</a:t>
+            </a:r>
+          </a:p>
+          <a:p>
+            <a:pPr lvl="1">
+              <a:lnSpc>
+                <a:spcPct val="80000"/>
+              </a:lnSpc>
+              <a:spcBef>
+                <a:spcPct val="15000"/>
+              </a:spcBef>
+              <a:buClr>
+                <a:schemeClr val="accent2"/>
+              </a:buClr>
+              <a:buSzPct val="75000"/>
+              <a:buFont typeface="Wingdings" charset="2"/>
+              <a:buChar char="o"/>
+            </a:pPr>
+            <a:r>
+              <a:rPr lang="en-US" sz="2600" dirty="0" smtClean="0">
+                <a:latin typeface="Helvetica" charset="0"/>
+              </a:rPr>
+              <a:t>Edge ports can be connected to any ready-valid interface</a:t>
+            </a:r>
+            <a:r>
+              <a:rPr lang="en-US" sz="2600" dirty="0">
+                <a:latin typeface="Helvetica" charset="0"/>
+              </a:rPr>
+              <a:t>:</a:t>
+            </a:r>
+          </a:p>
+          <a:p>
+            <a:pPr marL="1371600" lvl="2" indent="-457200">
+              <a:lnSpc>
+                <a:spcPct val="80000"/>
+              </a:lnSpc>
+              <a:spcBef>
+                <a:spcPct val="15000"/>
+              </a:spcBef>
+              <a:buClr>
+                <a:schemeClr val="accent2"/>
+              </a:buClr>
+              <a:buSzPct val="75000"/>
+              <a:buFont typeface="Wingdings" charset="2"/>
+              <a:buChar char="o"/>
+            </a:pPr>
+            <a:r>
+              <a:rPr lang="en-US" sz="2600" dirty="0" smtClean="0">
+                <a:latin typeface="Helvetica" charset="0"/>
+              </a:rPr>
+              <a:t>GPIO, DRAM, or coprocessor data movement</a:t>
+            </a:r>
+          </a:p>
+          <a:p>
+            <a:pPr lvl="1">
+              <a:lnSpc>
+                <a:spcPct val="80000"/>
+              </a:lnSpc>
+              <a:spcBef>
+                <a:spcPct val="15000"/>
+              </a:spcBef>
+              <a:buClr>
+                <a:schemeClr val="accent2"/>
+              </a:buClr>
+              <a:buSzPct val="75000"/>
+              <a:buFont typeface="Wingdings" charset="2"/>
+              <a:buChar char="o"/>
+            </a:pPr>
+            <a:endParaRPr lang="en-US" sz="3200" dirty="0" smtClean="0">
+              <a:latin typeface="Helvetica" charset="0"/>
+            </a:endParaRPr>
+          </a:p>
+          <a:p>
+            <a:pPr>
+              <a:lnSpc>
+                <a:spcPct val="80000"/>
+              </a:lnSpc>
+              <a:spcBef>
+                <a:spcPct val="15000"/>
+              </a:spcBef>
+              <a:buClr>
+                <a:schemeClr val="accent1"/>
+              </a:buClr>
+              <a:buSzPct val="75000"/>
+              <a:buFont typeface="Wingdings" charset="2"/>
+              <a:buChar char="o"/>
+            </a:pPr>
+            <a:r>
+              <a:rPr lang="en-US" sz="3200" dirty="0" smtClean="0">
+                <a:latin typeface="Helvetica" charset="0"/>
+              </a:rPr>
+              <a:t>Possible applications</a:t>
+            </a:r>
+            <a:endParaRPr lang="en-US" sz="3200" dirty="0">
+              <a:latin typeface="Helvetica" charset="0"/>
+            </a:endParaRPr>
+          </a:p>
+          <a:p>
+            <a:pPr lvl="1">
+              <a:lnSpc>
+                <a:spcPct val="80000"/>
+              </a:lnSpc>
+              <a:spcBef>
+                <a:spcPct val="15000"/>
+              </a:spcBef>
+              <a:buClr>
+                <a:schemeClr val="accent2"/>
+              </a:buClr>
+              <a:buSzPct val="75000"/>
+              <a:buFont typeface="Wingdings" charset="2"/>
+              <a:buChar char="o"/>
+            </a:pPr>
+            <a:r>
+              <a:rPr lang="en-US" sz="2600" dirty="0" smtClean="0">
+                <a:latin typeface="Helvetica" charset="0"/>
+              </a:rPr>
+              <a:t>General reconfigurable logic coprocessor</a:t>
+            </a:r>
+          </a:p>
+          <a:p>
+            <a:pPr lvl="1">
+              <a:lnSpc>
+                <a:spcPct val="80000"/>
+              </a:lnSpc>
+              <a:spcBef>
+                <a:spcPct val="15000"/>
+              </a:spcBef>
+              <a:buClr>
+                <a:schemeClr val="accent2"/>
+              </a:buClr>
+              <a:buSzPct val="75000"/>
+              <a:buFont typeface="Wingdings" charset="2"/>
+              <a:buChar char="o"/>
+            </a:pPr>
+            <a:r>
+              <a:rPr lang="en-US" sz="2600" dirty="0" smtClean="0">
+                <a:latin typeface="Helvetica" charset="0"/>
+              </a:rPr>
+              <a:t>DSP filtering, or really anything dataflow-parallel</a:t>
+            </a:r>
+          </a:p>
+          <a:p>
+            <a:pPr lvl="1">
+              <a:lnSpc>
+                <a:spcPct val="80000"/>
+              </a:lnSpc>
+              <a:spcBef>
+                <a:spcPct val="15000"/>
+              </a:spcBef>
+              <a:buClr>
+                <a:schemeClr val="accent2"/>
+              </a:buClr>
+              <a:buSzPct val="75000"/>
+              <a:buFont typeface="Wingdings" charset="2"/>
+              <a:buChar char="o"/>
+            </a:pPr>
+            <a:endParaRPr lang="en-US" sz="2600" dirty="0">
+              <a:latin typeface="Helvetica" charset="0"/>
+            </a:endParaRPr>
+          </a:p>
+          <a:p>
+            <a:pPr>
+              <a:lnSpc>
+                <a:spcPct val="80000"/>
+              </a:lnSpc>
+              <a:spcBef>
+                <a:spcPct val="15000"/>
+              </a:spcBef>
+              <a:buClr>
+                <a:schemeClr val="accent1"/>
+              </a:buClr>
+              <a:buSzPct val="75000"/>
+              <a:buFont typeface="Wingdings" charset="2"/>
+              <a:buChar char="o"/>
+            </a:pPr>
+            <a:endParaRPr lang="en-US" sz="2600" dirty="0">
+              <a:effectLst/>
+              <a:latin typeface="Helvetica" charset="0"/>
+            </a:endParaRPr>
+          </a:p>
+          <a:p>
+            <a:pPr lvl="1">
+              <a:lnSpc>
+                <a:spcPct val="80000"/>
+              </a:lnSpc>
+              <a:spcBef>
+                <a:spcPct val="15000"/>
+              </a:spcBef>
+              <a:buClr>
+                <a:schemeClr val="accent2"/>
+              </a:buClr>
+              <a:buSzPct val="75000"/>
+              <a:buFont typeface="Wingdings" charset="2"/>
+              <a:buChar char="o"/>
+            </a:pPr>
+            <a:endParaRPr lang="en-US" sz="2600" dirty="0">
+              <a:effectLst/>
+              <a:latin typeface="Helvetica" charset="0"/>
+            </a:endParaRPr>
+          </a:p>
+          <a:p>
+            <a:pPr lvl="1">
+              <a:lnSpc>
+                <a:spcPct val="80000"/>
+              </a:lnSpc>
+              <a:spcBef>
+                <a:spcPct val="15000"/>
+              </a:spcBef>
+              <a:buClr>
+                <a:schemeClr val="accent1"/>
+              </a:buClr>
+              <a:buSzPct val="75000"/>
+            </a:pPr>
+            <a:endParaRPr lang="en-US" sz="2600" dirty="0">
+              <a:effectLst/>
+              <a:latin typeface="Helvetica" charset="0"/>
+            </a:endParaRPr>
+          </a:p>
+        </p:txBody>
+      </p:sp>
+      <p:sp>
+        <p:nvSpPr>
+          <p:cNvPr id="46" name="Text Box 1383"/>
+          <p:cNvSpPr txBox="1">
+            <a:spLocks noChangeArrowheads="1"/>
+          </p:cNvSpPr>
+          <p:nvPr/>
+        </p:nvSpPr>
+        <p:spPr bwMode="auto">
+          <a:xfrm>
+            <a:off x="21945600" y="12801600"/>
+            <a:ext cx="5486400" cy="3657600"/>
+          </a:xfrm>
+          <a:prstGeom prst="rect">
+            <a:avLst/>
+          </a:prstGeom>
+          <a:noFill/>
+          <a:ln>
+            <a:noFill/>
+          </a:ln>
+          <a:extLst>
+            <a:ext uri="{909E8E84-426E-40DD-AFC4-6F175D3DCCD1}">
+              <a14:hiddenFill xmlns:a14="http://schemas.microsoft.com/office/drawing/2010/main">
+                <a:solidFill>
+                  <a:srgbClr val="FFFFFF"/>
+                </a:solidFill>
+              </a14:hiddenFill>
+            </a:ext>
+            <a:ext uri="{91240B29-F687-4F45-9708-019B960494DF}">
+              <a14:hiddenLine xmlns:a14="http://schemas.microsoft.com/office/drawing/2010/main" w="9525">
+                <a:solidFill>
+                  <a:srgbClr val="000000"/>
+                </a:solidFill>
+                <a:miter lim="800000"/>
+                <a:headEnd/>
+                <a:tailEnd/>
+              </a14:hiddenLine>
+            </a:ext>
+          </a:extLst>
+        </p:spPr>
+        <p:txBody>
+          <a:bodyPr wrap="square" lIns="228600" tIns="228600" rIns="228600" bIns="228600">
+            <a:noAutofit/>
+          </a:bodyPr>
+          <a:lstStyle>
+            <a:lvl1pPr marL="457200" indent="-457200">
+              <a:defRPr sz="3000">
+                <a:solidFill>
+                  <a:schemeClr val="tx1"/>
+                </a:solidFill>
+                <a:latin typeface="Times" charset="0"/>
+                <a:ea typeface="ＭＳ Ｐゴシック" charset="-128"/>
+              </a:defRPr>
+            </a:lvl1pPr>
+            <a:lvl2pPr marL="1092200" indent="-393700">
+              <a:defRPr sz="3000">
+                <a:solidFill>
+                  <a:schemeClr val="tx1"/>
+                </a:solidFill>
+                <a:latin typeface="Times" charset="0"/>
+                <a:ea typeface="ＭＳ Ｐゴシック" charset="-128"/>
+              </a:defRPr>
+            </a:lvl2pPr>
+            <a:lvl3pPr>
+              <a:defRPr sz="3000">
+                <a:solidFill>
+                  <a:schemeClr val="tx1"/>
+                </a:solidFill>
+                <a:latin typeface="Times" charset="0"/>
+                <a:ea typeface="ＭＳ Ｐゴシック" charset="-128"/>
+              </a:defRPr>
+            </a:lvl3pPr>
+            <a:lvl4pPr>
+              <a:defRPr sz="3000">
+                <a:solidFill>
+                  <a:schemeClr val="tx1"/>
+                </a:solidFill>
+                <a:latin typeface="Times" charset="0"/>
+                <a:ea typeface="ＭＳ Ｐゴシック" charset="-128"/>
+              </a:defRPr>
+            </a:lvl4pPr>
+            <a:lvl5pPr>
+              <a:defRPr sz="3000">
+                <a:solidFill>
+                  <a:schemeClr val="tx1"/>
+                </a:solidFill>
+                <a:latin typeface="Times" charset="0"/>
+                <a:ea typeface="ＭＳ Ｐゴシック" charset="-128"/>
+              </a:defRPr>
+            </a:lvl5pPr>
+            <a:lvl6pPr marL="457200" eaLnBrk="0" fontAlgn="base" hangingPunct="0">
+              <a:spcBef>
+                <a:spcPct val="0"/>
+              </a:spcBef>
+              <a:spcAft>
+                <a:spcPct val="0"/>
+              </a:spcAft>
+              <a:defRPr sz="3000">
+                <a:solidFill>
+                  <a:schemeClr val="tx1"/>
+                </a:solidFill>
+                <a:latin typeface="Times" charset="0"/>
+                <a:ea typeface="ＭＳ Ｐゴシック" charset="-128"/>
+              </a:defRPr>
+            </a:lvl6pPr>
+            <a:lvl7pPr marL="914400" eaLnBrk="0" fontAlgn="base" hangingPunct="0">
+              <a:spcBef>
+                <a:spcPct val="0"/>
+              </a:spcBef>
+              <a:spcAft>
+                <a:spcPct val="0"/>
+              </a:spcAft>
+              <a:defRPr sz="3000">
+                <a:solidFill>
+                  <a:schemeClr val="tx1"/>
+                </a:solidFill>
+                <a:latin typeface="Times" charset="0"/>
+                <a:ea typeface="ＭＳ Ｐゴシック" charset="-128"/>
+              </a:defRPr>
+            </a:lvl7pPr>
+            <a:lvl8pPr marL="1371600" eaLnBrk="0" fontAlgn="base" hangingPunct="0">
+              <a:spcBef>
+                <a:spcPct val="0"/>
+              </a:spcBef>
+              <a:spcAft>
+                <a:spcPct val="0"/>
+              </a:spcAft>
+              <a:defRPr sz="3000">
+                <a:solidFill>
+                  <a:schemeClr val="tx1"/>
+                </a:solidFill>
+                <a:latin typeface="Times" charset="0"/>
+                <a:ea typeface="ＭＳ Ｐゴシック" charset="-128"/>
+              </a:defRPr>
+            </a:lvl8pPr>
+            <a:lvl9pPr marL="1828800" eaLnBrk="0" fontAlgn="base" hangingPunct="0">
+              <a:spcBef>
+                <a:spcPct val="0"/>
+              </a:spcBef>
+              <a:spcAft>
+                <a:spcPct val="0"/>
+              </a:spcAft>
+              <a:defRPr sz="3000">
+                <a:solidFill>
+                  <a:schemeClr val="tx1"/>
+                </a:solidFill>
+                <a:latin typeface="Times" charset="0"/>
+                <a:ea typeface="ＭＳ Ｐゴシック" charset="-128"/>
+              </a:defRPr>
+            </a:lvl9pPr>
+          </a:lstStyle>
+          <a:p>
+            <a:pPr marL="0" indent="0" algn="ctr">
+              <a:lnSpc>
+                <a:spcPct val="80000"/>
+              </a:lnSpc>
+              <a:spcBef>
+                <a:spcPct val="15000"/>
+              </a:spcBef>
+              <a:buClr>
+                <a:schemeClr val="accent1"/>
+              </a:buClr>
+              <a:buSzPct val="75000"/>
+            </a:pPr>
+            <a:r>
+              <a:rPr lang="en-US" sz="4800" b="1" dirty="0" smtClean="0">
+                <a:latin typeface="Helvetica" charset="0"/>
+              </a:rPr>
+              <a:t>FPGA</a:t>
+            </a:r>
+          </a:p>
+          <a:p>
+            <a:pPr marL="0" indent="0" algn="ctr">
+              <a:lnSpc>
+                <a:spcPct val="80000"/>
+              </a:lnSpc>
+              <a:spcBef>
+                <a:spcPct val="15000"/>
+              </a:spcBef>
+              <a:buClr>
+                <a:schemeClr val="accent1"/>
+              </a:buClr>
+              <a:buSzPct val="75000"/>
+            </a:pPr>
+            <a:r>
+              <a:rPr lang="en-US" sz="2600" dirty="0" smtClean="0">
+                <a:latin typeface="Helvetica" charset="0"/>
+              </a:rPr>
+              <a:t>(</a:t>
+            </a:r>
+            <a:r>
+              <a:rPr lang="en-US" sz="2600" dirty="0" err="1" smtClean="0">
+                <a:latin typeface="Helvetica" charset="0"/>
+              </a:rPr>
+              <a:t>Zedboard</a:t>
+            </a:r>
+            <a:r>
+              <a:rPr lang="en-US" sz="2600" dirty="0" smtClean="0">
+                <a:latin typeface="Helvetica" charset="0"/>
+              </a:rPr>
+              <a:t> with Xilinx </a:t>
+            </a:r>
+            <a:r>
+              <a:rPr lang="en-US" sz="2600" dirty="0" err="1" smtClean="0">
+                <a:latin typeface="Helvetica" charset="0"/>
+              </a:rPr>
+              <a:t>Zyn</a:t>
+            </a:r>
+            <a:r>
+              <a:rPr lang="en-US" sz="2600" dirty="0" err="1">
+                <a:latin typeface="Helvetica" charset="0"/>
+              </a:rPr>
+              <a:t>q</a:t>
+            </a:r>
+            <a:r>
+              <a:rPr lang="en-US" sz="2600" dirty="0" smtClean="0">
+                <a:latin typeface="Helvetica" charset="0"/>
+              </a:rPr>
+              <a:t>)</a:t>
+            </a:r>
+            <a:endParaRPr lang="en-US" sz="2600" b="1" dirty="0">
+              <a:latin typeface="Helvetica" charset="0"/>
+            </a:endParaRPr>
+          </a:p>
+          <a:p>
+            <a:pPr marL="0" indent="0">
+              <a:lnSpc>
+                <a:spcPct val="80000"/>
+              </a:lnSpc>
+              <a:spcBef>
+                <a:spcPct val="15000"/>
+              </a:spcBef>
+              <a:buClr>
+                <a:schemeClr val="accent1"/>
+              </a:buClr>
+              <a:buSzPct val="75000"/>
+            </a:pPr>
+            <a:endParaRPr lang="en-US" sz="2000" dirty="0" smtClean="0">
+              <a:effectLst/>
+              <a:latin typeface="Helvetica" charset="0"/>
+            </a:endParaRPr>
+          </a:p>
+          <a:p>
+            <a:pPr marL="0" lvl="1" indent="0" algn="ctr">
+              <a:lnSpc>
+                <a:spcPct val="80000"/>
+              </a:lnSpc>
+              <a:spcBef>
+                <a:spcPct val="15000"/>
+              </a:spcBef>
+              <a:buClr>
+                <a:schemeClr val="accent1"/>
+              </a:buClr>
+              <a:buSzPct val="75000"/>
+            </a:pPr>
+            <a:r>
+              <a:rPr lang="en-US" sz="3200" b="1" dirty="0">
+                <a:latin typeface="Helvetica" charset="0"/>
+              </a:rPr>
+              <a:t>See the pretty demos!</a:t>
+            </a:r>
+          </a:p>
+          <a:p>
+            <a:pPr>
+              <a:lnSpc>
+                <a:spcPct val="80000"/>
+              </a:lnSpc>
+              <a:spcBef>
+                <a:spcPct val="15000"/>
+              </a:spcBef>
+              <a:buClr>
+                <a:schemeClr val="accent1"/>
+              </a:buClr>
+              <a:buSzPct val="75000"/>
+              <a:buFont typeface="Wingdings" charset="2"/>
+              <a:buChar char="o"/>
+            </a:pPr>
+            <a:endParaRPr lang="en-US" sz="3200" dirty="0" smtClean="0">
+              <a:effectLst/>
+              <a:latin typeface="Helvetica" charset="0"/>
+            </a:endParaRPr>
+          </a:p>
+          <a:p>
+            <a:pPr>
+              <a:lnSpc>
+                <a:spcPct val="80000"/>
+              </a:lnSpc>
+              <a:spcBef>
+                <a:spcPct val="15000"/>
+              </a:spcBef>
+              <a:buClr>
+                <a:schemeClr val="accent1"/>
+              </a:buClr>
+              <a:buSzPct val="75000"/>
+              <a:buFont typeface="Wingdings" charset="2"/>
+              <a:buChar char="o"/>
+            </a:pPr>
+            <a:r>
+              <a:rPr lang="en-US" sz="3200" dirty="0" smtClean="0">
+                <a:effectLst/>
+                <a:latin typeface="Helvetica" charset="0"/>
+              </a:rPr>
+              <a:t>16 tiles in a 4 x 4 array</a:t>
+            </a:r>
+          </a:p>
+          <a:p>
+            <a:pPr>
+              <a:lnSpc>
+                <a:spcPct val="80000"/>
+              </a:lnSpc>
+              <a:spcBef>
+                <a:spcPct val="15000"/>
+              </a:spcBef>
+              <a:buClr>
+                <a:schemeClr val="accent1"/>
+              </a:buClr>
+              <a:buSzPct val="75000"/>
+              <a:buFont typeface="Wingdings" charset="2"/>
+              <a:buChar char="o"/>
+            </a:pPr>
+            <a:r>
+              <a:rPr lang="en-US" sz="3200" dirty="0" smtClean="0">
+                <a:latin typeface="Helvetica" charset="0"/>
+              </a:rPr>
+              <a:t>Clock: 40 MHz</a:t>
+            </a:r>
+            <a:endParaRPr lang="en-US" sz="3200" dirty="0" smtClean="0">
+              <a:effectLst/>
+              <a:latin typeface="Helvetica" charset="0"/>
+            </a:endParaRPr>
+          </a:p>
+          <a:p>
+            <a:pPr>
+              <a:lnSpc>
+                <a:spcPct val="80000"/>
+              </a:lnSpc>
+              <a:spcBef>
+                <a:spcPct val="15000"/>
+              </a:spcBef>
+              <a:buClr>
+                <a:schemeClr val="accent1"/>
+              </a:buClr>
+              <a:buSzPct val="75000"/>
+              <a:buFont typeface="Wingdings" charset="2"/>
+              <a:buChar char="o"/>
+            </a:pPr>
+            <a:endParaRPr lang="en-US" sz="3200" dirty="0">
+              <a:latin typeface="Helvetica" charset="0"/>
+            </a:endParaRPr>
+          </a:p>
+          <a:p>
+            <a:pPr>
+              <a:lnSpc>
+                <a:spcPct val="80000"/>
+              </a:lnSpc>
+              <a:spcBef>
+                <a:spcPct val="15000"/>
+              </a:spcBef>
+              <a:buClr>
+                <a:schemeClr val="accent1"/>
+              </a:buClr>
+              <a:buSzPct val="75000"/>
+              <a:buFont typeface="Wingdings" charset="2"/>
+              <a:buChar char="o"/>
+            </a:pPr>
+            <a:endParaRPr lang="en-US" sz="2600" dirty="0">
+              <a:effectLst/>
+              <a:latin typeface="Helvetica" charset="0"/>
+            </a:endParaRPr>
+          </a:p>
+        </p:txBody>
+      </p:sp>
+      <p:sp>
+        <p:nvSpPr>
+          <p:cNvPr id="47" name="Text Box 1383"/>
+          <p:cNvSpPr txBox="1">
+            <a:spLocks noChangeArrowheads="1"/>
+          </p:cNvSpPr>
+          <p:nvPr/>
+        </p:nvSpPr>
+        <p:spPr bwMode="auto">
+          <a:xfrm>
+            <a:off x="27432000" y="12801600"/>
+            <a:ext cx="5486400" cy="3657600"/>
+          </a:xfrm>
+          <a:prstGeom prst="rect">
+            <a:avLst/>
+          </a:prstGeom>
+          <a:noFill/>
+          <a:ln>
+            <a:noFill/>
+          </a:ln>
+          <a:extLst>
+            <a:ext uri="{909E8E84-426E-40DD-AFC4-6F175D3DCCD1}">
+              <a14:hiddenFill xmlns:a14="http://schemas.microsoft.com/office/drawing/2010/main">
+                <a:solidFill>
+                  <a:srgbClr val="FFFFFF"/>
+                </a:solidFill>
+              </a14:hiddenFill>
+            </a:ext>
+            <a:ext uri="{91240B29-F687-4F45-9708-019B960494DF}">
+              <a14:hiddenLine xmlns:a14="http://schemas.microsoft.com/office/drawing/2010/main" w="9525">
+                <a:solidFill>
+                  <a:srgbClr val="000000"/>
+                </a:solidFill>
+                <a:miter lim="800000"/>
+                <a:headEnd/>
+                <a:tailEnd/>
+              </a14:hiddenLine>
+            </a:ext>
+          </a:extLst>
+        </p:spPr>
+        <p:txBody>
+          <a:bodyPr wrap="square" lIns="228600" tIns="228600" rIns="228600" bIns="228600">
+            <a:noAutofit/>
+          </a:bodyPr>
+          <a:lstStyle>
+            <a:lvl1pPr marL="457200" indent="-457200">
+              <a:defRPr sz="3000">
+                <a:solidFill>
+                  <a:schemeClr val="tx1"/>
+                </a:solidFill>
+                <a:latin typeface="Times" charset="0"/>
+                <a:ea typeface="ＭＳ Ｐゴシック" charset="-128"/>
+              </a:defRPr>
+            </a:lvl1pPr>
+            <a:lvl2pPr marL="1092200" indent="-393700">
+              <a:defRPr sz="3000">
+                <a:solidFill>
+                  <a:schemeClr val="tx1"/>
+                </a:solidFill>
+                <a:latin typeface="Times" charset="0"/>
+                <a:ea typeface="ＭＳ Ｐゴシック" charset="-128"/>
+              </a:defRPr>
+            </a:lvl2pPr>
+            <a:lvl3pPr>
+              <a:defRPr sz="3000">
+                <a:solidFill>
+                  <a:schemeClr val="tx1"/>
+                </a:solidFill>
+                <a:latin typeface="Times" charset="0"/>
+                <a:ea typeface="ＭＳ Ｐゴシック" charset="-128"/>
+              </a:defRPr>
+            </a:lvl3pPr>
+            <a:lvl4pPr>
+              <a:defRPr sz="3000">
+                <a:solidFill>
+                  <a:schemeClr val="tx1"/>
+                </a:solidFill>
+                <a:latin typeface="Times" charset="0"/>
+                <a:ea typeface="ＭＳ Ｐゴシック" charset="-128"/>
+              </a:defRPr>
+            </a:lvl4pPr>
+            <a:lvl5pPr>
+              <a:defRPr sz="3000">
+                <a:solidFill>
+                  <a:schemeClr val="tx1"/>
+                </a:solidFill>
+                <a:latin typeface="Times" charset="0"/>
+                <a:ea typeface="ＭＳ Ｐゴシック" charset="-128"/>
+              </a:defRPr>
+            </a:lvl5pPr>
+            <a:lvl6pPr marL="457200" eaLnBrk="0" fontAlgn="base" hangingPunct="0">
+              <a:spcBef>
+                <a:spcPct val="0"/>
+              </a:spcBef>
+              <a:spcAft>
+                <a:spcPct val="0"/>
+              </a:spcAft>
+              <a:defRPr sz="3000">
+                <a:solidFill>
+                  <a:schemeClr val="tx1"/>
+                </a:solidFill>
+                <a:latin typeface="Times" charset="0"/>
+                <a:ea typeface="ＭＳ Ｐゴシック" charset="-128"/>
+              </a:defRPr>
+            </a:lvl6pPr>
+            <a:lvl7pPr marL="914400" eaLnBrk="0" fontAlgn="base" hangingPunct="0">
+              <a:spcBef>
+                <a:spcPct val="0"/>
+              </a:spcBef>
+              <a:spcAft>
+                <a:spcPct val="0"/>
+              </a:spcAft>
+              <a:defRPr sz="3000">
+                <a:solidFill>
+                  <a:schemeClr val="tx1"/>
+                </a:solidFill>
+                <a:latin typeface="Times" charset="0"/>
+                <a:ea typeface="ＭＳ Ｐゴシック" charset="-128"/>
+              </a:defRPr>
+            </a:lvl7pPr>
+            <a:lvl8pPr marL="1371600" eaLnBrk="0" fontAlgn="base" hangingPunct="0">
+              <a:spcBef>
+                <a:spcPct val="0"/>
+              </a:spcBef>
+              <a:spcAft>
+                <a:spcPct val="0"/>
+              </a:spcAft>
+              <a:defRPr sz="3000">
+                <a:solidFill>
+                  <a:schemeClr val="tx1"/>
+                </a:solidFill>
+                <a:latin typeface="Times" charset="0"/>
+                <a:ea typeface="ＭＳ Ｐゴシック" charset="-128"/>
+              </a:defRPr>
+            </a:lvl8pPr>
+            <a:lvl9pPr marL="1828800" eaLnBrk="0" fontAlgn="base" hangingPunct="0">
+              <a:spcBef>
+                <a:spcPct val="0"/>
+              </a:spcBef>
+              <a:spcAft>
+                <a:spcPct val="0"/>
+              </a:spcAft>
+              <a:defRPr sz="3000">
+                <a:solidFill>
+                  <a:schemeClr val="tx1"/>
+                </a:solidFill>
+                <a:latin typeface="Times" charset="0"/>
+                <a:ea typeface="ＭＳ Ｐゴシック" charset="-128"/>
+              </a:defRPr>
+            </a:lvl9pPr>
+          </a:lstStyle>
+          <a:p>
+            <a:pPr marL="0" indent="0" algn="ctr">
+              <a:lnSpc>
+                <a:spcPct val="80000"/>
+              </a:lnSpc>
+              <a:spcBef>
+                <a:spcPct val="15000"/>
+              </a:spcBef>
+              <a:buClr>
+                <a:schemeClr val="accent1"/>
+              </a:buClr>
+              <a:buSzPct val="75000"/>
+            </a:pPr>
+            <a:r>
+              <a:rPr lang="en-US" sz="4800" b="1" dirty="0" smtClean="0">
+                <a:latin typeface="Helvetica" charset="0"/>
+              </a:rPr>
+              <a:t>ASIC</a:t>
+            </a:r>
+          </a:p>
+          <a:p>
+            <a:pPr marL="0" indent="0" algn="ctr">
+              <a:lnSpc>
+                <a:spcPct val="80000"/>
+              </a:lnSpc>
+              <a:spcBef>
+                <a:spcPct val="15000"/>
+              </a:spcBef>
+              <a:buClr>
+                <a:schemeClr val="accent1"/>
+              </a:buClr>
+              <a:buSzPct val="75000"/>
+            </a:pPr>
+            <a:r>
+              <a:rPr lang="en-US" sz="2600" dirty="0" smtClean="0">
+                <a:latin typeface="Helvetica" charset="0"/>
+              </a:rPr>
+              <a:t>(TSMC 45nm process)</a:t>
+            </a:r>
+            <a:endParaRPr lang="en-US" sz="2600" dirty="0">
+              <a:latin typeface="Helvetica" charset="0"/>
+            </a:endParaRPr>
+          </a:p>
+          <a:p>
+            <a:pPr marL="0" indent="0">
+              <a:lnSpc>
+                <a:spcPct val="80000"/>
+              </a:lnSpc>
+              <a:spcBef>
+                <a:spcPct val="15000"/>
+              </a:spcBef>
+              <a:buClr>
+                <a:schemeClr val="accent1"/>
+              </a:buClr>
+              <a:buSzPct val="75000"/>
+            </a:pPr>
+            <a:endParaRPr lang="en-US" sz="2000" dirty="0" smtClean="0">
+              <a:effectLst/>
+              <a:latin typeface="Helvetica" charset="0"/>
+            </a:endParaRPr>
+          </a:p>
+          <a:p>
+            <a:pPr>
+              <a:lnSpc>
+                <a:spcPct val="80000"/>
+              </a:lnSpc>
+              <a:spcBef>
+                <a:spcPct val="15000"/>
+              </a:spcBef>
+              <a:buClr>
+                <a:schemeClr val="accent1"/>
+              </a:buClr>
+              <a:buSzPct val="75000"/>
+              <a:buFont typeface="Wingdings" charset="2"/>
+              <a:buChar char="o"/>
+            </a:pPr>
+            <a:r>
+              <a:rPr lang="en-US" sz="3200" dirty="0" smtClean="0">
+                <a:effectLst/>
+                <a:latin typeface="Helvetica" charset="0"/>
+              </a:rPr>
+              <a:t>0.9 ns clock (1.1 GHz)</a:t>
+            </a:r>
+          </a:p>
+          <a:p>
+            <a:pPr>
+              <a:lnSpc>
+                <a:spcPct val="80000"/>
+              </a:lnSpc>
+              <a:spcBef>
+                <a:spcPct val="15000"/>
+              </a:spcBef>
+              <a:buClr>
+                <a:schemeClr val="accent1"/>
+              </a:buClr>
+              <a:buSzPct val="75000"/>
+              <a:buFont typeface="Wingdings" charset="2"/>
+              <a:buChar char="o"/>
+            </a:pPr>
+            <a:r>
+              <a:rPr lang="en-US" sz="3200" dirty="0" smtClean="0">
+                <a:latin typeface="Helvetica" charset="0"/>
+              </a:rPr>
+              <a:t>63,442 µm</a:t>
+            </a:r>
+            <a:r>
+              <a:rPr lang="en-US" sz="3200" baseline="30000" dirty="0" smtClean="0">
+                <a:latin typeface="Helvetica" charset="0"/>
+              </a:rPr>
+              <a:t>2</a:t>
+            </a:r>
+            <a:r>
+              <a:rPr lang="en-US" sz="3200" dirty="0" smtClean="0">
+                <a:latin typeface="Helvetica" charset="0"/>
+              </a:rPr>
+              <a:t> per tile</a:t>
+            </a:r>
+            <a:br>
+              <a:rPr lang="en-US" sz="3200" dirty="0" smtClean="0">
+                <a:latin typeface="Helvetica" charset="0"/>
+              </a:rPr>
+            </a:br>
+            <a:r>
+              <a:rPr lang="en-US" sz="3200" dirty="0" smtClean="0">
+                <a:latin typeface="Helvetica" charset="0"/>
+              </a:rPr>
+              <a:t>(1,576 tiles in 100mm</a:t>
+            </a:r>
+            <a:r>
+              <a:rPr lang="en-US" sz="3200" baseline="30000" dirty="0" smtClean="0">
+                <a:latin typeface="Helvetica" charset="0"/>
+              </a:rPr>
+              <a:t>2</a:t>
+            </a:r>
+            <a:r>
+              <a:rPr lang="en-US" sz="3200" dirty="0" smtClean="0">
+                <a:latin typeface="Helvetica" charset="0"/>
+              </a:rPr>
+              <a:t>,</a:t>
+            </a:r>
+            <a:br>
+              <a:rPr lang="en-US" sz="3200" dirty="0" smtClean="0">
+                <a:latin typeface="Helvetica" charset="0"/>
+              </a:rPr>
+            </a:br>
+            <a:r>
+              <a:rPr lang="en-US" sz="3200" dirty="0" smtClean="0">
+                <a:latin typeface="Helvetica" charset="0"/>
+              </a:rPr>
+              <a:t>4,728 tiles in 300mm</a:t>
+            </a:r>
+            <a:r>
+              <a:rPr lang="en-US" sz="3200" baseline="30000" dirty="0" smtClean="0">
+                <a:latin typeface="Helvetica" charset="0"/>
+              </a:rPr>
+              <a:t>2</a:t>
+            </a:r>
+            <a:r>
+              <a:rPr lang="en-US" sz="3200" dirty="0" smtClean="0">
+                <a:latin typeface="Helvetica" charset="0"/>
+              </a:rPr>
+              <a:t>)</a:t>
+            </a:r>
+          </a:p>
+        </p:txBody>
+      </p:sp>
+      <p:pic>
+        <p:nvPicPr>
+          <p:cNvPr id="1032" name="Picture 8" descr="C:\Users\Ducky\Documents\GitHub\dreamer-talks\poster\hierarchy_transp.png"/>
+          <p:cNvPicPr>
+            <a:picLocks noChangeAspect="1" noChangeArrowheads="1"/>
+          </p:cNvPicPr>
+          <p:nvPr/>
+        </p:nvPicPr>
+        <p:blipFill>
+          <a:blip r:embed="rId7">
+            <a:extLst>
+              <a:ext uri="{28A0092B-C50C-407E-A947-70E740481C1C}">
+                <a14:useLocalDpi xmlns:a14="http://schemas.microsoft.com/office/drawing/2010/main" val="0"/>
+              </a:ext>
+            </a:extLst>
+          </a:blip>
+          <a:srcRect/>
+          <a:stretch>
+            <a:fillRect/>
+          </a:stretch>
+        </p:blipFill>
+        <p:spPr bwMode="auto">
+          <a:xfrm>
+            <a:off x="28346400" y="16459200"/>
+            <a:ext cx="3689003" cy="3657600"/>
+          </a:xfrm>
+          <a:prstGeom prst="rect">
+            <a:avLst/>
+          </a:prstGeom>
+          <a:noFill/>
+          <a:extLst>
+            <a:ext uri="{909E8E84-426E-40DD-AFC4-6F175D3DCCD1}">
+              <a14:hiddenFill xmlns:a14="http://schemas.microsoft.com/office/drawing/2010/main">
+                <a:solidFill>
+                  <a:srgbClr val="FFFFFF"/>
+                </a:solidFill>
+              </a14:hiddenFill>
+            </a:ext>
+          </a:extLst>
+        </p:spPr>
+      </p:pic>
+      <p:sp>
+        <p:nvSpPr>
+          <p:cNvPr id="51" name="Text Box 1383"/>
+          <p:cNvSpPr txBox="1">
+            <a:spLocks noChangeArrowheads="1"/>
+          </p:cNvSpPr>
+          <p:nvPr/>
+        </p:nvSpPr>
+        <p:spPr bwMode="auto">
+          <a:xfrm>
+            <a:off x="21945600" y="16459200"/>
+            <a:ext cx="5486400" cy="3657600"/>
+          </a:xfrm>
+          <a:prstGeom prst="rect">
+            <a:avLst/>
+          </a:prstGeom>
+          <a:noFill/>
+          <a:ln>
+            <a:noFill/>
+          </a:ln>
+          <a:extLst>
+            <a:ext uri="{909E8E84-426E-40DD-AFC4-6F175D3DCCD1}">
+              <a14:hiddenFill xmlns:a14="http://schemas.microsoft.com/office/drawing/2010/main">
+                <a:solidFill>
+                  <a:srgbClr val="FFFFFF"/>
+                </a:solidFill>
+              </a14:hiddenFill>
+            </a:ext>
+            <a:ext uri="{91240B29-F687-4F45-9708-019B960494DF}">
+              <a14:hiddenLine xmlns:a14="http://schemas.microsoft.com/office/drawing/2010/main" w="9525">
+                <a:solidFill>
+                  <a:srgbClr val="000000"/>
+                </a:solidFill>
+                <a:miter lim="800000"/>
+                <a:headEnd/>
+                <a:tailEnd/>
+              </a14:hiddenLine>
+            </a:ext>
+          </a:extLst>
+        </p:spPr>
+        <p:txBody>
+          <a:bodyPr wrap="square" lIns="228600" tIns="228600" rIns="228600" bIns="228600" anchor="b" anchorCtr="1">
+            <a:noAutofit/>
+          </a:bodyPr>
+          <a:lstStyle>
+            <a:lvl1pPr marL="457200" indent="-457200">
+              <a:defRPr sz="3000">
+                <a:solidFill>
+                  <a:schemeClr val="tx1"/>
+                </a:solidFill>
+                <a:latin typeface="Times" charset="0"/>
+                <a:ea typeface="ＭＳ Ｐゴシック" charset="-128"/>
+              </a:defRPr>
+            </a:lvl1pPr>
+            <a:lvl2pPr marL="1092200" indent="-393700">
+              <a:defRPr sz="3000">
+                <a:solidFill>
+                  <a:schemeClr val="tx1"/>
+                </a:solidFill>
+                <a:latin typeface="Times" charset="0"/>
+                <a:ea typeface="ＭＳ Ｐゴシック" charset="-128"/>
+              </a:defRPr>
+            </a:lvl2pPr>
+            <a:lvl3pPr>
+              <a:defRPr sz="3000">
+                <a:solidFill>
+                  <a:schemeClr val="tx1"/>
+                </a:solidFill>
+                <a:latin typeface="Times" charset="0"/>
+                <a:ea typeface="ＭＳ Ｐゴシック" charset="-128"/>
+              </a:defRPr>
+            </a:lvl3pPr>
+            <a:lvl4pPr>
+              <a:defRPr sz="3000">
+                <a:solidFill>
+                  <a:schemeClr val="tx1"/>
+                </a:solidFill>
+                <a:latin typeface="Times" charset="0"/>
+                <a:ea typeface="ＭＳ Ｐゴシック" charset="-128"/>
+              </a:defRPr>
+            </a:lvl4pPr>
+            <a:lvl5pPr>
+              <a:defRPr sz="3000">
+                <a:solidFill>
+                  <a:schemeClr val="tx1"/>
+                </a:solidFill>
+                <a:latin typeface="Times" charset="0"/>
+                <a:ea typeface="ＭＳ Ｐゴシック" charset="-128"/>
+              </a:defRPr>
+            </a:lvl5pPr>
+            <a:lvl6pPr marL="457200" eaLnBrk="0" fontAlgn="base" hangingPunct="0">
+              <a:spcBef>
+                <a:spcPct val="0"/>
+              </a:spcBef>
+              <a:spcAft>
+                <a:spcPct val="0"/>
+              </a:spcAft>
+              <a:defRPr sz="3000">
+                <a:solidFill>
+                  <a:schemeClr val="tx1"/>
+                </a:solidFill>
+                <a:latin typeface="Times" charset="0"/>
+                <a:ea typeface="ＭＳ Ｐゴシック" charset="-128"/>
+              </a:defRPr>
+            </a:lvl6pPr>
+            <a:lvl7pPr marL="914400" eaLnBrk="0" fontAlgn="base" hangingPunct="0">
+              <a:spcBef>
+                <a:spcPct val="0"/>
+              </a:spcBef>
+              <a:spcAft>
+                <a:spcPct val="0"/>
+              </a:spcAft>
+              <a:defRPr sz="3000">
+                <a:solidFill>
+                  <a:schemeClr val="tx1"/>
+                </a:solidFill>
+                <a:latin typeface="Times" charset="0"/>
+                <a:ea typeface="ＭＳ Ｐゴシック" charset="-128"/>
+              </a:defRPr>
+            </a:lvl7pPr>
+            <a:lvl8pPr marL="1371600" eaLnBrk="0" fontAlgn="base" hangingPunct="0">
+              <a:spcBef>
+                <a:spcPct val="0"/>
+              </a:spcBef>
+              <a:spcAft>
+                <a:spcPct val="0"/>
+              </a:spcAft>
+              <a:defRPr sz="3000">
+                <a:solidFill>
+                  <a:schemeClr val="tx1"/>
+                </a:solidFill>
+                <a:latin typeface="Times" charset="0"/>
+                <a:ea typeface="ＭＳ Ｐゴシック" charset="-128"/>
+              </a:defRPr>
+            </a:lvl8pPr>
+            <a:lvl9pPr marL="1828800" eaLnBrk="0" fontAlgn="base" hangingPunct="0">
+              <a:spcBef>
+                <a:spcPct val="0"/>
+              </a:spcBef>
+              <a:spcAft>
+                <a:spcPct val="0"/>
+              </a:spcAft>
+              <a:defRPr sz="3000">
+                <a:solidFill>
+                  <a:schemeClr val="tx1"/>
+                </a:solidFill>
+                <a:latin typeface="Times" charset="0"/>
+                <a:ea typeface="ＭＳ Ｐゴシック" charset="-128"/>
+              </a:defRPr>
+            </a:lvl9pPr>
+          </a:lstStyle>
+          <a:p>
+            <a:pPr marL="0" indent="0" algn="ctr">
+              <a:lnSpc>
+                <a:spcPct val="80000"/>
+              </a:lnSpc>
+              <a:spcBef>
+                <a:spcPct val="15000"/>
+              </a:spcBef>
+              <a:buClr>
+                <a:schemeClr val="accent1"/>
+              </a:buClr>
+              <a:buSzPct val="75000"/>
+            </a:pPr>
+            <a:r>
+              <a:rPr lang="en-US" sz="4800" b="1" dirty="0" smtClean="0">
+                <a:latin typeface="Helvetica" charset="0"/>
+              </a:rPr>
+              <a:t>Specs:</a:t>
+            </a:r>
+          </a:p>
+          <a:p>
+            <a:pPr marL="0" indent="0" algn="ctr">
+              <a:lnSpc>
+                <a:spcPct val="80000"/>
+              </a:lnSpc>
+              <a:spcBef>
+                <a:spcPct val="15000"/>
+              </a:spcBef>
+              <a:buClr>
+                <a:schemeClr val="accent1"/>
+              </a:buClr>
+              <a:buSzPct val="75000"/>
+            </a:pPr>
+            <a:r>
+              <a:rPr lang="en-US" sz="2600" dirty="0">
+                <a:latin typeface="Helvetica" charset="0"/>
+              </a:rPr>
+              <a:t>1024 x 32 data memory</a:t>
+            </a:r>
+          </a:p>
+          <a:p>
+            <a:pPr marL="0" indent="0" algn="ctr">
+              <a:lnSpc>
+                <a:spcPct val="80000"/>
+              </a:lnSpc>
+              <a:spcBef>
+                <a:spcPct val="15000"/>
+              </a:spcBef>
+              <a:buClr>
+                <a:schemeClr val="accent1"/>
+              </a:buClr>
+              <a:buSzPct val="75000"/>
+            </a:pPr>
+            <a:r>
+              <a:rPr lang="en-US" sz="2600" dirty="0">
+                <a:latin typeface="Helvetica" charset="0"/>
+              </a:rPr>
+              <a:t>1024 x 32 code memory</a:t>
+            </a:r>
+          </a:p>
+          <a:p>
+            <a:pPr marL="0" indent="0" algn="ctr">
+              <a:lnSpc>
+                <a:spcPct val="80000"/>
+              </a:lnSpc>
+              <a:spcBef>
+                <a:spcPct val="15000"/>
+              </a:spcBef>
+              <a:buClr>
+                <a:schemeClr val="accent1"/>
+              </a:buClr>
+              <a:buSzPct val="75000"/>
+            </a:pPr>
+            <a:r>
+              <a:rPr lang="en-US" sz="2600" dirty="0">
+                <a:latin typeface="Helvetica" charset="0"/>
+              </a:rPr>
+              <a:t>32 x 32 register </a:t>
+            </a:r>
+            <a:r>
+              <a:rPr lang="en-US" sz="2600" dirty="0" smtClean="0">
+                <a:latin typeface="Helvetica" charset="0"/>
+              </a:rPr>
+              <a:t>file</a:t>
+            </a:r>
+            <a:endParaRPr lang="en-US" sz="2600" dirty="0">
+              <a:latin typeface="Helvetica" charset="0"/>
+            </a:endParaRPr>
+          </a:p>
+        </p:txBody>
+      </p:sp>
+      <p:pic>
+        <p:nvPicPr>
+          <p:cNvPr id="1033" name="Picture 9" descr="C:\Users\Ducky\Documents\GitHub\dreamer-talks\poster\lasagna_bright.png"/>
+          <p:cNvPicPr>
+            <a:picLocks noChangeAspect="1" noChangeArrowheads="1"/>
+          </p:cNvPicPr>
+          <p:nvPr/>
+        </p:nvPicPr>
+        <p:blipFill>
+          <a:blip r:embed="rId8">
+            <a:extLst>
+              <a:ext uri="{28A0092B-C50C-407E-A947-70E740481C1C}">
+                <a14:useLocalDpi xmlns:a14="http://schemas.microsoft.com/office/drawing/2010/main" val="0"/>
+              </a:ext>
+            </a:extLst>
+          </a:blip>
+          <a:srcRect/>
+          <a:stretch>
+            <a:fillRect/>
+          </a:stretch>
+        </p:blipFill>
+        <p:spPr bwMode="auto">
+          <a:xfrm>
+            <a:off x="5029200" y="23317200"/>
+            <a:ext cx="5145992" cy="3657600"/>
+          </a:xfrm>
+          <a:prstGeom prst="rect">
+            <a:avLst/>
+          </a:prstGeom>
+          <a:noFill/>
+          <a:extLst>
+            <a:ext uri="{909E8E84-426E-40DD-AFC4-6F175D3DCCD1}">
+              <a14:hiddenFill xmlns:a14="http://schemas.microsoft.com/office/drawing/2010/main">
+                <a:solidFill>
+                  <a:srgbClr val="FFFFFF"/>
+                </a:solidFill>
+              </a14:hiddenFill>
+            </a:ext>
+          </a:extLst>
+        </p:spPr>
+      </p:pic>
+      <p:sp>
+        <p:nvSpPr>
+          <p:cNvPr id="53" name="Text Box 1383"/>
+          <p:cNvSpPr txBox="1">
+            <a:spLocks noChangeArrowheads="1"/>
+          </p:cNvSpPr>
+          <p:nvPr/>
+        </p:nvSpPr>
+        <p:spPr bwMode="auto">
+          <a:xfrm>
+            <a:off x="457200" y="23317200"/>
+            <a:ext cx="4114800" cy="3657600"/>
+          </a:xfrm>
+          <a:prstGeom prst="rect">
+            <a:avLst/>
+          </a:prstGeom>
+          <a:noFill/>
+          <a:ln>
+            <a:noFill/>
+          </a:ln>
+          <a:extLst>
+            <a:ext uri="{909E8E84-426E-40DD-AFC4-6F175D3DCCD1}">
+              <a14:hiddenFill xmlns:a14="http://schemas.microsoft.com/office/drawing/2010/main">
+                <a:solidFill>
+                  <a:srgbClr val="FFFFFF"/>
+                </a:solidFill>
+              </a14:hiddenFill>
+            </a:ext>
+            <a:ext uri="{91240B29-F687-4F45-9708-019B960494DF}">
+              <a14:hiddenLine xmlns:a14="http://schemas.microsoft.com/office/drawing/2010/main" w="9525">
+                <a:solidFill>
+                  <a:srgbClr val="000000"/>
+                </a:solidFill>
+                <a:miter lim="800000"/>
+                <a:headEnd/>
+                <a:tailEnd/>
+              </a14:hiddenLine>
+            </a:ext>
+          </a:extLst>
+        </p:spPr>
+        <p:txBody>
+          <a:bodyPr wrap="square" lIns="228600" tIns="228600" rIns="228600" bIns="228600" anchor="ctr" anchorCtr="0">
+            <a:noAutofit/>
+          </a:bodyPr>
+          <a:lstStyle>
+            <a:lvl1pPr marL="457200" indent="-457200">
+              <a:defRPr sz="3000">
+                <a:solidFill>
+                  <a:schemeClr val="tx1"/>
+                </a:solidFill>
+                <a:latin typeface="Times" charset="0"/>
+                <a:ea typeface="ＭＳ Ｐゴシック" charset="-128"/>
+              </a:defRPr>
+            </a:lvl1pPr>
+            <a:lvl2pPr marL="1092200" indent="-393700">
+              <a:defRPr sz="3000">
+                <a:solidFill>
+                  <a:schemeClr val="tx1"/>
+                </a:solidFill>
+                <a:latin typeface="Times" charset="0"/>
+                <a:ea typeface="ＭＳ Ｐゴシック" charset="-128"/>
+              </a:defRPr>
+            </a:lvl2pPr>
+            <a:lvl3pPr>
+              <a:defRPr sz="3000">
+                <a:solidFill>
+                  <a:schemeClr val="tx1"/>
+                </a:solidFill>
+                <a:latin typeface="Times" charset="0"/>
+                <a:ea typeface="ＭＳ Ｐゴシック" charset="-128"/>
+              </a:defRPr>
+            </a:lvl3pPr>
+            <a:lvl4pPr>
+              <a:defRPr sz="3000">
+                <a:solidFill>
+                  <a:schemeClr val="tx1"/>
+                </a:solidFill>
+                <a:latin typeface="Times" charset="0"/>
+                <a:ea typeface="ＭＳ Ｐゴシック" charset="-128"/>
+              </a:defRPr>
+            </a:lvl4pPr>
+            <a:lvl5pPr>
+              <a:defRPr sz="3000">
+                <a:solidFill>
+                  <a:schemeClr val="tx1"/>
+                </a:solidFill>
+                <a:latin typeface="Times" charset="0"/>
+                <a:ea typeface="ＭＳ Ｐゴシック" charset="-128"/>
+              </a:defRPr>
+            </a:lvl5pPr>
+            <a:lvl6pPr marL="457200" eaLnBrk="0" fontAlgn="base" hangingPunct="0">
+              <a:spcBef>
+                <a:spcPct val="0"/>
+              </a:spcBef>
+              <a:spcAft>
+                <a:spcPct val="0"/>
+              </a:spcAft>
+              <a:defRPr sz="3000">
+                <a:solidFill>
+                  <a:schemeClr val="tx1"/>
+                </a:solidFill>
+                <a:latin typeface="Times" charset="0"/>
+                <a:ea typeface="ＭＳ Ｐゴシック" charset="-128"/>
+              </a:defRPr>
+            </a:lvl6pPr>
+            <a:lvl7pPr marL="914400" eaLnBrk="0" fontAlgn="base" hangingPunct="0">
+              <a:spcBef>
+                <a:spcPct val="0"/>
+              </a:spcBef>
+              <a:spcAft>
+                <a:spcPct val="0"/>
+              </a:spcAft>
+              <a:defRPr sz="3000">
+                <a:solidFill>
+                  <a:schemeClr val="tx1"/>
+                </a:solidFill>
+                <a:latin typeface="Times" charset="0"/>
+                <a:ea typeface="ＭＳ Ｐゴシック" charset="-128"/>
+              </a:defRPr>
+            </a:lvl7pPr>
+            <a:lvl8pPr marL="1371600" eaLnBrk="0" fontAlgn="base" hangingPunct="0">
+              <a:spcBef>
+                <a:spcPct val="0"/>
+              </a:spcBef>
+              <a:spcAft>
+                <a:spcPct val="0"/>
+              </a:spcAft>
+              <a:defRPr sz="3000">
+                <a:solidFill>
+                  <a:schemeClr val="tx1"/>
+                </a:solidFill>
+                <a:latin typeface="Times" charset="0"/>
+                <a:ea typeface="ＭＳ Ｐゴシック" charset="-128"/>
+              </a:defRPr>
+            </a:lvl8pPr>
+            <a:lvl9pPr marL="1828800" eaLnBrk="0" fontAlgn="base" hangingPunct="0">
+              <a:spcBef>
+                <a:spcPct val="0"/>
+              </a:spcBef>
+              <a:spcAft>
+                <a:spcPct val="0"/>
+              </a:spcAft>
+              <a:defRPr sz="3000">
+                <a:solidFill>
+                  <a:schemeClr val="tx1"/>
+                </a:solidFill>
+                <a:latin typeface="Times" charset="0"/>
+                <a:ea typeface="ＭＳ Ｐゴシック" charset="-128"/>
+              </a:defRPr>
+            </a:lvl9pPr>
+          </a:lstStyle>
+          <a:p>
+            <a:pPr marL="0" indent="0" algn="r">
+              <a:lnSpc>
+                <a:spcPct val="80000"/>
+              </a:lnSpc>
+              <a:spcBef>
+                <a:spcPct val="15000"/>
+              </a:spcBef>
+              <a:buClr>
+                <a:schemeClr val="accent1"/>
+              </a:buClr>
+              <a:buSzPct val="75000"/>
+            </a:pPr>
+            <a:r>
+              <a:rPr lang="en-US" sz="4800" b="1" dirty="0" smtClean="0">
+                <a:latin typeface="Helvetica" charset="0"/>
+              </a:rPr>
+              <a:t>In the big picture:</a:t>
+            </a:r>
+            <a:endParaRPr lang="en-US" sz="2600" dirty="0">
+              <a:latin typeface="Helvetica" charset="0"/>
+            </a:endParaRPr>
           </a:p>
         </p:txBody>
       </p:sp>

--- a/poster/dreamer.pptx
+++ b/poster/dreamer.pptx
@@ -3396,7 +3396,7 @@
         </p:blipFill>
         <p:spPr bwMode="auto">
           <a:xfrm>
-            <a:off x="7086600" y="20116800"/>
+            <a:off x="7086600" y="19888200"/>
             <a:ext cx="3657600" cy="2796988"/>
           </a:xfrm>
           <a:prstGeom prst="rect">
@@ -3424,8 +3424,8 @@
         </p:nvSpPr>
         <p:spPr bwMode="auto">
           <a:xfrm>
-            <a:off x="0" y="15544800"/>
-            <a:ext cx="10972800" cy="7772400"/>
+            <a:off x="0" y="18288000"/>
+            <a:ext cx="10972800" cy="4572000"/>
           </a:xfrm>
           <a:prstGeom prst="rect">
             <a:avLst/>
@@ -3578,33 +3578,7 @@
               </a:buClr>
               <a:buSzPct val="75000"/>
             </a:pPr>
-            <a:r>
-              <a:rPr lang="en-US" sz="4800" b="1" dirty="0" smtClean="0">
-                <a:latin typeface="Helvetica" charset="0"/>
-              </a:rPr>
-              <a:t>DREAMER </a:t>
-            </a:r>
-            <a:r>
-              <a:rPr lang="en-US" sz="4800" b="1" dirty="0">
-                <a:latin typeface="Helvetica" charset="0"/>
-              </a:rPr>
-              <a:t>Motivation</a:t>
-            </a:r>
-          </a:p>
-          <a:p>
-            <a:pPr marL="0" indent="0" algn="ctr">
-              <a:lnSpc>
-                <a:spcPct val="80000"/>
-              </a:lnSpc>
-              <a:spcBef>
-                <a:spcPct val="15000"/>
-              </a:spcBef>
-              <a:buClr>
-                <a:schemeClr val="accent1"/>
-              </a:buClr>
-              <a:buSzPct val="75000"/>
-            </a:pPr>
-            <a:endParaRPr lang="en-US" sz="2000" b="1" dirty="0">
+            <a:endParaRPr lang="en-US" sz="2000" b="1" dirty="0" smtClean="0">
               <a:latin typeface="Helvetica" charset="0"/>
             </a:endParaRPr>
           </a:p>
@@ -3624,166 +3598,7 @@
               <a:buChar char="o"/>
             </a:pPr>
             <a:r>
-              <a:rPr lang="en-US" sz="3200" dirty="0">
-                <a:latin typeface="Helvetica" charset="0"/>
-              </a:rPr>
-              <a:t>… but FPGA emulation is not ideal</a:t>
-            </a:r>
-          </a:p>
-          <a:p>
-            <a:pPr lvl="1">
-              <a:lnSpc>
-                <a:spcPct val="80000"/>
-              </a:lnSpc>
-              <a:spcBef>
-                <a:spcPct val="15000"/>
-              </a:spcBef>
-              <a:buClr>
-                <a:schemeClr val="accent2"/>
-              </a:buClr>
-              <a:buSzPct val="75000"/>
-              <a:buFont typeface="Wingdings" charset="2"/>
-              <a:buChar char="o"/>
-            </a:pPr>
-            <a:r>
-              <a:rPr lang="en-US" sz="2600" dirty="0">
-                <a:latin typeface="Helvetica" charset="0"/>
-              </a:rPr>
-              <a:t>Inefficient support for word-wide operations </a:t>
-            </a:r>
-            <a:r>
-              <a:rPr lang="en-US" sz="2600" dirty="0" smtClean="0">
-                <a:latin typeface="Helvetica" charset="0"/>
-              </a:rPr>
-              <a:t>(natively bit-wide)</a:t>
-            </a:r>
-          </a:p>
-          <a:p>
-            <a:pPr lvl="1">
-              <a:lnSpc>
-                <a:spcPct val="80000"/>
-              </a:lnSpc>
-              <a:spcBef>
-                <a:spcPct val="15000"/>
-              </a:spcBef>
-              <a:buClr>
-                <a:schemeClr val="accent2"/>
-              </a:buClr>
-              <a:buSzPct val="75000"/>
-              <a:buFont typeface="Wingdings" charset="2"/>
-              <a:buChar char="o"/>
-            </a:pPr>
-            <a:r>
-              <a:rPr lang="en-US" sz="2600" dirty="0" smtClean="0">
-                <a:latin typeface="Helvetica" charset="0"/>
-              </a:rPr>
-              <a:t>Logic </a:t>
-            </a:r>
-            <a:r>
-              <a:rPr lang="en-US" sz="2600" dirty="0">
-                <a:latin typeface="Helvetica" charset="0"/>
-              </a:rPr>
-              <a:t>synthesis and mapping takes a long time</a:t>
-            </a:r>
-          </a:p>
-          <a:p>
-            <a:pPr lvl="1">
-              <a:lnSpc>
-                <a:spcPct val="80000"/>
-              </a:lnSpc>
-              <a:spcBef>
-                <a:spcPct val="15000"/>
-              </a:spcBef>
-              <a:buClr>
-                <a:schemeClr val="accent2"/>
-              </a:buClr>
-              <a:buSzPct val="75000"/>
-              <a:buFont typeface="Wingdings" charset="2"/>
-              <a:buChar char="o"/>
-            </a:pPr>
-            <a:r>
-              <a:rPr lang="en-US" sz="2600" dirty="0">
-                <a:latin typeface="Helvetica" charset="0"/>
-              </a:rPr>
-              <a:t>… and must be done after </a:t>
-            </a:r>
-            <a:r>
-              <a:rPr lang="en-US" sz="2600" i="1" dirty="0">
-                <a:latin typeface="Helvetica" charset="0"/>
-              </a:rPr>
-              <a:t>any</a:t>
-            </a:r>
-            <a:r>
-              <a:rPr lang="en-US" sz="2600" dirty="0">
-                <a:latin typeface="Helvetica" charset="0"/>
-              </a:rPr>
-              <a:t> change in the design</a:t>
-            </a:r>
-          </a:p>
-          <a:p>
-            <a:pPr lvl="1">
-              <a:lnSpc>
-                <a:spcPct val="80000"/>
-              </a:lnSpc>
-              <a:spcBef>
-                <a:spcPct val="15000"/>
-              </a:spcBef>
-              <a:buClr>
-                <a:schemeClr val="accent2"/>
-              </a:buClr>
-              <a:buSzPct val="75000"/>
-              <a:buFont typeface="Wingdings" charset="2"/>
-              <a:buChar char="o"/>
-            </a:pPr>
-            <a:r>
-              <a:rPr lang="en-US" sz="2600" dirty="0">
-                <a:latin typeface="Helvetica" charset="0"/>
-              </a:rPr>
-              <a:t>… even if all you want to do is add a logic </a:t>
-            </a:r>
-            <a:r>
-              <a:rPr lang="en-US" sz="2600" dirty="0" smtClean="0">
-                <a:latin typeface="Helvetica" charset="0"/>
-              </a:rPr>
-              <a:t>probe</a:t>
-            </a:r>
-          </a:p>
-          <a:p>
-            <a:pPr lvl="1">
-              <a:lnSpc>
-                <a:spcPct val="80000"/>
-              </a:lnSpc>
-              <a:spcBef>
-                <a:spcPct val="15000"/>
-              </a:spcBef>
-              <a:buClr>
-                <a:schemeClr val="accent2"/>
-              </a:buClr>
-              <a:buSzPct val="75000"/>
-              <a:buFont typeface="Wingdings" charset="2"/>
-              <a:buChar char="o"/>
-            </a:pPr>
-            <a:endParaRPr lang="en-US" sz="3200" dirty="0">
-              <a:latin typeface="Helvetica" charset="0"/>
-            </a:endParaRPr>
-          </a:p>
-          <a:p>
-            <a:pPr>
-              <a:lnSpc>
-                <a:spcPct val="80000"/>
-              </a:lnSpc>
-              <a:spcBef>
-                <a:spcPct val="15000"/>
-              </a:spcBef>
-              <a:buClr>
-                <a:schemeClr val="accent1"/>
-              </a:buClr>
-              <a:buSzPct val="75000"/>
-              <a:buFont typeface="Wingdings" charset="2"/>
-              <a:buChar char="o"/>
-            </a:pPr>
-            <a:r>
-              <a:rPr lang="en-US" sz="3200" b="1" dirty="0">
+              <a:rPr lang="en-US" sz="3200" b="1" dirty="0" smtClean="0">
                 <a:latin typeface="Helvetica" charset="0"/>
               </a:rPr>
               <a:t>DREAMER</a:t>
@@ -4065,6 +3880,120 @@
             <a:endParaRPr lang="en-US" sz="2600" dirty="0">
               <a:latin typeface="Helvetica" charset="0"/>
             </a:endParaRPr>
+          </a:p>
+        </p:txBody>
+      </p:sp>
+      <p:sp>
+        <p:nvSpPr>
+          <p:cNvPr id="61" name="Rectangle 60"/>
+          <p:cNvSpPr/>
+          <p:nvPr/>
+        </p:nvSpPr>
+        <p:spPr>
+          <a:xfrm>
+            <a:off x="0" y="4800600"/>
+            <a:ext cx="32918400" cy="457200"/>
+          </a:xfrm>
+          <a:prstGeom prst="rect">
+            <a:avLst/>
+          </a:prstGeom>
+          <a:gradFill>
+            <a:gsLst>
+              <a:gs pos="50000">
+                <a:srgbClr val="95B9E5"/>
+              </a:gs>
+              <a:gs pos="0">
+                <a:schemeClr val="bg1"/>
+              </a:gs>
+              <a:gs pos="100000">
+                <a:schemeClr val="bg1"/>
+              </a:gs>
+            </a:gsLst>
+            <a:lin ang="16200000" scaled="0"/>
+          </a:gradFill>
+          <a:ln>
+            <a:noFill/>
+          </a:ln>
+        </p:spPr>
+        <p:style>
+          <a:lnRef idx="2">
+            <a:schemeClr val="accent1">
+              <a:shade val="50000"/>
+            </a:schemeClr>
+          </a:lnRef>
+          <a:fillRef idx="1">
+            <a:schemeClr val="accent1"/>
+          </a:fillRef>
+          <a:effectRef idx="0">
+            <a:schemeClr val="accent1"/>
+          </a:effectRef>
+          <a:fontRef idx="minor">
+            <a:schemeClr val="lt1"/>
+          </a:fontRef>
+        </p:style>
+        <p:txBody>
+          <a:bodyPr rtlCol="0" anchor="ctr"/>
+          <a:lstStyle/>
+          <a:p>
+            <a:pPr algn="ctr"/>
+            <a:endParaRPr lang="en-US"/>
+          </a:p>
+        </p:txBody>
+      </p:sp>
+      <p:sp>
+        <p:nvSpPr>
+          <p:cNvPr id="42" name="Rectangle 41"/>
+          <p:cNvSpPr/>
+          <p:nvPr/>
+        </p:nvSpPr>
+        <p:spPr>
+          <a:xfrm>
+            <a:off x="0" y="3429000"/>
+            <a:ext cx="32918400" cy="457200"/>
+          </a:xfrm>
+          <a:prstGeom prst="rect">
+            <a:avLst/>
+          </a:prstGeom>
+          <a:gradFill>
+            <a:gsLst>
+              <a:gs pos="50000">
+                <a:srgbClr val="95B9E5"/>
+              </a:gs>
+              <a:gs pos="0">
+                <a:schemeClr val="bg1"/>
+              </a:gs>
+              <a:gs pos="100000">
+                <a:schemeClr val="bg1"/>
+              </a:gs>
+            </a:gsLst>
+            <a:lin ang="16200000" scaled="0"/>
+          </a:gradFill>
+          <a:ln>
+            <a:noFill/>
+          </a:ln>
+        </p:spPr>
+        <p:style>
+          <a:lnRef idx="2">
+            <a:schemeClr val="accent1">
+              <a:shade val="50000"/>
+            </a:schemeClr>
+          </a:lnRef>
+          <a:fillRef idx="1">
+            <a:schemeClr val="accent1"/>
+          </a:fillRef>
+          <a:effectRef idx="0">
+            <a:schemeClr val="accent1"/>
+          </a:effectRef>
+          <a:fontRef idx="minor">
+            <a:schemeClr val="lt1"/>
+          </a:fontRef>
+        </p:style>
+        <p:txBody>
+          <a:bodyPr rtlCol="0" anchor="ctr"/>
+          <a:lstStyle/>
+          <a:p>
+            <a:pPr algn="ctr"/>
+            <a:endParaRPr lang="en-US"/>
           </a:p>
         </p:txBody>
       </p:sp>
@@ -4389,59 +4318,6 @@
       </p:sp>
       <p:sp>
         <p:nvSpPr>
-          <p:cNvPr id="15" name="AutoShape 1375"/>
-          <p:cNvSpPr>
-            <a:spLocks noChangeArrowheads="1"/>
-          </p:cNvSpPr>
-          <p:nvPr/>
-        </p:nvSpPr>
-        <p:spPr bwMode="auto">
-          <a:xfrm>
-            <a:off x="11887200" y="5486400"/>
-            <a:ext cx="9144000" cy="914400"/>
-          </a:xfrm>
-          <a:prstGeom prst="roundRect">
-            <a:avLst>
-              <a:gd name="adj" fmla="val 16667"/>
-            </a:avLst>
-          </a:prstGeom>
-          <a:solidFill>
-            <a:schemeClr val="accent1"/>
-          </a:solidFill>
-          <a:ln w="9525">
-            <a:solidFill>
-              <a:schemeClr val="tx1"/>
-            </a:solidFill>
-            <a:round/>
-            <a:headEnd/>
-            <a:tailEnd/>
-          </a:ln>
-        </p:spPr>
-        <p:txBody>
-          <a:bodyPr wrap="none" anchor="ctr"/>
-          <a:lstStyle/>
-          <a:p>
-            <a:pPr algn="ctr"/>
-            <a:r>
-              <a:rPr lang="en-US" sz="5000" b="1" dirty="0" smtClean="0">
-                <a:solidFill>
-                  <a:schemeClr val="bg1"/>
-                </a:solidFill>
-                <a:effectLst/>
-              </a:rPr>
-              <a:t>Architecture</a:t>
-            </a:r>
-            <a:endParaRPr lang="en-US" sz="5000" b="1" dirty="0">
-              <a:solidFill>
-                <a:schemeClr val="bg1"/>
-              </a:solidFill>
-              <a:effectLst/>
-            </a:endParaRPr>
-          </a:p>
-        </p:txBody>
-      </p:sp>
-      <p:sp>
-        <p:nvSpPr>
           <p:cNvPr id="19" name="Text Box 1342"/>
           <p:cNvSpPr txBox="1">
             <a:spLocks noChangeArrowheads="1"/>
@@ -4631,8 +4507,8 @@
         </p:nvSpPr>
         <p:spPr bwMode="auto">
           <a:xfrm>
-            <a:off x="10972800" y="15544800"/>
-            <a:ext cx="10972800" cy="11430000"/>
+            <a:off x="21945600" y="21945600"/>
+            <a:ext cx="10972800" cy="5029200"/>
           </a:xfrm>
           <a:prstGeom prst="rect">
             <a:avLst/>
@@ -4773,29 +4649,6 @@
             </a:lvl9pPr>
           </a:lstStyle>
           <a:p>
-            <a:pPr marL="0" indent="0" algn="ctr">
-              <a:lnSpc>
-                <a:spcPct val="80000"/>
-              </a:lnSpc>
-              <a:spcBef>
-                <a:spcPct val="15000"/>
-              </a:spcBef>
-              <a:buClr>
-                <a:schemeClr val="accent1"/>
-              </a:buClr>
-              <a:buSzPct val="75000"/>
-            </a:pPr>
-            <a:r>
-              <a:rPr lang="en-US" sz="4800" b="1" dirty="0" smtClean="0">
-                <a:latin typeface="Helvetica" charset="0"/>
-              </a:rPr>
-              <a:t>The Array</a:t>
-            </a:r>
-            <a:endParaRPr lang="en-US" sz="4800" b="1" dirty="0">
-              <a:latin typeface="Helvetica" charset="0"/>
-            </a:endParaRPr>
-          </a:p>
-          <a:p>
             <a:pPr marL="0" indent="0">
               <a:lnSpc>
                 <a:spcPct val="80000"/>
@@ -4833,15 +4686,11 @@
                 <a:effectLst/>
                 <a:latin typeface="Helvetica" charset="0"/>
               </a:rPr>
-              <a:t>Massively parallel array of simple compute tiles</a:t>
-            </a:r>
-            <a:endParaRPr lang="en-US" sz="3200" dirty="0">
-              <a:effectLst/>
-              <a:latin typeface="Helvetica" charset="0"/>
-            </a:endParaRPr>
-          </a:p>
-          <a:p>
-            <a:pPr lvl="1">
+              <a:t>FPGA area optimization</a:t>
+            </a:r>
+          </a:p>
+          <a:p>
+            <a:pPr>
               <a:lnSpc>
                 <a:spcPct val="80000"/>
               </a:lnSpc>
@@ -4849,22 +4698,21 @@
                 <a:spcPct val="15000"/>
               </a:spcBef>
               <a:buClr>
-                <a:schemeClr val="accent2"/>
+                <a:schemeClr val="accent1"/>
               </a:buClr>
               <a:buSzPct val="75000"/>
               <a:buFont typeface="Wingdings" charset="2"/>
               <a:buChar char="o"/>
             </a:pPr>
             <a:r>
-              <a:rPr lang="en-US" sz="2600" dirty="0" smtClean="0">
-                <a:effectLst/>
+              <a:rPr lang="en-US" sz="3200" dirty="0" smtClean="0">
                 <a:latin typeface="Helvetica" charset="0"/>
               </a:rPr>
-              <a:t>Cores connected in a nearest-neighbor network</a:t>
-            </a:r>
-          </a:p>
-          <a:p>
-            <a:pPr lvl="1">
+              <a:t>Pipelining for faster clock speeds and realistic SRAM data memory</a:t>
+            </a:r>
+          </a:p>
+          <a:p>
+            <a:pPr>
               <a:lnSpc>
                 <a:spcPct val="80000"/>
               </a:lnSpc>
@@ -4872,21 +4720,22 @@
                 <a:spcPct val="15000"/>
               </a:spcBef>
               <a:buClr>
-                <a:schemeClr val="accent2"/>
+                <a:schemeClr val="accent1"/>
               </a:buClr>
               <a:buSzPct val="75000"/>
               <a:buFont typeface="Wingdings" charset="2"/>
               <a:buChar char="o"/>
             </a:pPr>
             <a:r>
-              <a:rPr lang="en-US" sz="2600" dirty="0" smtClean="0">
+              <a:rPr lang="en-US" sz="3200" dirty="0" smtClean="0">
+                <a:effectLst/>
                 <a:latin typeface="Helvetica" charset="0"/>
               </a:rPr>
-              <a:t>Each connection is a 2-element buffer (reduce deadlocks)</a:t>
-            </a:r>
-          </a:p>
-          <a:p>
-            <a:pPr lvl="1">
+              <a:t>Automatic instruction set generation and specialization</a:t>
+            </a:r>
+          </a:p>
+          <a:p>
+            <a:pPr>
               <a:lnSpc>
                 <a:spcPct val="80000"/>
               </a:lnSpc>
@@ -4894,22 +4743,21 @@
                 <a:spcPct val="15000"/>
               </a:spcBef>
               <a:buClr>
-                <a:schemeClr val="accent2"/>
+                <a:schemeClr val="accent1"/>
               </a:buClr>
               <a:buSzPct val="75000"/>
               <a:buFont typeface="Wingdings" charset="2"/>
               <a:buChar char="o"/>
             </a:pPr>
             <a:r>
-              <a:rPr lang="en-US" sz="2600" dirty="0" smtClean="0">
-                <a:effectLst/>
+              <a:rPr lang="en-US" sz="3200" dirty="0" smtClean="0">
                 <a:latin typeface="Helvetica" charset="0"/>
               </a:rPr>
-              <a:t>Ready-valid interlocked ports (avoid explicit no-ops) </a:t>
-            </a:r>
-          </a:p>
-          <a:p>
-            <a:pPr lvl="1">
+              <a:t>DSP optimization</a:t>
+            </a:r>
+          </a:p>
+          <a:p>
+            <a:pPr>
               <a:lnSpc>
                 <a:spcPct val="80000"/>
               </a:lnSpc>
@@ -4917,25 +4765,22 @@
                 <a:spcPct val="15000"/>
               </a:spcBef>
               <a:buClr>
-                <a:schemeClr val="accent2"/>
+                <a:schemeClr val="accent1"/>
               </a:buClr>
               <a:buSzPct val="75000"/>
               <a:buFont typeface="Wingdings" charset="2"/>
               <a:buChar char="o"/>
             </a:pPr>
             <a:r>
-              <a:rPr lang="en-US" sz="2600" dirty="0" smtClean="0">
+              <a:rPr lang="en-US" sz="3200" dirty="0" smtClean="0">
+                <a:effectLst/>
                 <a:latin typeface="Helvetica" charset="0"/>
               </a:rPr>
-              <a:t>Additionally, all tiles’ host interfaces connected in a scan chain (for debugging and control)</a:t>
-            </a:r>
-            <a:endParaRPr lang="en-US" sz="2600" dirty="0">
-              <a:effectLst/>
-              <a:latin typeface="Helvetica" charset="0"/>
-            </a:endParaRPr>
-          </a:p>
-          <a:p>
-            <a:pPr lvl="1">
+              <a:t>Efficiently handling fine-grained (bit-width) operations</a:t>
+            </a:r>
+          </a:p>
+          <a:p>
+            <a:pPr>
               <a:lnSpc>
                 <a:spcPct val="80000"/>
               </a:lnSpc>
@@ -4953,524 +4798,6 @@
               <a:effectLst/>
               <a:latin typeface="Helvetica" charset="0"/>
             </a:endParaRPr>
-          </a:p>
-          <a:p>
-            <a:pPr>
-              <a:lnSpc>
-                <a:spcPct val="80000"/>
-              </a:lnSpc>
-              <a:spcBef>
-                <a:spcPct val="15000"/>
-              </a:spcBef>
-              <a:buClr>
-                <a:schemeClr val="accent1"/>
-              </a:buClr>
-              <a:buSzPct val="75000"/>
-              <a:buFont typeface="Wingdings" charset="2"/>
-              <a:buChar char="o"/>
-            </a:pPr>
-            <a:r>
-              <a:rPr lang="en-US" sz="3200" dirty="0" smtClean="0">
-                <a:effectLst/>
-                <a:latin typeface="Helvetica" charset="0"/>
-              </a:rPr>
-              <a:t>Statically scheduled computation and communication</a:t>
-            </a:r>
-            <a:endParaRPr lang="en-US" sz="3200" dirty="0">
-              <a:effectLst/>
-              <a:latin typeface="Helvetica" charset="0"/>
-            </a:endParaRPr>
-          </a:p>
-          <a:p>
-            <a:pPr lvl="1">
-              <a:lnSpc>
-                <a:spcPct val="80000"/>
-              </a:lnSpc>
-              <a:spcBef>
-                <a:spcPct val="15000"/>
-              </a:spcBef>
-              <a:buClr>
-                <a:schemeClr val="accent2"/>
-              </a:buClr>
-              <a:buSzPct val="75000"/>
-              <a:buFont typeface="Wingdings" charset="2"/>
-              <a:buChar char="o"/>
-            </a:pPr>
-            <a:r>
-              <a:rPr lang="en-US" sz="2600" dirty="0" smtClean="0">
-                <a:effectLst/>
-                <a:latin typeface="Helvetica" charset="0"/>
-              </a:rPr>
-              <a:t>Simple hardware architecture, push complexity to tools</a:t>
-            </a:r>
-          </a:p>
-          <a:p>
-            <a:pPr lvl="1">
-              <a:lnSpc>
-                <a:spcPct val="80000"/>
-              </a:lnSpc>
-              <a:spcBef>
-                <a:spcPct val="15000"/>
-              </a:spcBef>
-              <a:buClr>
-                <a:schemeClr val="accent2"/>
-              </a:buClr>
-              <a:buSzPct val="75000"/>
-              <a:buFont typeface="Wingdings" charset="2"/>
-              <a:buChar char="o"/>
-            </a:pPr>
-            <a:r>
-              <a:rPr lang="en-US" sz="2600" dirty="0" smtClean="0">
-                <a:effectLst/>
-                <a:latin typeface="Helvetica" charset="0"/>
-              </a:rPr>
-              <a:t>All inter-tile data movement explicit (one tile at a time)</a:t>
-            </a:r>
-          </a:p>
-          <a:p>
-            <a:pPr lvl="1">
-              <a:lnSpc>
-                <a:spcPct val="80000"/>
-              </a:lnSpc>
-              <a:spcBef>
-                <a:spcPct val="15000"/>
-              </a:spcBef>
-              <a:buClr>
-                <a:schemeClr val="accent2"/>
-              </a:buClr>
-              <a:buSzPct val="75000"/>
-              <a:buFont typeface="Wingdings" charset="2"/>
-              <a:buChar char="o"/>
-            </a:pPr>
-            <a:endParaRPr lang="en-US" sz="2600" dirty="0" smtClean="0">
-              <a:effectLst/>
-              <a:latin typeface="Helvetica" charset="0"/>
-            </a:endParaRPr>
-          </a:p>
-          <a:p>
-            <a:pPr marL="0" indent="0" algn="ctr">
-              <a:lnSpc>
-                <a:spcPct val="80000"/>
-              </a:lnSpc>
-              <a:spcBef>
-                <a:spcPct val="15000"/>
-              </a:spcBef>
-              <a:buClr>
-                <a:schemeClr val="accent1"/>
-              </a:buClr>
-              <a:buSzPct val="75000"/>
-            </a:pPr>
-            <a:r>
-              <a:rPr lang="en-US" sz="4800" b="1" dirty="0">
-                <a:latin typeface="Helvetica" charset="0"/>
-              </a:rPr>
-              <a:t>The </a:t>
-            </a:r>
-            <a:r>
-              <a:rPr lang="en-US" sz="4800" b="1" dirty="0" smtClean="0">
-                <a:latin typeface="Helvetica" charset="0"/>
-              </a:rPr>
-              <a:t>Tile</a:t>
-            </a:r>
-            <a:endParaRPr lang="en-US" sz="4800" b="1" dirty="0">
-              <a:latin typeface="Helvetica" charset="0"/>
-            </a:endParaRPr>
-          </a:p>
-          <a:p>
-            <a:pPr marL="698500" lvl="1" indent="0">
-              <a:lnSpc>
-                <a:spcPct val="80000"/>
-              </a:lnSpc>
-              <a:spcBef>
-                <a:spcPct val="15000"/>
-              </a:spcBef>
-              <a:buClr>
-                <a:schemeClr val="accent2"/>
-              </a:buClr>
-              <a:buSzPct val="75000"/>
-            </a:pPr>
-            <a:endParaRPr lang="en-US" sz="2000" dirty="0" smtClean="0">
-              <a:effectLst/>
-              <a:latin typeface="Helvetica" charset="0"/>
-            </a:endParaRPr>
-          </a:p>
-          <a:p>
-            <a:pPr>
-              <a:lnSpc>
-                <a:spcPct val="80000"/>
-              </a:lnSpc>
-              <a:spcBef>
-                <a:spcPct val="15000"/>
-              </a:spcBef>
-              <a:buClr>
-                <a:schemeClr val="accent1"/>
-              </a:buClr>
-              <a:buSzPct val="75000"/>
-              <a:buFont typeface="Wingdings" charset="2"/>
-              <a:buChar char="o"/>
-            </a:pPr>
-            <a:r>
-              <a:rPr lang="en-US" sz="3200" dirty="0" smtClean="0">
-                <a:effectLst/>
-                <a:latin typeface="Helvetica" charset="0"/>
-              </a:rPr>
-              <a:t>Simple compute cores</a:t>
-            </a:r>
-            <a:endParaRPr lang="en-US" sz="3200" dirty="0">
-              <a:effectLst/>
-              <a:latin typeface="Helvetica" charset="0"/>
-            </a:endParaRPr>
-          </a:p>
-          <a:p>
-            <a:pPr lvl="1">
-              <a:lnSpc>
-                <a:spcPct val="80000"/>
-              </a:lnSpc>
-              <a:spcBef>
-                <a:spcPct val="15000"/>
-              </a:spcBef>
-              <a:buClr>
-                <a:schemeClr val="accent2"/>
-              </a:buClr>
-              <a:buSzPct val="75000"/>
-              <a:buFont typeface="Wingdings" charset="2"/>
-              <a:buChar char="o"/>
-            </a:pPr>
-            <a:r>
-              <a:rPr lang="en-US" sz="2600" dirty="0" smtClean="0">
-                <a:effectLst/>
-                <a:latin typeface="Helvetica" charset="0"/>
-              </a:rPr>
-              <a:t>A mini computer – </a:t>
-            </a:r>
-            <a:r>
-              <a:rPr lang="en-US" sz="2600" dirty="0" err="1" smtClean="0">
-                <a:effectLst/>
-                <a:latin typeface="Helvetica" charset="0"/>
-              </a:rPr>
-              <a:t>datapath</a:t>
-            </a:r>
-            <a:r>
-              <a:rPr lang="en-US" sz="2600" dirty="0" smtClean="0">
-                <a:effectLst/>
-                <a:latin typeface="Helvetica" charset="0"/>
-              </a:rPr>
-              <a:t>, registers, memory, and code</a:t>
-            </a:r>
-          </a:p>
-          <a:p>
-            <a:pPr lvl="1">
-              <a:lnSpc>
-                <a:spcPct val="80000"/>
-              </a:lnSpc>
-              <a:spcBef>
-                <a:spcPct val="15000"/>
-              </a:spcBef>
-              <a:buClr>
-                <a:schemeClr val="accent2"/>
-              </a:buClr>
-              <a:buSzPct val="75000"/>
-              <a:buFont typeface="Wingdings" charset="2"/>
-              <a:buChar char="o"/>
-            </a:pPr>
-            <a:r>
-              <a:rPr lang="en-US" sz="2600" dirty="0" smtClean="0">
-                <a:effectLst/>
-                <a:latin typeface="Helvetica" charset="0"/>
-              </a:rPr>
-              <a:t>Reduced ISA specialized for simulation, containing:</a:t>
-            </a:r>
-            <a:endParaRPr lang="en-US" sz="2600" dirty="0">
-              <a:latin typeface="Helvetica" charset="0"/>
-            </a:endParaRPr>
-          </a:p>
-          <a:p>
-            <a:pPr marL="1371600" lvl="2" indent="-457200">
-              <a:lnSpc>
-                <a:spcPct val="80000"/>
-              </a:lnSpc>
-              <a:spcBef>
-                <a:spcPct val="15000"/>
-              </a:spcBef>
-              <a:buClr>
-                <a:schemeClr val="accent2"/>
-              </a:buClr>
-              <a:buSzPct val="75000"/>
-              <a:buFont typeface="Wingdings" charset="2"/>
-              <a:buChar char="o"/>
-            </a:pPr>
-            <a:r>
-              <a:rPr lang="en-US" sz="2600" dirty="0" smtClean="0">
-                <a:latin typeface="Helvetica" charset="0"/>
-              </a:rPr>
-              <a:t>your standard arithmetic / bitwise-logical operations</a:t>
-            </a:r>
-          </a:p>
-          <a:p>
-            <a:pPr marL="1371600" lvl="2" indent="-457200">
-              <a:lnSpc>
-                <a:spcPct val="80000"/>
-              </a:lnSpc>
-              <a:spcBef>
-                <a:spcPct val="15000"/>
-              </a:spcBef>
-              <a:buClr>
-                <a:schemeClr val="accent2"/>
-              </a:buClr>
-              <a:buSzPct val="75000"/>
-              <a:buFont typeface="Wingdings" charset="2"/>
-              <a:buChar char="o"/>
-            </a:pPr>
-            <a:r>
-              <a:rPr lang="en-US" sz="2600" dirty="0" smtClean="0">
-                <a:effectLst/>
-                <a:latin typeface="Helvetica" charset="0"/>
-              </a:rPr>
-              <a:t>emulation-specific instructions like mux</a:t>
-            </a:r>
-            <a:endParaRPr lang="en-US" sz="2600" dirty="0">
-              <a:effectLst/>
-              <a:latin typeface="Helvetica" charset="0"/>
-            </a:endParaRPr>
-          </a:p>
-          <a:p>
-            <a:pPr lvl="1">
-              <a:lnSpc>
-                <a:spcPct val="80000"/>
-              </a:lnSpc>
-              <a:spcBef>
-                <a:spcPct val="15000"/>
-              </a:spcBef>
-              <a:buClr>
-                <a:schemeClr val="accent2"/>
-              </a:buClr>
-              <a:buSzPct val="75000"/>
-              <a:buFont typeface="Wingdings" charset="2"/>
-              <a:buChar char="o"/>
-            </a:pPr>
-            <a:r>
-              <a:rPr lang="en-US" sz="2600" dirty="0" smtClean="0">
-                <a:effectLst/>
-                <a:latin typeface="Helvetica" charset="0"/>
-              </a:rPr>
-              <a:t>No branching – simple emulation loop</a:t>
-            </a:r>
-            <a:endParaRPr lang="en-US" sz="2600" dirty="0">
-              <a:latin typeface="Helvetica" charset="0"/>
-            </a:endParaRPr>
-          </a:p>
-          <a:p>
-            <a:pPr lvl="1">
-              <a:lnSpc>
-                <a:spcPct val="80000"/>
-              </a:lnSpc>
-              <a:spcBef>
-                <a:spcPct val="15000"/>
-              </a:spcBef>
-              <a:buClr>
-                <a:schemeClr val="accent2"/>
-              </a:buClr>
-              <a:buSzPct val="75000"/>
-              <a:buFont typeface="Wingdings" charset="2"/>
-              <a:buChar char="o"/>
-            </a:pPr>
-            <a:endParaRPr lang="en-US" sz="3200" dirty="0">
-              <a:latin typeface="Helvetica" charset="0"/>
-            </a:endParaRPr>
-          </a:p>
-          <a:p>
-            <a:pPr>
-              <a:lnSpc>
-                <a:spcPct val="80000"/>
-              </a:lnSpc>
-              <a:spcBef>
-                <a:spcPct val="15000"/>
-              </a:spcBef>
-              <a:buClr>
-                <a:schemeClr val="accent1"/>
-              </a:buClr>
-              <a:buSzPct val="75000"/>
-              <a:buFont typeface="Wingdings" charset="2"/>
-              <a:buChar char="o"/>
-            </a:pPr>
-            <a:r>
-              <a:rPr lang="en-US" sz="3200" dirty="0" smtClean="0">
-                <a:latin typeface="Helvetica" charset="0"/>
-              </a:rPr>
-              <a:t>Dedicated host interface</a:t>
-            </a:r>
-            <a:endParaRPr lang="en-US" sz="3200" dirty="0">
-              <a:latin typeface="Helvetica" charset="0"/>
-            </a:endParaRPr>
-          </a:p>
-          <a:p>
-            <a:pPr lvl="1">
-              <a:lnSpc>
-                <a:spcPct val="80000"/>
-              </a:lnSpc>
-              <a:spcBef>
-                <a:spcPct val="15000"/>
-              </a:spcBef>
-              <a:buClr>
-                <a:schemeClr val="accent2"/>
-              </a:buClr>
-              <a:buSzPct val="75000"/>
-              <a:buFont typeface="Wingdings" charset="2"/>
-              <a:buChar char="o"/>
-            </a:pPr>
-            <a:r>
-              <a:rPr lang="en-US" sz="2600" dirty="0" smtClean="0">
-                <a:latin typeface="Helvetica" charset="0"/>
-              </a:rPr>
-              <a:t>Process host command packets in-place, shift response to next tile in chain</a:t>
-            </a:r>
-          </a:p>
-          <a:p>
-            <a:pPr lvl="1">
-              <a:lnSpc>
-                <a:spcPct val="80000"/>
-              </a:lnSpc>
-              <a:spcBef>
-                <a:spcPct val="15000"/>
-              </a:spcBef>
-              <a:buClr>
-                <a:schemeClr val="accent2"/>
-              </a:buClr>
-              <a:buSzPct val="75000"/>
-              <a:buFont typeface="Wingdings" charset="2"/>
-              <a:buChar char="o"/>
-            </a:pPr>
-            <a:r>
-              <a:rPr lang="en-US" sz="2600" dirty="0" smtClean="0">
-                <a:effectLst/>
-                <a:latin typeface="Helvetica" charset="0"/>
-              </a:rPr>
-              <a:t>Arbitrary peek/poke access into all state elements</a:t>
-            </a:r>
-          </a:p>
-          <a:p>
-            <a:pPr lvl="1">
-              <a:lnSpc>
-                <a:spcPct val="80000"/>
-              </a:lnSpc>
-              <a:spcBef>
-                <a:spcPct val="15000"/>
-              </a:spcBef>
-              <a:buClr>
-                <a:schemeClr val="accent2"/>
-              </a:buClr>
-              <a:buSzPct val="75000"/>
-              <a:buFont typeface="Wingdings" charset="2"/>
-              <a:buChar char="o"/>
-            </a:pPr>
-            <a:r>
-              <a:rPr lang="en-US" sz="2600" dirty="0" smtClean="0">
-                <a:latin typeface="Helvetica" charset="0"/>
-              </a:rPr>
-              <a:t>Control tile execution</a:t>
-            </a:r>
-            <a:endParaRPr lang="en-US" sz="2600" dirty="0">
-              <a:effectLst/>
-              <a:latin typeface="Helvetica" charset="0"/>
-            </a:endParaRPr>
-          </a:p>
-          <a:p>
-            <a:pPr lvl="1">
-              <a:lnSpc>
-                <a:spcPct val="80000"/>
-              </a:lnSpc>
-              <a:spcBef>
-                <a:spcPct val="15000"/>
-              </a:spcBef>
-              <a:buClr>
-                <a:schemeClr val="accent1"/>
-              </a:buClr>
-              <a:buSzPct val="75000"/>
-            </a:pPr>
-            <a:endParaRPr lang="en-US" sz="2600" dirty="0">
-              <a:effectLst/>
-              <a:latin typeface="Helvetica" charset="0"/>
-            </a:endParaRPr>
-          </a:p>
-        </p:txBody>
-      </p:sp>
-      <p:sp>
-        <p:nvSpPr>
-          <p:cNvPr id="3" name="Rectangle 2"/>
-          <p:cNvSpPr/>
-          <p:nvPr/>
-        </p:nvSpPr>
-        <p:spPr>
-          <a:xfrm>
-            <a:off x="0" y="3657600"/>
-            <a:ext cx="32918400" cy="115094"/>
-          </a:xfrm>
-          <a:prstGeom prst="rect">
-            <a:avLst/>
-          </a:prstGeom>
-        </p:spPr>
-        <p:style>
-          <a:lnRef idx="2">
-            <a:schemeClr val="accent1">
-              <a:shade val="50000"/>
-            </a:schemeClr>
-          </a:lnRef>
-          <a:fillRef idx="1">
-            <a:schemeClr val="accent1"/>
-          </a:fillRef>
-          <a:effectRef idx="0">
-            <a:schemeClr val="accent1"/>
-          </a:effectRef>
-          <a:fontRef idx="minor">
-            <a:schemeClr val="lt1"/>
-          </a:fontRef>
-        </p:style>
-        <p:txBody>
-          <a:bodyPr rtlCol="0" anchor="ctr"/>
-          <a:lstStyle/>
-          <a:p>
-            <a:pPr algn="ctr"/>
-            <a:endParaRPr lang="en-US"/>
-          </a:p>
-        </p:txBody>
-      </p:sp>
-      <p:sp>
-        <p:nvSpPr>
-          <p:cNvPr id="29" name="Rectangle 28"/>
-          <p:cNvSpPr/>
-          <p:nvPr/>
-        </p:nvSpPr>
-        <p:spPr>
-          <a:xfrm>
-            <a:off x="0" y="4800600"/>
-            <a:ext cx="32918400" cy="115094"/>
-          </a:xfrm>
-          <a:prstGeom prst="rect">
-            <a:avLst/>
-          </a:prstGeom>
-        </p:spPr>
-        <p:style>
-          <a:lnRef idx="2">
-            <a:schemeClr val="accent1">
-              <a:shade val="50000"/>
-            </a:schemeClr>
-          </a:lnRef>
-          <a:fillRef idx="1">
-            <a:schemeClr val="accent1"/>
-          </a:fillRef>
-          <a:effectRef idx="0">
-            <a:schemeClr val="accent1"/>
-          </a:effectRef>
-          <a:fontRef idx="minor">
-            <a:schemeClr val="lt1"/>
-          </a:fontRef>
-        </p:style>
-        <p:txBody>
-          <a:bodyPr rtlCol="0" anchor="ctr"/>
-          <a:lstStyle/>
-          <a:p>
-            <a:pPr algn="ctr"/>
-            <a:endParaRPr lang="en-US"/>
           </a:p>
         </p:txBody>
       </p:sp>
@@ -5489,15 +4816,35 @@
           </a:xfrm>
           <a:prstGeom prst="roundRect">
             <a:avLst>
-              <a:gd name="adj" fmla="val 16667"/>
+              <a:gd name="adj" fmla="val 43750"/>
             </a:avLst>
           </a:prstGeom>
-          <a:solidFill>
-            <a:schemeClr val="accent1"/>
-          </a:solidFill>
-          <a:ln w="9525">
+          <a:gradFill>
+            <a:gsLst>
+              <a:gs pos="0">
+                <a:schemeClr val="accent1">
+                  <a:tint val="66000"/>
+                  <a:satMod val="160000"/>
+                </a:schemeClr>
+              </a:gs>
+              <a:gs pos="50000">
+                <a:schemeClr val="accent1">
+                  <a:tint val="44500"/>
+                  <a:satMod val="160000"/>
+                </a:schemeClr>
+              </a:gs>
+              <a:gs pos="100000">
+                <a:schemeClr val="accent1">
+                  <a:tint val="23500"/>
+                  <a:satMod val="160000"/>
+                </a:schemeClr>
+              </a:gs>
+            </a:gsLst>
+            <a:lin ang="16200000" scaled="0"/>
+          </a:gradFill>
+          <a:ln w="76200">
             <a:solidFill>
-              <a:schemeClr val="tx1"/>
+              <a:schemeClr val="accent1"/>
             </a:solidFill>
             <a:round/>
             <a:headEnd/>
@@ -5512,15 +4859,15 @@
             <a:r>
               <a:rPr lang="en-US" sz="5000" b="1" dirty="0" smtClean="0">
                 <a:solidFill>
-                  <a:schemeClr val="bg1"/>
+                  <a:schemeClr val="tx2"/>
                 </a:solidFill>
                 <a:effectLst/>
               </a:rPr>
-              <a:t>Overview and Motivation</a:t>
+              <a:t>Background</a:t>
             </a:r>
             <a:endParaRPr lang="en-US" sz="5000" b="1" dirty="0">
               <a:solidFill>
-                <a:schemeClr val="bg1"/>
+                <a:schemeClr val="tx2"/>
               </a:solidFill>
               <a:effectLst/>
             </a:endParaRPr>
@@ -5537,7 +4884,7 @@
         </p:nvSpPr>
         <p:spPr bwMode="auto">
           <a:xfrm>
-            <a:off x="0" y="6858000"/>
+            <a:off x="0" y="6400800"/>
             <a:ext cx="10972800" cy="2286000"/>
           </a:xfrm>
           <a:prstGeom prst="rect">
@@ -5744,165 +5091,6 @@
               </a:rPr>
               <a:t>esign – test – execute: current iterative method for hardware design</a:t>
             </a:r>
-          </a:p>
-        </p:txBody>
-      </p:sp>
-      <p:sp>
-        <p:nvSpPr>
-          <p:cNvPr id="32" name="AutoShape 1375"/>
-          <p:cNvSpPr>
-            <a:spLocks noChangeArrowheads="1"/>
-          </p:cNvSpPr>
-          <p:nvPr/>
-        </p:nvSpPr>
-        <p:spPr bwMode="auto">
-          <a:xfrm>
-            <a:off x="22860000" y="5486400"/>
-            <a:ext cx="9144000" cy="914400"/>
-          </a:xfrm>
-          <a:prstGeom prst="roundRect">
-            <a:avLst>
-              <a:gd name="adj" fmla="val 16667"/>
-            </a:avLst>
-          </a:prstGeom>
-          <a:solidFill>
-            <a:schemeClr val="accent1"/>
-          </a:solidFill>
-          <a:ln w="9525">
-            <a:solidFill>
-              <a:schemeClr val="tx1"/>
-            </a:solidFill>
-            <a:round/>
-            <a:headEnd/>
-            <a:tailEnd/>
-          </a:ln>
-        </p:spPr>
-        <p:txBody>
-          <a:bodyPr wrap="none" anchor="ctr"/>
-          <a:lstStyle/>
-          <a:p>
-            <a:pPr algn="ctr"/>
-            <a:r>
-              <a:rPr lang="en-US" sz="5000" b="1" dirty="0" smtClean="0">
-                <a:solidFill>
-                  <a:schemeClr val="bg1"/>
-                </a:solidFill>
-                <a:effectLst/>
-              </a:rPr>
-              <a:t>Dataflow Machine</a:t>
-            </a:r>
-            <a:endParaRPr lang="en-US" sz="5000" b="1" dirty="0">
-              <a:solidFill>
-                <a:schemeClr val="bg1"/>
-              </a:solidFill>
-              <a:effectLst/>
-            </a:endParaRPr>
-          </a:p>
-        </p:txBody>
-      </p:sp>
-      <p:sp>
-        <p:nvSpPr>
-          <p:cNvPr id="33" name="AutoShape 1375"/>
-          <p:cNvSpPr>
-            <a:spLocks noChangeArrowheads="1"/>
-          </p:cNvSpPr>
-          <p:nvPr/>
-        </p:nvSpPr>
-        <p:spPr bwMode="auto">
-          <a:xfrm>
-            <a:off x="22860000" y="11887200"/>
-            <a:ext cx="9144000" cy="914400"/>
-          </a:xfrm>
-          <a:prstGeom prst="roundRect">
-            <a:avLst>
-              <a:gd name="adj" fmla="val 16667"/>
-            </a:avLst>
-          </a:prstGeom>
-          <a:solidFill>
-            <a:schemeClr val="accent1"/>
-          </a:solidFill>
-          <a:ln w="9525">
-            <a:solidFill>
-              <a:schemeClr val="tx1"/>
-            </a:solidFill>
-            <a:round/>
-            <a:headEnd/>
-            <a:tailEnd/>
-          </a:ln>
-        </p:spPr>
-        <p:txBody>
-          <a:bodyPr wrap="none" anchor="ctr"/>
-          <a:lstStyle/>
-          <a:p>
-            <a:pPr algn="ctr"/>
-            <a:r>
-              <a:rPr lang="en-US" sz="5000" b="1" dirty="0" smtClean="0">
-                <a:solidFill>
-                  <a:schemeClr val="bg1"/>
-                </a:solidFill>
-                <a:effectLst/>
-              </a:rPr>
-              <a:t>Hardware Implementation</a:t>
-            </a:r>
-            <a:endParaRPr lang="en-US" sz="5000" b="1" dirty="0">
-              <a:solidFill>
-                <a:schemeClr val="bg1"/>
-              </a:solidFill>
-              <a:effectLst/>
-            </a:endParaRPr>
-          </a:p>
-        </p:txBody>
-      </p:sp>
-      <p:sp>
-        <p:nvSpPr>
-          <p:cNvPr id="34" name="AutoShape 1375"/>
-          <p:cNvSpPr>
-            <a:spLocks noChangeArrowheads="1"/>
-          </p:cNvSpPr>
-          <p:nvPr/>
-        </p:nvSpPr>
-        <p:spPr bwMode="auto">
-          <a:xfrm>
-            <a:off x="22860000" y="21031200"/>
-            <a:ext cx="9144000" cy="914400"/>
-          </a:xfrm>
-          <a:prstGeom prst="roundRect">
-            <a:avLst>
-              <a:gd name="adj" fmla="val 16667"/>
-            </a:avLst>
-          </a:prstGeom>
-          <a:solidFill>
-            <a:schemeClr val="accent1"/>
-          </a:solidFill>
-          <a:ln w="9525">
-            <a:solidFill>
-              <a:schemeClr val="tx1"/>
-            </a:solidFill>
-            <a:round/>
-            <a:headEnd/>
-            <a:tailEnd/>
-          </a:ln>
-        </p:spPr>
-        <p:txBody>
-          <a:bodyPr wrap="none" anchor="ctr"/>
-          <a:lstStyle/>
-          <a:p>
-            <a:pPr algn="ctr"/>
-            <a:r>
-              <a:rPr lang="en-US" sz="5000" b="1" dirty="0" smtClean="0">
-                <a:solidFill>
-                  <a:schemeClr val="bg1"/>
-                </a:solidFill>
-                <a:effectLst/>
-              </a:rPr>
-              <a:t>???</a:t>
-            </a:r>
-            <a:endParaRPr lang="en-US" sz="5000" b="1" dirty="0">
-              <a:solidFill>
-                <a:schemeClr val="bg1"/>
-              </a:solidFill>
-              <a:effectLst/>
-            </a:endParaRPr>
           </a:p>
         </p:txBody>
       </p:sp>
@@ -5918,8 +5106,8 @@
             </p:nvSpPr>
             <p:spPr bwMode="auto">
               <a:xfrm>
-                <a:off x="-19050" y="9144000"/>
-                <a:ext cx="10972800" cy="6400800"/>
+                <a:off x="-19050" y="8686800"/>
+                <a:ext cx="10972800" cy="8686800"/>
               </a:xfrm>
               <a:prstGeom prst="rect">
                 <a:avLst/>
@@ -6394,6 +5582,23 @@
                 </a:endParaRPr>
               </a:p>
               <a:p>
+                <a:pPr marL="0" indent="0">
+                  <a:lnSpc>
+                    <a:spcPct val="80000"/>
+                  </a:lnSpc>
+                  <a:spcBef>
+                    <a:spcPct val="15000"/>
+                  </a:spcBef>
+                  <a:buClr>
+                    <a:schemeClr val="accent1"/>
+                  </a:buClr>
+                  <a:buSzPct val="75000"/>
+                </a:pPr>
+                <a:endParaRPr lang="en-US" sz="2600" dirty="0" smtClean="0">
+                  <a:latin typeface="Helvetica" charset="0"/>
+                </a:endParaRPr>
+              </a:p>
+              <a:p>
                 <a:pPr>
                   <a:lnSpc>
                     <a:spcPct val="80000"/>
@@ -6436,8 +5641,130 @@
                   <a:rPr lang="en-US" sz="3200" dirty="0" smtClean="0">
                     <a:latin typeface="Helvetica" charset="0"/>
                   </a:rPr>
-                  <a:t>emulation</a:t>
+                  <a:t>emulation … but still isn’t ideal:</a:t>
                 </a:r>
+              </a:p>
+              <a:p>
+                <a:pPr lvl="1">
+                  <a:lnSpc>
+                    <a:spcPct val="80000"/>
+                  </a:lnSpc>
+                  <a:spcBef>
+                    <a:spcPct val="15000"/>
+                  </a:spcBef>
+                  <a:buClr>
+                    <a:schemeClr val="accent2"/>
+                  </a:buClr>
+                  <a:buSzPct val="75000"/>
+                  <a:buFont typeface="Wingdings" charset="2"/>
+                  <a:buChar char="o"/>
+                </a:pPr>
+                <a:r>
+                  <a:rPr lang="en-US" sz="2600" dirty="0" smtClean="0">
+                    <a:latin typeface="Helvetica" charset="0"/>
+                  </a:rPr>
+                  <a:t>Inefficient </a:t>
+                </a:r>
+                <a:r>
+                  <a:rPr lang="en-US" sz="2600" dirty="0">
+                    <a:latin typeface="Helvetica" charset="0"/>
+                  </a:rPr>
+                  <a:t>support for word-wide operations (natively bit-wide)</a:t>
+                </a:r>
+              </a:p>
+              <a:p>
+                <a:pPr lvl="1">
+                  <a:lnSpc>
+                    <a:spcPct val="80000"/>
+                  </a:lnSpc>
+                  <a:spcBef>
+                    <a:spcPct val="15000"/>
+                  </a:spcBef>
+                  <a:buClr>
+                    <a:schemeClr val="accent2"/>
+                  </a:buClr>
+                  <a:buSzPct val="75000"/>
+                  <a:buFont typeface="Wingdings" charset="2"/>
+                  <a:buChar char="o"/>
+                </a:pPr>
+                <a:r>
+                  <a:rPr lang="en-US" sz="2600" dirty="0">
+                    <a:latin typeface="Helvetica" charset="0"/>
+                  </a:rPr>
+                  <a:t>Logic synthesis and mapping takes a long time</a:t>
+                </a:r>
+              </a:p>
+              <a:p>
+                <a:pPr lvl="1">
+                  <a:lnSpc>
+                    <a:spcPct val="80000"/>
+                  </a:lnSpc>
+                  <a:spcBef>
+                    <a:spcPct val="15000"/>
+                  </a:spcBef>
+                  <a:buClr>
+                    <a:schemeClr val="accent2"/>
+                  </a:buClr>
+                  <a:buSzPct val="75000"/>
+                  <a:buFont typeface="Wingdings" charset="2"/>
+                  <a:buChar char="o"/>
+                </a:pPr>
+                <a:r>
+                  <a:rPr lang="en-US" sz="2600" dirty="0">
+                    <a:latin typeface="Helvetica" charset="0"/>
+                  </a:rPr>
+                  <a:t>… and must be done after </a:t>
+                </a:r>
+                <a:r>
+                  <a:rPr lang="en-US" sz="2600" i="1" dirty="0">
+                    <a:latin typeface="Helvetica" charset="0"/>
+                  </a:rPr>
+                  <a:t>any</a:t>
+                </a:r>
+                <a:r>
+                  <a:rPr lang="en-US" sz="2600" dirty="0">
+                    <a:latin typeface="Helvetica" charset="0"/>
+                  </a:rPr>
+                  <a:t> change in the design</a:t>
+                </a:r>
+              </a:p>
+              <a:p>
+                <a:pPr lvl="1">
+                  <a:lnSpc>
+                    <a:spcPct val="80000"/>
+                  </a:lnSpc>
+                  <a:spcBef>
+                    <a:spcPct val="15000"/>
+                  </a:spcBef>
+                  <a:buClr>
+                    <a:schemeClr val="accent2"/>
+                  </a:buClr>
+                  <a:buSzPct val="75000"/>
+                  <a:buFont typeface="Wingdings" charset="2"/>
+                  <a:buChar char="o"/>
+                </a:pPr>
+                <a:r>
+                  <a:rPr lang="en-US" sz="2600" dirty="0">
+                    <a:latin typeface="Helvetica" charset="0"/>
+                  </a:rPr>
+                  <a:t>… even if all you want to do is add a logic probe</a:t>
+                </a:r>
+              </a:p>
+              <a:p>
+                <a:pPr>
+                  <a:lnSpc>
+                    <a:spcPct val="80000"/>
+                  </a:lnSpc>
+                  <a:spcBef>
+                    <a:spcPct val="15000"/>
+                  </a:spcBef>
+                  <a:buClr>
+                    <a:schemeClr val="accent1"/>
+                  </a:buClr>
+                  <a:buSzPct val="75000"/>
+                  <a:buFont typeface="Wingdings" charset="2"/>
+                  <a:buChar char="o"/>
+                </a:pPr>
                 <a:endParaRPr lang="en-US" sz="3200" dirty="0">
                   <a:latin typeface="Helvetica" charset="0"/>
                 </a:endParaRPr>
@@ -6456,8 +5783,8 @@
             </p:nvSpPr>
             <p:spPr bwMode="auto">
               <a:xfrm>
-                <a:off x="-19050" y="9144000"/>
-                <a:ext cx="10972800" cy="6400800"/>
+                <a:off x="-19050" y="8686800"/>
+                <a:ext cx="10972800" cy="8686800"/>
               </a:xfrm>
               <a:prstGeom prst="rect">
                 <a:avLst/>
@@ -6465,7 +5792,7 @@
               <a:blipFill rotWithShape="1">
                 <a:blip r:embed="rId4"/>
                 <a:stretch>
-                  <a:fillRect t="-1714"/>
+                  <a:fillRect t="-1263"/>
                 </a:stretch>
               </a:blipFill>
               <a:ln>
@@ -6506,136 +5833,16 @@
           </p:sp>
         </mc:Fallback>
       </mc:AlternateContent>
-      <p:sp>
-        <p:nvSpPr>
-          <p:cNvPr id="7" name="Smiley Face 6"/>
-          <p:cNvSpPr/>
-          <p:nvPr/>
-        </p:nvSpPr>
-        <p:spPr>
-          <a:xfrm>
-            <a:off x="25603200" y="457200"/>
-            <a:ext cx="1828800" cy="2743200"/>
-          </a:xfrm>
-          <a:prstGeom prst="smileyFace">
-            <a:avLst/>
-          </a:prstGeom>
-        </p:spPr>
-        <p:style>
-          <a:lnRef idx="2">
-            <a:schemeClr val="accent1">
-              <a:shade val="50000"/>
-            </a:schemeClr>
-          </a:lnRef>
-          <a:fillRef idx="1">
-            <a:schemeClr val="accent1"/>
-          </a:fillRef>
-          <a:effectRef idx="0">
-            <a:schemeClr val="accent1"/>
-          </a:effectRef>
-          <a:fontRef idx="minor">
-            <a:schemeClr val="lt1"/>
-          </a:fontRef>
-        </p:style>
-        <p:txBody>
-          <a:bodyPr rtlCol="0" anchor="ctr"/>
-          <a:lstStyle/>
-          <a:p>
-            <a:pPr algn="ctr"/>
-            <a:endParaRPr lang="en-US"/>
-          </a:p>
-        </p:txBody>
-      </p:sp>
-      <p:sp>
-        <p:nvSpPr>
-          <p:cNvPr id="40" name="Smiley Face 39"/>
-          <p:cNvSpPr/>
-          <p:nvPr/>
-        </p:nvSpPr>
-        <p:spPr>
-          <a:xfrm>
-            <a:off x="27889200" y="457200"/>
-            <a:ext cx="1828800" cy="2743200"/>
-          </a:xfrm>
-          <a:prstGeom prst="smileyFace">
-            <a:avLst/>
-          </a:prstGeom>
-        </p:spPr>
-        <p:style>
-          <a:lnRef idx="2">
-            <a:schemeClr val="accent1">
-              <a:shade val="50000"/>
-            </a:schemeClr>
-          </a:lnRef>
-          <a:fillRef idx="1">
-            <a:schemeClr val="accent1"/>
-          </a:fillRef>
-          <a:effectRef idx="0">
-            <a:schemeClr val="accent1"/>
-          </a:effectRef>
-          <a:fontRef idx="minor">
-            <a:schemeClr val="lt1"/>
-          </a:fontRef>
-        </p:style>
-        <p:txBody>
-          <a:bodyPr rtlCol="0" anchor="ctr"/>
-          <a:lstStyle/>
-          <a:p>
-            <a:pPr algn="ctr"/>
-            <a:endParaRPr lang="en-US"/>
-          </a:p>
-        </p:txBody>
-      </p:sp>
-      <p:sp>
-        <p:nvSpPr>
-          <p:cNvPr id="41" name="Smiley Face 40"/>
-          <p:cNvSpPr/>
-          <p:nvPr/>
-        </p:nvSpPr>
-        <p:spPr>
-          <a:xfrm>
-            <a:off x="30175200" y="457200"/>
-            <a:ext cx="1828800" cy="2743200"/>
-          </a:xfrm>
-          <a:prstGeom prst="smileyFace">
-            <a:avLst/>
-          </a:prstGeom>
-        </p:spPr>
-        <p:style>
-          <a:lnRef idx="2">
-            <a:schemeClr val="accent1">
-              <a:shade val="50000"/>
-            </a:schemeClr>
-          </a:lnRef>
-          <a:fillRef idx="1">
-            <a:schemeClr val="accent1"/>
-          </a:fillRef>
-          <a:effectRef idx="0">
-            <a:schemeClr val="accent1"/>
-          </a:effectRef>
-          <a:fontRef idx="minor">
-            <a:schemeClr val="lt1"/>
-          </a:fontRef>
-        </p:style>
-        <p:txBody>
-          <a:bodyPr rtlCol="0" anchor="ctr"/>
-          <a:lstStyle/>
-          <a:p>
-            <a:pPr algn="ctr"/>
-            <a:endParaRPr lang="en-US"/>
-          </a:p>
-        </p:txBody>
-      </p:sp>
       <p:pic>
         <p:nvPicPr>
-          <p:cNvPr id="1026" name="Picture 2" descr="C:\Users\Ducky\Documents\GitHub\dreamer-talks\poster_preview\array_4x4.png"/>
+          <p:cNvPr id="1030" name="Picture 6" descr="C:\Users\Ducky\Documents\GitHub\dreamer-talks\poster\ironlaw-simple.png"/>
           <p:cNvPicPr>
             <a:picLocks noChangeAspect="1" noChangeArrowheads="1"/>
           </p:cNvPicPr>
           <p:nvPr/>
         </p:nvPicPr>
         <p:blipFill>
-          <a:blip r:embed="rId5" cstate="print">
+          <a:blip r:embed="rId5">
             <a:extLst>
               <a:ext uri="{28A0092B-C50C-407E-A947-70E740481C1C}">
                 <a14:useLocalDpi xmlns:a14="http://schemas.microsoft.com/office/drawing/2010/main" val="0"/>
@@ -6649,48 +5856,7 @@
         </p:blipFill>
         <p:spPr bwMode="auto">
           <a:xfrm>
-            <a:off x="12344400" y="6858000"/>
-            <a:ext cx="8229600" cy="8229600"/>
-          </a:xfrm>
-          <a:prstGeom prst="rect">
-            <a:avLst/>
-          </a:prstGeom>
-          <a:noFill/>
-          <a:extLst>
-            <a:ext uri="{909E8E84-426E-40DD-AFC4-6F175D3DCCD1}">
-              <a14:hiddenFill xmlns:a14="http://schemas.microsoft.com/office/drawing/2010/main">
-                <a:solidFill>
-                  <a:srgbClr val="FFFFFF"/>
-                </a:solidFill>
-              </a14:hiddenFill>
-            </a:ext>
-          </a:extLst>
-        </p:spPr>
-      </p:pic>
-      <p:pic>
-        <p:nvPicPr>
-          <p:cNvPr id="1030" name="Picture 6" descr="C:\Users\Ducky\Documents\GitHub\dreamer-talks\poster\ironlaw-simple.png"/>
-          <p:cNvPicPr>
-            <a:picLocks noChangeAspect="1" noChangeArrowheads="1"/>
-          </p:cNvPicPr>
-          <p:nvPr/>
-        </p:nvPicPr>
-        <p:blipFill>
-          <a:blip r:embed="rId6">
-            <a:extLst>
-              <a:ext uri="{28A0092B-C50C-407E-A947-70E740481C1C}">
-                <a14:useLocalDpi xmlns:a14="http://schemas.microsoft.com/office/drawing/2010/main" val="0"/>
-              </a:ext>
-            </a:extLst>
-          </a:blip>
-          <a:srcRect/>
-          <a:stretch>
-            <a:fillRect/>
-          </a:stretch>
-        </p:blipFill>
-        <p:spPr bwMode="auto">
-          <a:xfrm>
-            <a:off x="5943600" y="10744200"/>
+            <a:off x="5943600" y="10287000"/>
             <a:ext cx="4800600" cy="3418580"/>
           </a:xfrm>
           <a:prstGeom prst="rect">
@@ -6718,7 +5884,7 @@
         </p:nvSpPr>
         <p:spPr bwMode="auto">
           <a:xfrm>
-            <a:off x="21945600" y="6858000"/>
+            <a:off x="21945600" y="6400800"/>
             <a:ext cx="10972800" cy="4572000"/>
           </a:xfrm>
           <a:prstGeom prst="rect">
@@ -6874,6 +6040,26 @@
               <a:buFont typeface="Wingdings" charset="2"/>
               <a:buChar char="o"/>
             </a:pPr>
+            <a:endParaRPr lang="en-US" sz="2000" dirty="0" smtClean="0">
+              <a:effectLst/>
+              <a:latin typeface="Helvetica" charset="0"/>
+            </a:endParaRPr>
+          </a:p>
+          <a:p>
+            <a:pPr>
+              <a:lnSpc>
+                <a:spcPct val="80000"/>
+              </a:lnSpc>
+              <a:spcBef>
+                <a:spcPct val="15000"/>
+              </a:spcBef>
+              <a:buClr>
+                <a:schemeClr val="accent1"/>
+              </a:buClr>
+              <a:buSzPct val="75000"/>
+              <a:buFont typeface="Wingdings" charset="2"/>
+              <a:buChar char="o"/>
+            </a:pPr>
             <a:r>
               <a:rPr lang="en-US" sz="3200" dirty="0" smtClean="0">
                 <a:effectLst/>
@@ -6929,7 +6115,7 @@
               <a:rPr lang="en-US" sz="2600" dirty="0" smtClean="0">
                 <a:latin typeface="Helvetica" charset="0"/>
               </a:rPr>
-              <a:t>… or parallel assembly, if you feel more adventurous</a:t>
+              <a:t>… or parallel assembly, if you’re feeling adventurous</a:t>
             </a:r>
           </a:p>
           <a:p>
@@ -7045,7 +6231,7 @@
               <a:rPr lang="en-US" sz="2600" dirty="0" smtClean="0">
                 <a:latin typeface="Helvetica" charset="0"/>
               </a:rPr>
-              <a:t>General reconfigurable logic coprocessor</a:t>
+              <a:t>General-purpose reconfigurable logic coprocessor</a:t>
             </a:r>
           </a:p>
           <a:p>
@@ -7408,7 +6594,19 @@
               <a:rPr lang="en-US" sz="3200" b="1" dirty="0">
                 <a:latin typeface="Helvetica" charset="0"/>
               </a:rPr>
-              <a:t>See the pretty demos!</a:t>
+              <a:t>See </a:t>
+            </a:r>
+            <a:r>
+              <a:rPr lang="en-US" sz="3200" b="1" dirty="0" smtClean="0">
+                <a:latin typeface="Helvetica" charset="0"/>
+              </a:rPr>
+              <a:t>our pretty </a:t>
+            </a:r>
+            <a:r>
+              <a:rPr lang="en-US" sz="3200" b="1" dirty="0">
+                <a:latin typeface="Helvetica" charset="0"/>
+              </a:rPr>
+              <a:t>demos!</a:t>
             </a:r>
           </a:p>
           <a:p>
@@ -7838,47 +7036,6 @@
           </a:p>
         </p:txBody>
       </p:sp>
-      <p:pic>
-        <p:nvPicPr>
-          <p:cNvPr id="1032" name="Picture 8" descr="C:\Users\Ducky\Documents\GitHub\dreamer-talks\poster\hierarchy_transp.png"/>
-          <p:cNvPicPr>
-            <a:picLocks noChangeAspect="1" noChangeArrowheads="1"/>
-          </p:cNvPicPr>
-          <p:nvPr/>
-        </p:nvPicPr>
-        <p:blipFill>
-          <a:blip r:embed="rId7">
-            <a:extLst>
-              <a:ext uri="{28A0092B-C50C-407E-A947-70E740481C1C}">
-                <a14:useLocalDpi xmlns:a14="http://schemas.microsoft.com/office/drawing/2010/main" val="0"/>
-              </a:ext>
-            </a:extLst>
-          </a:blip>
-          <a:srcRect/>
-          <a:stretch>
-            <a:fillRect/>
-          </a:stretch>
-        </p:blipFill>
-        <p:spPr bwMode="auto">
-          <a:xfrm>
-            <a:off x="28346400" y="16459200"/>
-            <a:ext cx="3689003" cy="3657600"/>
-          </a:xfrm>
-          <a:prstGeom prst="rect">
-            <a:avLst/>
-          </a:prstGeom>
-          <a:noFill/>
-          <a:extLst>
-            <a:ext uri="{909E8E84-426E-40DD-AFC4-6F175D3DCCD1}">
-              <a14:hiddenFill xmlns:a14="http://schemas.microsoft.com/office/drawing/2010/main">
-                <a:solidFill>
-                  <a:srgbClr val="FFFFFF"/>
-                </a:solidFill>
-              </a14:hiddenFill>
-            </a:ext>
-          </a:extLst>
-        </p:spPr>
-      </p:pic>
       <p:sp>
         <p:nvSpPr>
           <p:cNvPr id="51" name="Text Box 1383"/>
@@ -8130,7 +7287,7 @@
           <p:nvPr/>
         </p:nvPicPr>
         <p:blipFill>
-          <a:blip r:embed="rId8">
+          <a:blip r:embed="rId6">
             <a:extLst>
               <a:ext uri="{28A0092B-C50C-407E-A947-70E740481C1C}">
                 <a14:useLocalDpi xmlns:a14="http://schemas.microsoft.com/office/drawing/2010/main" val="0"/>
@@ -8144,8 +7301,8 @@
         </p:blipFill>
         <p:spPr bwMode="auto">
           <a:xfrm>
-            <a:off x="5029200" y="23317200"/>
-            <a:ext cx="5145992" cy="3657600"/>
+            <a:off x="5029199" y="22860000"/>
+            <a:ext cx="5789241" cy="4114800"/>
           </a:xfrm>
           <a:prstGeom prst="rect">
             <a:avLst/>
@@ -8172,8 +7329,8 @@
         </p:nvSpPr>
         <p:spPr bwMode="auto">
           <a:xfrm>
-            <a:off x="457200" y="23317200"/>
-            <a:ext cx="4114800" cy="3657600"/>
+            <a:off x="457200" y="22860000"/>
+            <a:ext cx="4114800" cy="4114800"/>
           </a:xfrm>
           <a:prstGeom prst="rect">
             <a:avLst/>
@@ -8334,6 +7491,1434 @@
             </a:r>
             <a:endParaRPr lang="en-US" sz="2600" dirty="0">
               <a:latin typeface="Helvetica" charset="0"/>
+            </a:endParaRPr>
+          </a:p>
+        </p:txBody>
+      </p:sp>
+      <p:pic>
+        <p:nvPicPr>
+          <p:cNvPr id="1034" name="Picture 10" descr="C:\Users\Ducky\Documents\GitHub\dreamer-talks\poster\tiles\array_data.png"/>
+          <p:cNvPicPr>
+            <a:picLocks noChangeAspect="1" noChangeArrowheads="1"/>
+          </p:cNvPicPr>
+          <p:nvPr/>
+        </p:nvPicPr>
+        <p:blipFill>
+          <a:blip r:embed="rId7">
+            <a:extLst>
+              <a:ext uri="{28A0092B-C50C-407E-A947-70E740481C1C}">
+                <a14:useLocalDpi xmlns:a14="http://schemas.microsoft.com/office/drawing/2010/main" val="0"/>
+              </a:ext>
+            </a:extLst>
+          </a:blip>
+          <a:srcRect/>
+          <a:stretch>
+            <a:fillRect/>
+          </a:stretch>
+        </p:blipFill>
+        <p:spPr bwMode="auto">
+          <a:xfrm>
+            <a:off x="10972800" y="6857999"/>
+            <a:ext cx="10972800" cy="8092065"/>
+          </a:xfrm>
+          <a:prstGeom prst="rect">
+            <a:avLst/>
+          </a:prstGeom>
+          <a:noFill/>
+          <a:extLst>
+            <a:ext uri="{909E8E84-426E-40DD-AFC4-6F175D3DCCD1}">
+              <a14:hiddenFill xmlns:a14="http://schemas.microsoft.com/office/drawing/2010/main">
+                <a:solidFill>
+                  <a:srgbClr val="FFFFFF"/>
+                </a:solidFill>
+              </a14:hiddenFill>
+            </a:ext>
+          </a:extLst>
+        </p:spPr>
+      </p:pic>
+      <p:cxnSp>
+        <p:nvCxnSpPr>
+          <p:cNvPr id="9" name="Straight Connector 8"/>
+          <p:cNvCxnSpPr/>
+          <p:nvPr/>
+        </p:nvCxnSpPr>
+        <p:spPr>
+          <a:xfrm>
+            <a:off x="0" y="3657600"/>
+            <a:ext cx="32918400" cy="0"/>
+          </a:xfrm>
+          <a:prstGeom prst="line">
+            <a:avLst/>
+          </a:prstGeom>
+          <a:ln w="152400"/>
+        </p:spPr>
+        <p:style>
+          <a:lnRef idx="1">
+            <a:schemeClr val="accent1"/>
+          </a:lnRef>
+          <a:fillRef idx="0">
+            <a:schemeClr val="accent1"/>
+          </a:fillRef>
+          <a:effectRef idx="0">
+            <a:schemeClr val="accent1"/>
+          </a:effectRef>
+          <a:fontRef idx="minor">
+            <a:schemeClr val="tx1"/>
+          </a:fontRef>
+        </p:style>
+      </p:cxnSp>
+      <p:cxnSp>
+        <p:nvCxnSpPr>
+          <p:cNvPr id="58" name="Straight Connector 57"/>
+          <p:cNvCxnSpPr/>
+          <p:nvPr/>
+        </p:nvCxnSpPr>
+        <p:spPr>
+          <a:xfrm>
+            <a:off x="0" y="5029200"/>
+            <a:ext cx="32918400" cy="0"/>
+          </a:xfrm>
+          <a:prstGeom prst="line">
+            <a:avLst/>
+          </a:prstGeom>
+          <a:ln w="152400"/>
+        </p:spPr>
+        <p:style>
+          <a:lnRef idx="1">
+            <a:schemeClr val="accent1"/>
+          </a:lnRef>
+          <a:fillRef idx="0">
+            <a:schemeClr val="accent1"/>
+          </a:fillRef>
+          <a:effectRef idx="0">
+            <a:schemeClr val="accent1"/>
+          </a:effectRef>
+          <a:fontRef idx="minor">
+            <a:schemeClr val="tx1"/>
+          </a:fontRef>
+        </p:style>
+      </p:cxnSp>
+      <p:sp>
+        <p:nvSpPr>
+          <p:cNvPr id="62" name="AutoShape 1375"/>
+          <p:cNvSpPr>
+            <a:spLocks noChangeArrowheads="1"/>
+          </p:cNvSpPr>
+          <p:nvPr/>
+        </p:nvSpPr>
+        <p:spPr bwMode="auto">
+          <a:xfrm>
+            <a:off x="11887200" y="5486400"/>
+            <a:ext cx="9144000" cy="914400"/>
+          </a:xfrm>
+          <a:prstGeom prst="roundRect">
+            <a:avLst>
+              <a:gd name="adj" fmla="val 43750"/>
+            </a:avLst>
+          </a:prstGeom>
+          <a:gradFill>
+            <a:gsLst>
+              <a:gs pos="0">
+                <a:schemeClr val="accent1">
+                  <a:tint val="66000"/>
+                  <a:satMod val="160000"/>
+                </a:schemeClr>
+              </a:gs>
+              <a:gs pos="50000">
+                <a:schemeClr val="accent1">
+                  <a:tint val="44500"/>
+                  <a:satMod val="160000"/>
+                </a:schemeClr>
+              </a:gs>
+              <a:gs pos="100000">
+                <a:schemeClr val="accent1">
+                  <a:tint val="23500"/>
+                  <a:satMod val="160000"/>
+                </a:schemeClr>
+              </a:gs>
+            </a:gsLst>
+            <a:lin ang="16200000" scaled="0"/>
+          </a:gradFill>
+          <a:ln w="76200">
+            <a:solidFill>
+              <a:schemeClr val="accent1"/>
+            </a:solidFill>
+            <a:round/>
+            <a:headEnd/>
+            <a:tailEnd/>
+          </a:ln>
+        </p:spPr>
+        <p:txBody>
+          <a:bodyPr wrap="none" anchor="ctr"/>
+          <a:lstStyle/>
+          <a:p>
+            <a:pPr algn="ctr"/>
+            <a:r>
+              <a:rPr lang="en-US" sz="5000" b="1" dirty="0" smtClean="0">
+                <a:solidFill>
+                  <a:schemeClr val="tx2"/>
+                </a:solidFill>
+                <a:effectLst/>
+              </a:rPr>
+              <a:t>Architecture</a:t>
+            </a:r>
+            <a:endParaRPr lang="en-US" sz="5000" b="1" dirty="0">
+              <a:solidFill>
+                <a:schemeClr val="tx2"/>
+              </a:solidFill>
+              <a:effectLst/>
+            </a:endParaRPr>
+          </a:p>
+        </p:txBody>
+      </p:sp>
+      <p:sp>
+        <p:nvSpPr>
+          <p:cNvPr id="63" name="AutoShape 1375"/>
+          <p:cNvSpPr>
+            <a:spLocks noChangeArrowheads="1"/>
+          </p:cNvSpPr>
+          <p:nvPr/>
+        </p:nvSpPr>
+        <p:spPr bwMode="auto">
+          <a:xfrm>
+            <a:off x="22860000" y="5486400"/>
+            <a:ext cx="9144000" cy="914400"/>
+          </a:xfrm>
+          <a:prstGeom prst="roundRect">
+            <a:avLst>
+              <a:gd name="adj" fmla="val 43750"/>
+            </a:avLst>
+          </a:prstGeom>
+          <a:gradFill>
+            <a:gsLst>
+              <a:gs pos="0">
+                <a:schemeClr val="accent1">
+                  <a:tint val="66000"/>
+                  <a:satMod val="160000"/>
+                </a:schemeClr>
+              </a:gs>
+              <a:gs pos="50000">
+                <a:schemeClr val="accent1">
+                  <a:tint val="44500"/>
+                  <a:satMod val="160000"/>
+                </a:schemeClr>
+              </a:gs>
+              <a:gs pos="100000">
+                <a:schemeClr val="accent1">
+                  <a:tint val="23500"/>
+                  <a:satMod val="160000"/>
+                </a:schemeClr>
+              </a:gs>
+            </a:gsLst>
+            <a:lin ang="16200000" scaled="0"/>
+          </a:gradFill>
+          <a:ln w="76200">
+            <a:solidFill>
+              <a:schemeClr val="accent1"/>
+            </a:solidFill>
+            <a:round/>
+            <a:headEnd/>
+            <a:tailEnd/>
+          </a:ln>
+        </p:spPr>
+        <p:txBody>
+          <a:bodyPr wrap="none" anchor="ctr"/>
+          <a:lstStyle/>
+          <a:p>
+            <a:pPr algn="ctr"/>
+            <a:r>
+              <a:rPr lang="en-US" sz="5000" b="1" dirty="0" smtClean="0">
+                <a:solidFill>
+                  <a:schemeClr val="tx2"/>
+                </a:solidFill>
+                <a:effectLst/>
+              </a:rPr>
+              <a:t>Dataflow Machine</a:t>
+            </a:r>
+            <a:endParaRPr lang="en-US" sz="5000" b="1" dirty="0">
+              <a:solidFill>
+                <a:schemeClr val="tx2"/>
+              </a:solidFill>
+              <a:effectLst/>
+            </a:endParaRPr>
+          </a:p>
+        </p:txBody>
+      </p:sp>
+      <p:sp>
+        <p:nvSpPr>
+          <p:cNvPr id="64" name="AutoShape 1375"/>
+          <p:cNvSpPr>
+            <a:spLocks noChangeArrowheads="1"/>
+          </p:cNvSpPr>
+          <p:nvPr/>
+        </p:nvSpPr>
+        <p:spPr bwMode="auto">
+          <a:xfrm>
+            <a:off x="22860000" y="11887200"/>
+            <a:ext cx="9144000" cy="914400"/>
+          </a:xfrm>
+          <a:prstGeom prst="roundRect">
+            <a:avLst>
+              <a:gd name="adj" fmla="val 43750"/>
+            </a:avLst>
+          </a:prstGeom>
+          <a:gradFill>
+            <a:gsLst>
+              <a:gs pos="0">
+                <a:schemeClr val="accent1">
+                  <a:tint val="66000"/>
+                  <a:satMod val="160000"/>
+                </a:schemeClr>
+              </a:gs>
+              <a:gs pos="50000">
+                <a:schemeClr val="accent1">
+                  <a:tint val="44500"/>
+                  <a:satMod val="160000"/>
+                </a:schemeClr>
+              </a:gs>
+              <a:gs pos="100000">
+                <a:schemeClr val="accent1">
+                  <a:tint val="23500"/>
+                  <a:satMod val="160000"/>
+                </a:schemeClr>
+              </a:gs>
+            </a:gsLst>
+            <a:lin ang="16200000" scaled="0"/>
+          </a:gradFill>
+          <a:ln w="76200">
+            <a:solidFill>
+              <a:schemeClr val="accent1"/>
+            </a:solidFill>
+            <a:round/>
+            <a:headEnd/>
+            <a:tailEnd/>
+          </a:ln>
+        </p:spPr>
+        <p:txBody>
+          <a:bodyPr wrap="none" anchor="ctr"/>
+          <a:lstStyle/>
+          <a:p>
+            <a:pPr algn="ctr"/>
+            <a:r>
+              <a:rPr lang="en-US" sz="5000" b="1" dirty="0" smtClean="0">
+                <a:solidFill>
+                  <a:schemeClr val="tx2"/>
+                </a:solidFill>
+                <a:effectLst/>
+              </a:rPr>
+              <a:t>Hardware Implementation</a:t>
+            </a:r>
+            <a:endParaRPr lang="en-US" sz="5000" b="1" dirty="0">
+              <a:solidFill>
+                <a:schemeClr val="tx2"/>
+              </a:solidFill>
+              <a:effectLst/>
+            </a:endParaRPr>
+          </a:p>
+        </p:txBody>
+      </p:sp>
+      <p:sp>
+        <p:nvSpPr>
+          <p:cNvPr id="65" name="AutoShape 1375"/>
+          <p:cNvSpPr>
+            <a:spLocks noChangeArrowheads="1"/>
+          </p:cNvSpPr>
+          <p:nvPr/>
+        </p:nvSpPr>
+        <p:spPr bwMode="auto">
+          <a:xfrm>
+            <a:off x="22860000" y="21031200"/>
+            <a:ext cx="9144000" cy="914400"/>
+          </a:xfrm>
+          <a:prstGeom prst="roundRect">
+            <a:avLst>
+              <a:gd name="adj" fmla="val 43750"/>
+            </a:avLst>
+          </a:prstGeom>
+          <a:gradFill>
+            <a:gsLst>
+              <a:gs pos="0">
+                <a:schemeClr val="accent1">
+                  <a:tint val="66000"/>
+                  <a:satMod val="160000"/>
+                </a:schemeClr>
+              </a:gs>
+              <a:gs pos="50000">
+                <a:schemeClr val="accent1">
+                  <a:tint val="44500"/>
+                  <a:satMod val="160000"/>
+                </a:schemeClr>
+              </a:gs>
+              <a:gs pos="100000">
+                <a:schemeClr val="accent1">
+                  <a:tint val="23500"/>
+                  <a:satMod val="160000"/>
+                </a:schemeClr>
+              </a:gs>
+            </a:gsLst>
+            <a:lin ang="16200000" scaled="0"/>
+          </a:gradFill>
+          <a:ln w="76200">
+            <a:solidFill>
+              <a:schemeClr val="accent1"/>
+            </a:solidFill>
+            <a:round/>
+            <a:headEnd/>
+            <a:tailEnd/>
+          </a:ln>
+        </p:spPr>
+        <p:txBody>
+          <a:bodyPr wrap="none" anchor="ctr"/>
+          <a:lstStyle/>
+          <a:p>
+            <a:pPr algn="ctr"/>
+            <a:r>
+              <a:rPr lang="en-US" sz="5000" b="1" dirty="0" smtClean="0">
+                <a:solidFill>
+                  <a:schemeClr val="tx2"/>
+                </a:solidFill>
+                <a:effectLst/>
+              </a:rPr>
+              <a:t>Future Work</a:t>
+            </a:r>
+            <a:endParaRPr lang="en-US" sz="5000" b="1" dirty="0">
+              <a:solidFill>
+                <a:schemeClr val="tx2"/>
+              </a:solidFill>
+              <a:effectLst/>
+            </a:endParaRPr>
+          </a:p>
+        </p:txBody>
+      </p:sp>
+      <p:sp>
+        <p:nvSpPr>
+          <p:cNvPr id="66" name="Text Box 1383"/>
+          <p:cNvSpPr txBox="1">
+            <a:spLocks noChangeArrowheads="1"/>
+          </p:cNvSpPr>
+          <p:nvPr/>
+        </p:nvSpPr>
+        <p:spPr bwMode="auto">
+          <a:xfrm>
+            <a:off x="11125200" y="15240000"/>
+            <a:ext cx="10972800" cy="11887200"/>
+          </a:xfrm>
+          <a:prstGeom prst="rect">
+            <a:avLst/>
+          </a:prstGeom>
+          <a:noFill/>
+          <a:ln>
+            <a:noFill/>
+          </a:ln>
+          <a:extLst>
+            <a:ext uri="{909E8E84-426E-40DD-AFC4-6F175D3DCCD1}">
+              <a14:hiddenFill xmlns:a14="http://schemas.microsoft.com/office/drawing/2010/main">
+                <a:solidFill>
+                  <a:srgbClr val="FFFFFF"/>
+                </a:solidFill>
+              </a14:hiddenFill>
+            </a:ext>
+            <a:ext uri="{91240B29-F687-4F45-9708-019B960494DF}">
+              <a14:hiddenLine xmlns:a14="http://schemas.microsoft.com/office/drawing/2010/main" w="9525">
+                <a:solidFill>
+                  <a:srgbClr val="000000"/>
+                </a:solidFill>
+                <a:miter lim="800000"/>
+                <a:headEnd/>
+                <a:tailEnd/>
+              </a14:hiddenLine>
+            </a:ext>
+          </a:extLst>
+        </p:spPr>
+        <p:txBody>
+          <a:bodyPr wrap="square" lIns="228600" tIns="228600" rIns="228600" bIns="228600">
+            <a:noAutofit/>
+          </a:bodyPr>
+          <a:lstStyle>
+            <a:lvl1pPr marL="457200" indent="-457200">
+              <a:defRPr sz="3000">
+                <a:solidFill>
+                  <a:schemeClr val="tx1"/>
+                </a:solidFill>
+                <a:latin typeface="Times" charset="0"/>
+                <a:ea typeface="ＭＳ Ｐゴシック" charset="-128"/>
+              </a:defRPr>
+            </a:lvl1pPr>
+            <a:lvl2pPr marL="1092200" indent="-393700">
+              <a:defRPr sz="3000">
+                <a:solidFill>
+                  <a:schemeClr val="tx1"/>
+                </a:solidFill>
+                <a:latin typeface="Times" charset="0"/>
+                <a:ea typeface="ＭＳ Ｐゴシック" charset="-128"/>
+              </a:defRPr>
+            </a:lvl2pPr>
+            <a:lvl3pPr>
+              <a:defRPr sz="3000">
+                <a:solidFill>
+                  <a:schemeClr val="tx1"/>
+                </a:solidFill>
+                <a:latin typeface="Times" charset="0"/>
+                <a:ea typeface="ＭＳ Ｐゴシック" charset="-128"/>
+              </a:defRPr>
+            </a:lvl3pPr>
+            <a:lvl4pPr>
+              <a:defRPr sz="3000">
+                <a:solidFill>
+                  <a:schemeClr val="tx1"/>
+                </a:solidFill>
+                <a:latin typeface="Times" charset="0"/>
+                <a:ea typeface="ＭＳ Ｐゴシック" charset="-128"/>
+              </a:defRPr>
+            </a:lvl4pPr>
+            <a:lvl5pPr>
+              <a:defRPr sz="3000">
+                <a:solidFill>
+                  <a:schemeClr val="tx1"/>
+                </a:solidFill>
+                <a:latin typeface="Times" charset="0"/>
+                <a:ea typeface="ＭＳ Ｐゴシック" charset="-128"/>
+              </a:defRPr>
+            </a:lvl5pPr>
+            <a:lvl6pPr marL="457200" eaLnBrk="0" fontAlgn="base" hangingPunct="0">
+              <a:spcBef>
+                <a:spcPct val="0"/>
+              </a:spcBef>
+              <a:spcAft>
+                <a:spcPct val="0"/>
+              </a:spcAft>
+              <a:defRPr sz="3000">
+                <a:solidFill>
+                  <a:schemeClr val="tx1"/>
+                </a:solidFill>
+                <a:latin typeface="Times" charset="0"/>
+                <a:ea typeface="ＭＳ Ｐゴシック" charset="-128"/>
+              </a:defRPr>
+            </a:lvl6pPr>
+            <a:lvl7pPr marL="914400" eaLnBrk="0" fontAlgn="base" hangingPunct="0">
+              <a:spcBef>
+                <a:spcPct val="0"/>
+              </a:spcBef>
+              <a:spcAft>
+                <a:spcPct val="0"/>
+              </a:spcAft>
+              <a:defRPr sz="3000">
+                <a:solidFill>
+                  <a:schemeClr val="tx1"/>
+                </a:solidFill>
+                <a:latin typeface="Times" charset="0"/>
+                <a:ea typeface="ＭＳ Ｐゴシック" charset="-128"/>
+              </a:defRPr>
+            </a:lvl7pPr>
+            <a:lvl8pPr marL="1371600" eaLnBrk="0" fontAlgn="base" hangingPunct="0">
+              <a:spcBef>
+                <a:spcPct val="0"/>
+              </a:spcBef>
+              <a:spcAft>
+                <a:spcPct val="0"/>
+              </a:spcAft>
+              <a:defRPr sz="3000">
+                <a:solidFill>
+                  <a:schemeClr val="tx1"/>
+                </a:solidFill>
+                <a:latin typeface="Times" charset="0"/>
+                <a:ea typeface="ＭＳ Ｐゴシック" charset="-128"/>
+              </a:defRPr>
+            </a:lvl8pPr>
+            <a:lvl9pPr marL="1828800" eaLnBrk="0" fontAlgn="base" hangingPunct="0">
+              <a:spcBef>
+                <a:spcPct val="0"/>
+              </a:spcBef>
+              <a:spcAft>
+                <a:spcPct val="0"/>
+              </a:spcAft>
+              <a:defRPr sz="3000">
+                <a:solidFill>
+                  <a:schemeClr val="tx1"/>
+                </a:solidFill>
+                <a:latin typeface="Times" charset="0"/>
+                <a:ea typeface="ＭＳ Ｐゴシック" charset="-128"/>
+              </a:defRPr>
+            </a:lvl9pPr>
+          </a:lstStyle>
+          <a:p>
+            <a:pPr marL="0" indent="0" algn="ctr">
+              <a:lnSpc>
+                <a:spcPct val="80000"/>
+              </a:lnSpc>
+              <a:spcBef>
+                <a:spcPct val="15000"/>
+              </a:spcBef>
+              <a:buClr>
+                <a:schemeClr val="accent1"/>
+              </a:buClr>
+              <a:buSzPct val="75000"/>
+            </a:pPr>
+            <a:r>
+              <a:rPr lang="en-US" sz="4800" b="1" dirty="0" smtClean="0">
+                <a:latin typeface="Helvetica" charset="0"/>
+              </a:rPr>
+              <a:t>The Array</a:t>
+            </a:r>
+            <a:endParaRPr lang="en-US" sz="4800" b="1" dirty="0">
+              <a:latin typeface="Helvetica" charset="0"/>
+            </a:endParaRPr>
+          </a:p>
+          <a:p>
+            <a:pPr marL="0" indent="0">
+              <a:lnSpc>
+                <a:spcPct val="80000"/>
+              </a:lnSpc>
+              <a:spcBef>
+                <a:spcPct val="15000"/>
+              </a:spcBef>
+              <a:buClr>
+                <a:schemeClr val="accent1"/>
+              </a:buClr>
+              <a:buSzPct val="75000"/>
+            </a:pPr>
+            <a:endParaRPr lang="en-US" sz="2000" dirty="0" smtClean="0">
+              <a:effectLst/>
+              <a:latin typeface="Helvetica" charset="0"/>
+            </a:endParaRPr>
+          </a:p>
+          <a:p>
+            <a:pPr>
+              <a:lnSpc>
+                <a:spcPct val="80000"/>
+              </a:lnSpc>
+              <a:spcBef>
+                <a:spcPct val="15000"/>
+              </a:spcBef>
+              <a:buClr>
+                <a:schemeClr val="accent1"/>
+              </a:buClr>
+              <a:buSzPct val="75000"/>
+              <a:buFont typeface="Wingdings" charset="2"/>
+              <a:buChar char="o"/>
+            </a:pPr>
+            <a:r>
+              <a:rPr lang="en-US" sz="3200" dirty="0" smtClean="0">
+                <a:effectLst/>
+                <a:latin typeface="Helvetica" charset="0"/>
+              </a:rPr>
+              <a:t>Massively parallel array of simple compute tiles</a:t>
+            </a:r>
+            <a:endParaRPr lang="en-US" sz="3200" dirty="0">
+              <a:effectLst/>
+              <a:latin typeface="Helvetica" charset="0"/>
+            </a:endParaRPr>
+          </a:p>
+          <a:p>
+            <a:pPr lvl="1">
+              <a:lnSpc>
+                <a:spcPct val="80000"/>
+              </a:lnSpc>
+              <a:spcBef>
+                <a:spcPct val="15000"/>
+              </a:spcBef>
+              <a:buClr>
+                <a:schemeClr val="accent2"/>
+              </a:buClr>
+              <a:buSzPct val="75000"/>
+              <a:buFont typeface="Wingdings" charset="2"/>
+              <a:buChar char="o"/>
+            </a:pPr>
+            <a:r>
+              <a:rPr lang="en-US" sz="2600" dirty="0" smtClean="0">
+                <a:effectLst/>
+                <a:latin typeface="Helvetica" charset="0"/>
+              </a:rPr>
+              <a:t>Cores connected in a nearest-neighbor network</a:t>
+            </a:r>
+          </a:p>
+          <a:p>
+            <a:pPr lvl="1">
+              <a:lnSpc>
+                <a:spcPct val="80000"/>
+              </a:lnSpc>
+              <a:spcBef>
+                <a:spcPct val="15000"/>
+              </a:spcBef>
+              <a:buClr>
+                <a:schemeClr val="accent2"/>
+              </a:buClr>
+              <a:buSzPct val="75000"/>
+              <a:buFont typeface="Wingdings" charset="2"/>
+              <a:buChar char="o"/>
+            </a:pPr>
+            <a:r>
+              <a:rPr lang="en-US" sz="2600" dirty="0" smtClean="0">
+                <a:latin typeface="Helvetica" charset="0"/>
+              </a:rPr>
+              <a:t>Each connection is a 2-element buffer (reduce deadlocks)</a:t>
+            </a:r>
+          </a:p>
+          <a:p>
+            <a:pPr lvl="1">
+              <a:lnSpc>
+                <a:spcPct val="80000"/>
+              </a:lnSpc>
+              <a:spcBef>
+                <a:spcPct val="15000"/>
+              </a:spcBef>
+              <a:buClr>
+                <a:schemeClr val="accent2"/>
+              </a:buClr>
+              <a:buSzPct val="75000"/>
+              <a:buFont typeface="Wingdings" charset="2"/>
+              <a:buChar char="o"/>
+            </a:pPr>
+            <a:r>
+              <a:rPr lang="en-US" sz="2600" dirty="0" smtClean="0">
+                <a:effectLst/>
+                <a:latin typeface="Helvetica" charset="0"/>
+              </a:rPr>
+              <a:t>Ready-valid interlocked ports (avoid explicit no-ops) </a:t>
+            </a:r>
+          </a:p>
+          <a:p>
+            <a:pPr lvl="1">
+              <a:lnSpc>
+                <a:spcPct val="80000"/>
+              </a:lnSpc>
+              <a:spcBef>
+                <a:spcPct val="15000"/>
+              </a:spcBef>
+              <a:buClr>
+                <a:schemeClr val="accent2"/>
+              </a:buClr>
+              <a:buSzPct val="75000"/>
+              <a:buFont typeface="Wingdings" charset="2"/>
+              <a:buChar char="o"/>
+            </a:pPr>
+            <a:r>
+              <a:rPr lang="en-US" sz="2600" dirty="0" smtClean="0">
+                <a:latin typeface="Helvetica" charset="0"/>
+              </a:rPr>
+              <a:t>Additionally, all tiles’ host interfaces connected in a scan chain (for debugging and control)</a:t>
+            </a:r>
+          </a:p>
+          <a:p>
+            <a:pPr lvl="1">
+              <a:lnSpc>
+                <a:spcPct val="80000"/>
+              </a:lnSpc>
+              <a:spcBef>
+                <a:spcPct val="15000"/>
+              </a:spcBef>
+              <a:buClr>
+                <a:schemeClr val="accent2"/>
+              </a:buClr>
+              <a:buSzPct val="75000"/>
+              <a:buFont typeface="Wingdings" charset="2"/>
+              <a:buChar char="o"/>
+            </a:pPr>
+            <a:r>
+              <a:rPr lang="en-US" sz="2600" dirty="0" smtClean="0">
+                <a:effectLst/>
+                <a:latin typeface="Helvetica" charset="0"/>
+              </a:rPr>
+              <a:t>Edge ports can be mapped to external data</a:t>
+            </a:r>
+            <a:endParaRPr lang="en-US" sz="2600" dirty="0">
+              <a:effectLst/>
+              <a:latin typeface="Helvetica" charset="0"/>
+            </a:endParaRPr>
+          </a:p>
+          <a:p>
+            <a:pPr lvl="1">
+              <a:lnSpc>
+                <a:spcPct val="80000"/>
+              </a:lnSpc>
+              <a:spcBef>
+                <a:spcPct val="15000"/>
+              </a:spcBef>
+              <a:buClr>
+                <a:schemeClr val="accent1"/>
+              </a:buClr>
+              <a:buSzPct val="75000"/>
+              <a:buFont typeface="Wingdings" charset="2"/>
+              <a:buChar char="o"/>
+            </a:pPr>
+            <a:endParaRPr lang="en-US" sz="3200" dirty="0">
+              <a:effectLst/>
+              <a:latin typeface="Helvetica" charset="0"/>
+            </a:endParaRPr>
+          </a:p>
+          <a:p>
+            <a:pPr>
+              <a:lnSpc>
+                <a:spcPct val="80000"/>
+              </a:lnSpc>
+              <a:spcBef>
+                <a:spcPct val="15000"/>
+              </a:spcBef>
+              <a:buClr>
+                <a:schemeClr val="accent1"/>
+              </a:buClr>
+              <a:buSzPct val="75000"/>
+              <a:buFont typeface="Wingdings" charset="2"/>
+              <a:buChar char="o"/>
+            </a:pPr>
+            <a:r>
+              <a:rPr lang="en-US" sz="3200" dirty="0" smtClean="0">
+                <a:effectLst/>
+                <a:latin typeface="Helvetica" charset="0"/>
+              </a:rPr>
+              <a:t>Statically scheduled computation and communication</a:t>
+            </a:r>
+            <a:endParaRPr lang="en-US" sz="3200" dirty="0">
+              <a:effectLst/>
+              <a:latin typeface="Helvetica" charset="0"/>
+            </a:endParaRPr>
+          </a:p>
+          <a:p>
+            <a:pPr lvl="1">
+              <a:lnSpc>
+                <a:spcPct val="80000"/>
+              </a:lnSpc>
+              <a:spcBef>
+                <a:spcPct val="15000"/>
+              </a:spcBef>
+              <a:buClr>
+                <a:schemeClr val="accent2"/>
+              </a:buClr>
+              <a:buSzPct val="75000"/>
+              <a:buFont typeface="Wingdings" charset="2"/>
+              <a:buChar char="o"/>
+            </a:pPr>
+            <a:r>
+              <a:rPr lang="en-US" sz="2600" dirty="0" smtClean="0">
+                <a:effectLst/>
+                <a:latin typeface="Helvetica" charset="0"/>
+              </a:rPr>
+              <a:t>Simple hardware architecture, push complexity to tools</a:t>
+            </a:r>
+          </a:p>
+          <a:p>
+            <a:pPr lvl="1">
+              <a:lnSpc>
+                <a:spcPct val="80000"/>
+              </a:lnSpc>
+              <a:spcBef>
+                <a:spcPct val="15000"/>
+              </a:spcBef>
+              <a:buClr>
+                <a:schemeClr val="accent2"/>
+              </a:buClr>
+              <a:buSzPct val="75000"/>
+              <a:buFont typeface="Wingdings" charset="2"/>
+              <a:buChar char="o"/>
+            </a:pPr>
+            <a:r>
+              <a:rPr lang="en-US" sz="2600" dirty="0" smtClean="0">
+                <a:effectLst/>
+                <a:latin typeface="Helvetica" charset="0"/>
+              </a:rPr>
+              <a:t>All inter-tile data movement explicit (one tile at a time)</a:t>
+            </a:r>
+          </a:p>
+          <a:p>
+            <a:pPr lvl="1">
+              <a:lnSpc>
+                <a:spcPct val="80000"/>
+              </a:lnSpc>
+              <a:spcBef>
+                <a:spcPct val="15000"/>
+              </a:spcBef>
+              <a:buClr>
+                <a:schemeClr val="accent2"/>
+              </a:buClr>
+              <a:buSzPct val="75000"/>
+              <a:buFont typeface="Wingdings" charset="2"/>
+              <a:buChar char="o"/>
+            </a:pPr>
+            <a:endParaRPr lang="en-US" sz="2600" dirty="0" smtClean="0">
+              <a:effectLst/>
+              <a:latin typeface="Helvetica" charset="0"/>
+            </a:endParaRPr>
+          </a:p>
+          <a:p>
+            <a:pPr marL="0" indent="0" algn="ctr">
+              <a:lnSpc>
+                <a:spcPct val="80000"/>
+              </a:lnSpc>
+              <a:spcBef>
+                <a:spcPct val="15000"/>
+              </a:spcBef>
+              <a:buClr>
+                <a:schemeClr val="accent1"/>
+              </a:buClr>
+              <a:buSzPct val="75000"/>
+            </a:pPr>
+            <a:r>
+              <a:rPr lang="en-US" sz="4800" b="1" dirty="0">
+                <a:latin typeface="Helvetica" charset="0"/>
+              </a:rPr>
+              <a:t>The </a:t>
+            </a:r>
+            <a:r>
+              <a:rPr lang="en-US" sz="4800" b="1" dirty="0" smtClean="0">
+                <a:latin typeface="Helvetica" charset="0"/>
+              </a:rPr>
+              <a:t>Tile</a:t>
+            </a:r>
+            <a:endParaRPr lang="en-US" sz="4800" b="1" dirty="0">
+              <a:latin typeface="Helvetica" charset="0"/>
+            </a:endParaRPr>
+          </a:p>
+          <a:p>
+            <a:pPr marL="698500" lvl="1" indent="0">
+              <a:lnSpc>
+                <a:spcPct val="80000"/>
+              </a:lnSpc>
+              <a:spcBef>
+                <a:spcPct val="15000"/>
+              </a:spcBef>
+              <a:buClr>
+                <a:schemeClr val="accent2"/>
+              </a:buClr>
+              <a:buSzPct val="75000"/>
+            </a:pPr>
+            <a:endParaRPr lang="en-US" sz="2000" dirty="0" smtClean="0">
+              <a:effectLst/>
+              <a:latin typeface="Helvetica" charset="0"/>
+            </a:endParaRPr>
+          </a:p>
+          <a:p>
+            <a:pPr>
+              <a:lnSpc>
+                <a:spcPct val="80000"/>
+              </a:lnSpc>
+              <a:spcBef>
+                <a:spcPct val="15000"/>
+              </a:spcBef>
+              <a:buClr>
+                <a:schemeClr val="accent1"/>
+              </a:buClr>
+              <a:buSzPct val="75000"/>
+              <a:buFont typeface="Wingdings" charset="2"/>
+              <a:buChar char="o"/>
+            </a:pPr>
+            <a:r>
+              <a:rPr lang="en-US" sz="3200" dirty="0" smtClean="0">
+                <a:effectLst/>
+                <a:latin typeface="Helvetica" charset="0"/>
+              </a:rPr>
+              <a:t>Simple compute cores</a:t>
+            </a:r>
+            <a:endParaRPr lang="en-US" sz="3200" dirty="0">
+              <a:effectLst/>
+              <a:latin typeface="Helvetica" charset="0"/>
+            </a:endParaRPr>
+          </a:p>
+          <a:p>
+            <a:pPr lvl="1">
+              <a:lnSpc>
+                <a:spcPct val="80000"/>
+              </a:lnSpc>
+              <a:spcBef>
+                <a:spcPct val="15000"/>
+              </a:spcBef>
+              <a:buClr>
+                <a:schemeClr val="accent2"/>
+              </a:buClr>
+              <a:buSzPct val="75000"/>
+              <a:buFont typeface="Wingdings" charset="2"/>
+              <a:buChar char="o"/>
+            </a:pPr>
+            <a:r>
+              <a:rPr lang="en-US" sz="2600" dirty="0" smtClean="0">
+                <a:effectLst/>
+                <a:latin typeface="Helvetica" charset="0"/>
+              </a:rPr>
+              <a:t>A mini computer – </a:t>
+            </a:r>
+            <a:r>
+              <a:rPr lang="en-US" sz="2600" dirty="0" err="1" smtClean="0">
+                <a:effectLst/>
+                <a:latin typeface="Helvetica" charset="0"/>
+              </a:rPr>
+              <a:t>datapath</a:t>
+            </a:r>
+            <a:r>
+              <a:rPr lang="en-US" sz="2600" dirty="0" smtClean="0">
+                <a:effectLst/>
+                <a:latin typeface="Helvetica" charset="0"/>
+              </a:rPr>
+              <a:t>, registers, memory, and code</a:t>
+            </a:r>
+          </a:p>
+          <a:p>
+            <a:pPr lvl="1">
+              <a:lnSpc>
+                <a:spcPct val="80000"/>
+              </a:lnSpc>
+              <a:spcBef>
+                <a:spcPct val="15000"/>
+              </a:spcBef>
+              <a:buClr>
+                <a:schemeClr val="accent2"/>
+              </a:buClr>
+              <a:buSzPct val="75000"/>
+              <a:buFont typeface="Wingdings" charset="2"/>
+              <a:buChar char="o"/>
+            </a:pPr>
+            <a:r>
+              <a:rPr lang="en-US" sz="2600" dirty="0" smtClean="0">
+                <a:effectLst/>
+                <a:latin typeface="Helvetica" charset="0"/>
+              </a:rPr>
+              <a:t>Reduced ISA specialized for simulation, containing:</a:t>
+            </a:r>
+            <a:endParaRPr lang="en-US" sz="2600" dirty="0">
+              <a:latin typeface="Helvetica" charset="0"/>
+            </a:endParaRPr>
+          </a:p>
+          <a:p>
+            <a:pPr marL="1371600" lvl="2" indent="-457200">
+              <a:lnSpc>
+                <a:spcPct val="80000"/>
+              </a:lnSpc>
+              <a:spcBef>
+                <a:spcPct val="15000"/>
+              </a:spcBef>
+              <a:buClr>
+                <a:schemeClr val="accent2"/>
+              </a:buClr>
+              <a:buSzPct val="75000"/>
+              <a:buFont typeface="Wingdings" charset="2"/>
+              <a:buChar char="o"/>
+            </a:pPr>
+            <a:r>
+              <a:rPr lang="en-US" sz="2600" dirty="0" smtClean="0">
+                <a:latin typeface="Helvetica" charset="0"/>
+              </a:rPr>
+              <a:t>your standard arithmetic / bitwise-logical operations</a:t>
+            </a:r>
+          </a:p>
+          <a:p>
+            <a:pPr marL="1371600" lvl="2" indent="-457200">
+              <a:lnSpc>
+                <a:spcPct val="80000"/>
+              </a:lnSpc>
+              <a:spcBef>
+                <a:spcPct val="15000"/>
+              </a:spcBef>
+              <a:buClr>
+                <a:schemeClr val="accent2"/>
+              </a:buClr>
+              <a:buSzPct val="75000"/>
+              <a:buFont typeface="Wingdings" charset="2"/>
+              <a:buChar char="o"/>
+            </a:pPr>
+            <a:r>
+              <a:rPr lang="en-US" sz="2600" dirty="0" smtClean="0">
+                <a:effectLst/>
+                <a:latin typeface="Helvetica" charset="0"/>
+              </a:rPr>
+              <a:t>emulation-specific instructions like mux</a:t>
+            </a:r>
+            <a:endParaRPr lang="en-US" sz="2600" dirty="0">
+              <a:effectLst/>
+              <a:latin typeface="Helvetica" charset="0"/>
+            </a:endParaRPr>
+          </a:p>
+          <a:p>
+            <a:pPr lvl="1">
+              <a:lnSpc>
+                <a:spcPct val="80000"/>
+              </a:lnSpc>
+              <a:spcBef>
+                <a:spcPct val="15000"/>
+              </a:spcBef>
+              <a:buClr>
+                <a:schemeClr val="accent2"/>
+              </a:buClr>
+              <a:buSzPct val="75000"/>
+              <a:buFont typeface="Wingdings" charset="2"/>
+              <a:buChar char="o"/>
+            </a:pPr>
+            <a:r>
+              <a:rPr lang="en-US" sz="2600" dirty="0" smtClean="0">
+                <a:effectLst/>
+                <a:latin typeface="Helvetica" charset="0"/>
+              </a:rPr>
+              <a:t>No branching – simple emulation loop</a:t>
+            </a:r>
+            <a:endParaRPr lang="en-US" sz="2600" dirty="0">
+              <a:latin typeface="Helvetica" charset="0"/>
+            </a:endParaRPr>
+          </a:p>
+          <a:p>
+            <a:pPr lvl="1">
+              <a:lnSpc>
+                <a:spcPct val="80000"/>
+              </a:lnSpc>
+              <a:spcBef>
+                <a:spcPct val="15000"/>
+              </a:spcBef>
+              <a:buClr>
+                <a:schemeClr val="accent2"/>
+              </a:buClr>
+              <a:buSzPct val="75000"/>
+              <a:buFont typeface="Wingdings" charset="2"/>
+              <a:buChar char="o"/>
+            </a:pPr>
+            <a:endParaRPr lang="en-US" sz="3200" dirty="0">
+              <a:latin typeface="Helvetica" charset="0"/>
+            </a:endParaRPr>
+          </a:p>
+          <a:p>
+            <a:pPr>
+              <a:lnSpc>
+                <a:spcPct val="80000"/>
+              </a:lnSpc>
+              <a:spcBef>
+                <a:spcPct val="15000"/>
+              </a:spcBef>
+              <a:buClr>
+                <a:schemeClr val="accent1"/>
+              </a:buClr>
+              <a:buSzPct val="75000"/>
+              <a:buFont typeface="Wingdings" charset="2"/>
+              <a:buChar char="o"/>
+            </a:pPr>
+            <a:r>
+              <a:rPr lang="en-US" sz="3200" dirty="0" smtClean="0">
+                <a:latin typeface="Helvetica" charset="0"/>
+              </a:rPr>
+              <a:t>Dedicated host interface</a:t>
+            </a:r>
+            <a:endParaRPr lang="en-US" sz="3200" dirty="0">
+              <a:latin typeface="Helvetica" charset="0"/>
+            </a:endParaRPr>
+          </a:p>
+          <a:p>
+            <a:pPr lvl="1">
+              <a:lnSpc>
+                <a:spcPct val="80000"/>
+              </a:lnSpc>
+              <a:spcBef>
+                <a:spcPct val="15000"/>
+              </a:spcBef>
+              <a:buClr>
+                <a:schemeClr val="accent2"/>
+              </a:buClr>
+              <a:buSzPct val="75000"/>
+              <a:buFont typeface="Wingdings" charset="2"/>
+              <a:buChar char="o"/>
+            </a:pPr>
+            <a:r>
+              <a:rPr lang="en-US" sz="2600" dirty="0" smtClean="0">
+                <a:latin typeface="Helvetica" charset="0"/>
+              </a:rPr>
+              <a:t>Process host command packets in-place, then shift response to next tile in chain</a:t>
+            </a:r>
+          </a:p>
+          <a:p>
+            <a:pPr lvl="1">
+              <a:lnSpc>
+                <a:spcPct val="80000"/>
+              </a:lnSpc>
+              <a:spcBef>
+                <a:spcPct val="15000"/>
+              </a:spcBef>
+              <a:buClr>
+                <a:schemeClr val="accent2"/>
+              </a:buClr>
+              <a:buSzPct val="75000"/>
+              <a:buFont typeface="Wingdings" charset="2"/>
+              <a:buChar char="o"/>
+            </a:pPr>
+            <a:r>
+              <a:rPr lang="en-US" sz="2600" dirty="0" smtClean="0">
+                <a:effectLst/>
+                <a:latin typeface="Helvetica" charset="0"/>
+              </a:rPr>
+              <a:t>Arbitrary peek/poke access into all state elements</a:t>
+            </a:r>
+          </a:p>
+          <a:p>
+            <a:pPr lvl="1">
+              <a:lnSpc>
+                <a:spcPct val="80000"/>
+              </a:lnSpc>
+              <a:spcBef>
+                <a:spcPct val="15000"/>
+              </a:spcBef>
+              <a:buClr>
+                <a:schemeClr val="accent2"/>
+              </a:buClr>
+              <a:buSzPct val="75000"/>
+              <a:buFont typeface="Wingdings" charset="2"/>
+              <a:buChar char="o"/>
+            </a:pPr>
+            <a:r>
+              <a:rPr lang="en-US" sz="2600" dirty="0" smtClean="0">
+                <a:latin typeface="Helvetica" charset="0"/>
+              </a:rPr>
+              <a:t>Control tile execution</a:t>
+            </a:r>
+            <a:endParaRPr lang="en-US" sz="2600" dirty="0">
+              <a:effectLst/>
+              <a:latin typeface="Helvetica" charset="0"/>
+            </a:endParaRPr>
+          </a:p>
+          <a:p>
+            <a:pPr lvl="1">
+              <a:lnSpc>
+                <a:spcPct val="80000"/>
+              </a:lnSpc>
+              <a:spcBef>
+                <a:spcPct val="15000"/>
+              </a:spcBef>
+              <a:buClr>
+                <a:schemeClr val="accent1"/>
+              </a:buClr>
+              <a:buSzPct val="75000"/>
+            </a:pPr>
+            <a:endParaRPr lang="en-US" sz="2600" dirty="0">
+              <a:effectLst/>
+              <a:latin typeface="Helvetica" charset="0"/>
+            </a:endParaRPr>
+          </a:p>
+        </p:txBody>
+      </p:sp>
+      <p:pic>
+        <p:nvPicPr>
+          <p:cNvPr id="1036" name="Picture 12" descr="https://lh6.googleusercontent.com/8OkpilhejTy-pKh7EMqR5OhDzK3bx-fccl2sw6kIbBi78XVJioybTQ3bu85M0ilX9W1vs0ieD_6XkqtgjVlUebotSz9JGPg8ElP8Q4pz828uWB_xgVBRwj4K2WOJ"/>
+          <p:cNvPicPr>
+            <a:picLocks noChangeAspect="1" noChangeArrowheads="1"/>
+          </p:cNvPicPr>
+          <p:nvPr/>
+        </p:nvPicPr>
+        <p:blipFill>
+          <a:blip r:embed="rId8">
+            <a:extLst>
+              <a:ext uri="{28A0092B-C50C-407E-A947-70E740481C1C}">
+                <a14:useLocalDpi xmlns:a14="http://schemas.microsoft.com/office/drawing/2010/main" val="0"/>
+              </a:ext>
+            </a:extLst>
+          </a:blip>
+          <a:srcRect/>
+          <a:stretch>
+            <a:fillRect/>
+          </a:stretch>
+        </p:blipFill>
+        <p:spPr bwMode="auto">
+          <a:xfrm>
+            <a:off x="28346400" y="16459200"/>
+            <a:ext cx="3657600" cy="3633054"/>
+          </a:xfrm>
+          <a:prstGeom prst="rect">
+            <a:avLst/>
+          </a:prstGeom>
+          <a:noFill/>
+          <a:extLst>
+            <a:ext uri="{909E8E84-426E-40DD-AFC4-6F175D3DCCD1}">
+              <a14:hiddenFill xmlns:a14="http://schemas.microsoft.com/office/drawing/2010/main">
+                <a:solidFill>
+                  <a:srgbClr val="FFFFFF"/>
+                </a:solidFill>
+              </a14:hiddenFill>
+            </a:ext>
+          </a:extLst>
+        </p:spPr>
+      </p:pic>
+      <p:pic>
+        <p:nvPicPr>
+          <p:cNvPr id="1038" name="Picture 14" descr="https://lh4.googleusercontent.com/_rVDrfBnY1XTpcYXWqt8aDBA3ZRGHCV2OWufHdgHKwZjIXYOPLMBHrYOtc2nHVyWvkQgepOiAwZEA9RG2olGmnjmdjyFYWoHnEQuetiCVY5kA1bMC23W4SMjAxaP"/>
+          <p:cNvPicPr>
+            <a:picLocks noChangeAspect="1" noChangeArrowheads="1"/>
+          </p:cNvPicPr>
+          <p:nvPr/>
+        </p:nvPicPr>
+        <p:blipFill>
+          <a:blip r:embed="rId9">
+            <a:extLst>
+              <a:ext uri="{28A0092B-C50C-407E-A947-70E740481C1C}">
+                <a14:useLocalDpi xmlns:a14="http://schemas.microsoft.com/office/drawing/2010/main" val="0"/>
+              </a:ext>
+            </a:extLst>
+          </a:blip>
+          <a:srcRect/>
+          <a:stretch>
+            <a:fillRect/>
+          </a:stretch>
+        </p:blipFill>
+        <p:spPr bwMode="auto">
+          <a:xfrm>
+            <a:off x="25831800" y="685800"/>
+            <a:ext cx="1704108" cy="2286000"/>
+          </a:xfrm>
+          <a:prstGeom prst="rect">
+            <a:avLst/>
+          </a:prstGeom>
+          <a:noFill/>
+          <a:extLst>
+            <a:ext uri="{909E8E84-426E-40DD-AFC4-6F175D3DCCD1}">
+              <a14:hiddenFill xmlns:a14="http://schemas.microsoft.com/office/drawing/2010/main">
+                <a:solidFill>
+                  <a:srgbClr val="FFFFFF"/>
+                </a:solidFill>
+              </a14:hiddenFill>
+            </a:ext>
+          </a:extLst>
+        </p:spPr>
+      </p:pic>
+      <p:pic>
+        <p:nvPicPr>
+          <p:cNvPr id="1040" name="Picture 16" descr="https://lh4.googleusercontent.com/JS3GrehixrVR6_TNQV1YjyQD26XTZIGJf_4xcjEsg2sHB3I0c6jmjMD8bN2Yme78z1UK0I6BvB_pWnxaj6XwqUSc0JiJo1B_lEMe4Mm-xQcDWr-NdxEJc8sR6LWp"/>
+          <p:cNvPicPr>
+            <a:picLocks noChangeAspect="1" noChangeArrowheads="1"/>
+          </p:cNvPicPr>
+          <p:nvPr/>
+        </p:nvPicPr>
+        <p:blipFill>
+          <a:blip r:embed="rId10">
+            <a:extLst>
+              <a:ext uri="{28A0092B-C50C-407E-A947-70E740481C1C}">
+                <a14:useLocalDpi xmlns:a14="http://schemas.microsoft.com/office/drawing/2010/main" val="0"/>
+              </a:ext>
+            </a:extLst>
+          </a:blip>
+          <a:srcRect/>
+          <a:stretch>
+            <a:fillRect/>
+          </a:stretch>
+        </p:blipFill>
+        <p:spPr bwMode="auto">
+          <a:xfrm>
+            <a:off x="28117800" y="685800"/>
+            <a:ext cx="1714500" cy="2286000"/>
+          </a:xfrm>
+          <a:prstGeom prst="rect">
+            <a:avLst/>
+          </a:prstGeom>
+          <a:noFill/>
+          <a:extLst>
+            <a:ext uri="{909E8E84-426E-40DD-AFC4-6F175D3DCCD1}">
+              <a14:hiddenFill xmlns:a14="http://schemas.microsoft.com/office/drawing/2010/main">
+                <a:solidFill>
+                  <a:srgbClr val="FFFFFF"/>
+                </a:solidFill>
+              </a14:hiddenFill>
+            </a:ext>
+          </a:extLst>
+        </p:spPr>
+      </p:pic>
+      <p:pic>
+        <p:nvPicPr>
+          <p:cNvPr id="1042" name="Picture 18" descr="https://lh6.googleusercontent.com/JSiiHk46LJ3wMYXLp-Diy3-dcajqA8I0NVNGZJb8yrzex3087WNr8bY1SzM-icRs_uIoSWllqsBGjCWYiLtS77vK1yooqhYk7bAzdC39TVYDaEhffg8cA0Y7qhKQ"/>
+          <p:cNvPicPr>
+            <a:picLocks noChangeAspect="1" noChangeArrowheads="1"/>
+          </p:cNvPicPr>
+          <p:nvPr/>
+        </p:nvPicPr>
+        <p:blipFill>
+          <a:blip r:embed="rId11">
+            <a:extLst>
+              <a:ext uri="{28A0092B-C50C-407E-A947-70E740481C1C}">
+                <a14:useLocalDpi xmlns:a14="http://schemas.microsoft.com/office/drawing/2010/main" val="0"/>
+              </a:ext>
+            </a:extLst>
+          </a:blip>
+          <a:srcRect/>
+          <a:stretch>
+            <a:fillRect/>
+          </a:stretch>
+        </p:blipFill>
+        <p:spPr bwMode="auto">
+          <a:xfrm>
+            <a:off x="30403800" y="685800"/>
+            <a:ext cx="1620981" cy="2286000"/>
+          </a:xfrm>
+          <a:prstGeom prst="rect">
+            <a:avLst/>
+          </a:prstGeom>
+          <a:noFill/>
+          <a:extLst>
+            <a:ext uri="{909E8E84-426E-40DD-AFC4-6F175D3DCCD1}">
+              <a14:hiddenFill xmlns:a14="http://schemas.microsoft.com/office/drawing/2010/main">
+                <a:solidFill>
+                  <a:srgbClr val="FFFFFF"/>
+                </a:solidFill>
+              </a14:hiddenFill>
+            </a:ext>
+          </a:extLst>
+        </p:spPr>
+      </p:pic>
+      <p:sp>
+        <p:nvSpPr>
+          <p:cNvPr id="71" name="AutoShape 1375"/>
+          <p:cNvSpPr>
+            <a:spLocks noChangeArrowheads="1"/>
+          </p:cNvSpPr>
+          <p:nvPr/>
+        </p:nvSpPr>
+        <p:spPr bwMode="auto">
+          <a:xfrm>
+            <a:off x="914400" y="17373600"/>
+            <a:ext cx="9144000" cy="914400"/>
+          </a:xfrm>
+          <a:prstGeom prst="roundRect">
+            <a:avLst>
+              <a:gd name="adj" fmla="val 43750"/>
+            </a:avLst>
+          </a:prstGeom>
+          <a:gradFill>
+            <a:gsLst>
+              <a:gs pos="0">
+                <a:schemeClr val="accent1">
+                  <a:tint val="66000"/>
+                  <a:satMod val="160000"/>
+                </a:schemeClr>
+              </a:gs>
+              <a:gs pos="50000">
+                <a:schemeClr val="accent1">
+                  <a:tint val="44500"/>
+                  <a:satMod val="160000"/>
+                </a:schemeClr>
+              </a:gs>
+              <a:gs pos="100000">
+                <a:schemeClr val="accent1">
+                  <a:tint val="23500"/>
+                  <a:satMod val="160000"/>
+                </a:schemeClr>
+              </a:gs>
+            </a:gsLst>
+            <a:lin ang="16200000" scaled="0"/>
+          </a:gradFill>
+          <a:ln w="76200">
+            <a:solidFill>
+              <a:schemeClr val="accent1"/>
+            </a:solidFill>
+            <a:round/>
+            <a:headEnd/>
+            <a:tailEnd/>
+          </a:ln>
+        </p:spPr>
+        <p:txBody>
+          <a:bodyPr wrap="none" anchor="ctr"/>
+          <a:lstStyle/>
+          <a:p>
+            <a:pPr algn="ctr"/>
+            <a:r>
+              <a:rPr lang="en-US" sz="5000" b="1" dirty="0" smtClean="0">
+                <a:solidFill>
+                  <a:schemeClr val="tx2"/>
+                </a:solidFill>
+                <a:effectLst/>
+              </a:rPr>
+              <a:t>Overview</a:t>
+            </a:r>
+            <a:endParaRPr lang="en-US" sz="5000" b="1" dirty="0">
+              <a:solidFill>
+                <a:schemeClr val="tx2"/>
+              </a:solidFill>
+              <a:effectLst/>
             </a:endParaRPr>
           </a:p>
         </p:txBody>

--- a/poster/dreamer.pptx
+++ b/poster/dreamer.pptx
@@ -4326,8 +4326,8 @@
         </p:nvSpPr>
         <p:spPr bwMode="auto">
           <a:xfrm>
-            <a:off x="8229600" y="2286000"/>
-            <a:ext cx="16459200" cy="914400"/>
+            <a:off x="8229600" y="1828800"/>
+            <a:ext cx="16459200" cy="1371600"/>
           </a:xfrm>
           <a:prstGeom prst="rect">
             <a:avLst/>
@@ -4484,7 +4484,42 @@
                 </a:effectLst>
                 <a:latin typeface="Copperplate Gothic Light" charset="0"/>
               </a:rPr>
-              <a:t>, Richard Lin, Albert Magyar</a:t>
+              <a:t>, Richard Lin, Albert </a:t>
+            </a:r>
+            <a:r>
+              <a:rPr lang="en-US" sz="4500" dirty="0" smtClean="0">
+                <a:effectLst>
+                  <a:outerShdw blurRad="38100" dist="38100" dir="2700000" algn="tl">
+                    <a:srgbClr val="C0C0C0"/>
+                  </a:outerShdw>
+                </a:effectLst>
+                <a:latin typeface="Copperplate Gothic Light" charset="0"/>
+              </a:rPr>
+              <a:t>Magyar,</a:t>
+            </a:r>
+          </a:p>
+          <a:p>
+            <a:r>
+              <a:rPr lang="en-US" sz="4500" dirty="0" smtClean="0">
+                <a:effectLst>
+                  <a:outerShdw blurRad="38100" dist="38100" dir="2700000" algn="tl">
+                    <a:srgbClr val="C0C0C0"/>
+                  </a:outerShdw>
+                </a:effectLst>
+                <a:latin typeface="Copperplate Gothic Light" charset="0"/>
+              </a:rPr>
+              <a:t>Jonathan </a:t>
+            </a:r>
+            <a:r>
+              <a:rPr lang="en-US" sz="4500" dirty="0" err="1" smtClean="0">
+                <a:effectLst>
+                  <a:outerShdw blurRad="38100" dist="38100" dir="2700000" algn="tl">
+                    <a:srgbClr val="C0C0C0"/>
+                  </a:outerShdw>
+                </a:effectLst>
+                <a:latin typeface="Copperplate Gothic Light" charset="0"/>
+              </a:rPr>
+              <a:t>Bachrach</a:t>
             </a:r>
             <a:endParaRPr lang="en-US" sz="4500" dirty="0">
               <a:effectLst>
@@ -4850,6 +4885,13 @@
             <a:headEnd/>
             <a:tailEnd/>
           </a:ln>
+          <a:effectLst>
+            <a:outerShdw blurRad="50800" dist="38100" dir="2700000" algn="tl" rotWithShape="0">
+              <a:prstClr val="black">
+                <a:alpha val="40000"/>
+              </a:prstClr>
+            </a:outerShdw>
+          </a:effectLst>
         </p:spPr>
         <p:txBody>
           <a:bodyPr wrap="none" anchor="ctr"/>
@@ -5669,7 +5711,19 @@
                   <a:rPr lang="en-US" sz="2600" dirty="0">
                     <a:latin typeface="Helvetica" charset="0"/>
                   </a:rPr>
-                  <a:t>support for word-wide operations (natively bit-wide)</a:t>
+                  <a:t>for word-wide operations </a:t>
+                </a:r>
+                <a:r>
+                  <a:rPr lang="en-US" sz="2600" dirty="0" smtClean="0">
+                    <a:latin typeface="Helvetica" charset="0"/>
+                  </a:rPr>
+                  <a:t>(FPGAs natively </a:t>
+                </a:r>
+                <a:r>
+                  <a:rPr lang="en-US" sz="2600" dirty="0">
+                    <a:latin typeface="Helvetica" charset="0"/>
+                  </a:rPr>
+                  <a:t>bit-wide)</a:t>
                 </a:r>
               </a:p>
               <a:p>
@@ -6065,14 +6119,24 @@
                 <a:effectLst/>
                 <a:latin typeface="Helvetica" charset="0"/>
               </a:rPr>
-              <a:t>Generalizing from emulation, array can be used as a general dataflow </a:t>
-            </a:r>
-            <a:r>
-              <a:rPr lang="en-US" sz="3200" dirty="0">
+              <a:t>Generalizing from emulation, array can be used as a general </a:t>
+            </a:r>
+            <a:r>
+              <a:rPr lang="en-US" sz="3200" dirty="0" smtClean="0">
+                <a:effectLst/>
                 <a:latin typeface="Helvetica" charset="0"/>
               </a:rPr>
-              <a:t>style machine</a:t>
-            </a:r>
+              <a:t>parallel dataflow </a:t>
+            </a:r>
+            <a:r>
+              <a:rPr lang="en-US" sz="3200" dirty="0" smtClean="0">
+                <a:latin typeface="Helvetica" charset="0"/>
+              </a:rPr>
+              <a:t>machine or systolic array</a:t>
+            </a:r>
+            <a:endParaRPr lang="en-US" sz="3200" dirty="0">
+              <a:latin typeface="Helvetica" charset="0"/>
+            </a:endParaRPr>
           </a:p>
           <a:p>
             <a:pPr lvl="1">
@@ -6165,8 +6229,23 @@
               <a:rPr lang="en-US" sz="2600" dirty="0" smtClean="0">
                 <a:latin typeface="Helvetica" charset="0"/>
               </a:rPr>
-              <a:t>GPIO, DRAM, or coprocessor data movement</a:t>
-            </a:r>
+              <a:t>GPIO, DRAM, </a:t>
+            </a:r>
+            <a:r>
+              <a:rPr lang="en-US" sz="2600" smtClean="0">
+                <a:latin typeface="Helvetica" charset="0"/>
+              </a:rPr>
+              <a:t>or </a:t>
+            </a:r>
+            <a:r>
+              <a:rPr lang="en-US" sz="2600" smtClean="0">
+                <a:latin typeface="Helvetica" charset="0"/>
+              </a:rPr>
+              <a:t>host communications</a:t>
+            </a:r>
+            <a:endParaRPr lang="en-US" sz="2600" dirty="0" smtClean="0">
+              <a:latin typeface="Helvetica" charset="0"/>
+            </a:endParaRPr>
           </a:p>
           <a:p>
             <a:pPr lvl="1">
@@ -7647,6 +7726,13 @@
             <a:headEnd/>
             <a:tailEnd/>
           </a:ln>
+          <a:effectLst>
+            <a:outerShdw blurRad="50800" dist="38100" dir="2700000" algn="tl" rotWithShape="0">
+              <a:prstClr val="black">
+                <a:alpha val="40000"/>
+              </a:prstClr>
+            </a:outerShdw>
+          </a:effectLst>
         </p:spPr>
         <p:txBody>
           <a:bodyPr wrap="none" anchor="ctr"/>
@@ -7720,6 +7806,13 @@
             <a:headEnd/>
             <a:tailEnd/>
           </a:ln>
+          <a:effectLst>
+            <a:outerShdw blurRad="50800" dist="38100" dir="2700000" algn="tl" rotWithShape="0">
+              <a:prstClr val="black">
+                <a:alpha val="40000"/>
+              </a:prstClr>
+            </a:outerShdw>
+          </a:effectLst>
         </p:spPr>
         <p:txBody>
           <a:bodyPr wrap="none" anchor="ctr"/>
@@ -7733,7 +7826,16 @@
                 </a:solidFill>
                 <a:effectLst/>
               </a:rPr>
-              <a:t>Dataflow Machine</a:t>
+              <a:t>Parallel Dataflow </a:t>
+            </a:r>
+            <a:r>
+              <a:rPr lang="en-US" sz="5000" b="1" dirty="0" smtClean="0">
+                <a:solidFill>
+                  <a:schemeClr val="tx2"/>
+                </a:solidFill>
+                <a:effectLst/>
+              </a:rPr>
+              <a:t>Machine</a:t>
             </a:r>
             <a:endParaRPr lang="en-US" sz="5000" b="1" dirty="0">
               <a:solidFill>
@@ -7793,6 +7895,13 @@
             <a:headEnd/>
             <a:tailEnd/>
           </a:ln>
+          <a:effectLst>
+            <a:outerShdw blurRad="50800" dist="38100" dir="2700000" algn="tl" rotWithShape="0">
+              <a:prstClr val="black">
+                <a:alpha val="40000"/>
+              </a:prstClr>
+            </a:outerShdw>
+          </a:effectLst>
         </p:spPr>
         <p:txBody>
           <a:bodyPr wrap="none" anchor="ctr"/>
@@ -7806,7 +7915,7 @@
                 </a:solidFill>
                 <a:effectLst/>
               </a:rPr>
-              <a:t>Hardware Implementation</a:t>
+              <a:t>Preliminary Results</a:t>
             </a:r>
             <a:endParaRPr lang="en-US" sz="5000" b="1" dirty="0">
               <a:solidFill>
@@ -7866,6 +7975,13 @@
             <a:headEnd/>
             <a:tailEnd/>
           </a:ln>
+          <a:effectLst>
+            <a:outerShdw blurRad="50800" dist="38100" dir="2700000" algn="tl" rotWithShape="0">
+              <a:prstClr val="black">
+                <a:alpha val="40000"/>
+              </a:prstClr>
+            </a:outerShdw>
+          </a:effectLst>
         </p:spPr>
         <p:txBody>
           <a:bodyPr wrap="none" anchor="ctr"/>
@@ -8750,7 +8866,7 @@
         </p:blipFill>
         <p:spPr bwMode="auto">
           <a:xfrm>
-            <a:off x="25831800" y="685800"/>
+            <a:off x="24003000" y="685800"/>
             <a:ext cx="1704108" cy="2286000"/>
           </a:xfrm>
           <a:prstGeom prst="rect">
@@ -8791,7 +8907,7 @@
         </p:blipFill>
         <p:spPr bwMode="auto">
           <a:xfrm>
-            <a:off x="28117800" y="685800"/>
+            <a:off x="26289000" y="685800"/>
             <a:ext cx="1714500" cy="2286000"/>
           </a:xfrm>
           <a:prstGeom prst="rect">
@@ -8832,7 +8948,7 @@
         </p:blipFill>
         <p:spPr bwMode="auto">
           <a:xfrm>
-            <a:off x="30403800" y="685800"/>
+            <a:off x="28575000" y="685800"/>
             <a:ext cx="1620981" cy="2286000"/>
           </a:xfrm>
           <a:prstGeom prst="rect">
@@ -8899,6 +9015,13 @@
             <a:headEnd/>
             <a:tailEnd/>
           </a:ln>
+          <a:effectLst>
+            <a:outerShdw blurRad="50800" dist="38100" dir="2700000" algn="tl" rotWithShape="0">
+              <a:prstClr val="black">
+                <a:alpha val="40000"/>
+              </a:prstClr>
+            </a:outerShdw>
+          </a:effectLst>
         </p:spPr>
         <p:txBody>
           <a:bodyPr wrap="none" anchor="ctr"/>
@@ -8923,6 +9046,162 @@
           </a:p>
         </p:txBody>
       </p:sp>
+      <p:sp>
+        <p:nvSpPr>
+          <p:cNvPr id="4" name="AutoShape 2" descr="imap://richard%2Elin%40berkeley%2Eedu@imap.googlemail.com:993/fetch%3EUID%3E/INBOX%3E32182?part=1&amp;type=image/png&amp;filename=jrb.png"/>
+          <p:cNvSpPr>
+            <a:spLocks noChangeAspect="1" noChangeArrowheads="1"/>
+          </p:cNvSpPr>
+          <p:nvPr/>
+        </p:nvSpPr>
+        <p:spPr bwMode="auto">
+          <a:xfrm>
+            <a:off x="155575" y="-144463"/>
+            <a:ext cx="304800" cy="304801"/>
+          </a:xfrm>
+          <a:prstGeom prst="rect">
+            <a:avLst/>
+          </a:prstGeom>
+          <a:noFill/>
+          <a:extLst>
+            <a:ext uri="{909E8E84-426E-40DD-AFC4-6F175D3DCCD1}">
+              <a14:hiddenFill xmlns:a14="http://schemas.microsoft.com/office/drawing/2010/main">
+                <a:solidFill>
+                  <a:srgbClr val="FFFFFF"/>
+                </a:solidFill>
+              </a14:hiddenFill>
+            </a:ext>
+          </a:extLst>
+        </p:spPr>
+        <p:txBody>
+          <a:bodyPr vert="horz" wrap="square" lIns="91440" tIns="45720" rIns="91440" bIns="45720" numCol="1" anchor="t" anchorCtr="0" compatLnSpc="1">
+            <a:prstTxWarp prst="textNoShape">
+              <a:avLst/>
+            </a:prstTxWarp>
+          </a:bodyPr>
+          <a:lstStyle/>
+          <a:p>
+            <a:endParaRPr lang="en-US"/>
+          </a:p>
+        </p:txBody>
+      </p:sp>
+      <p:sp>
+        <p:nvSpPr>
+          <p:cNvPr id="5" name="AutoShape 4" descr="imap://richard%2Elin%40berkeley%2Eedu@imap.googlemail.com:993/fetch%3EUID%3E/INBOX%3E32182?part=1&amp;type=image/png&amp;filename=jrb.png"/>
+          <p:cNvSpPr>
+            <a:spLocks noChangeAspect="1" noChangeArrowheads="1"/>
+          </p:cNvSpPr>
+          <p:nvPr/>
+        </p:nvSpPr>
+        <p:spPr bwMode="auto">
+          <a:xfrm>
+            <a:off x="307975" y="7937"/>
+            <a:ext cx="304800" cy="304801"/>
+          </a:xfrm>
+          <a:prstGeom prst="rect">
+            <a:avLst/>
+          </a:prstGeom>
+          <a:noFill/>
+          <a:extLst>
+            <a:ext uri="{909E8E84-426E-40DD-AFC4-6F175D3DCCD1}">
+              <a14:hiddenFill xmlns:a14="http://schemas.microsoft.com/office/drawing/2010/main">
+                <a:solidFill>
+                  <a:srgbClr val="FFFFFF"/>
+                </a:solidFill>
+              </a14:hiddenFill>
+            </a:ext>
+          </a:extLst>
+        </p:spPr>
+        <p:txBody>
+          <a:bodyPr vert="horz" wrap="square" lIns="91440" tIns="45720" rIns="91440" bIns="45720" numCol="1" anchor="t" anchorCtr="0" compatLnSpc="1">
+            <a:prstTxWarp prst="textNoShape">
+              <a:avLst/>
+            </a:prstTxWarp>
+          </a:bodyPr>
+          <a:lstStyle/>
+          <a:p>
+            <a:endParaRPr lang="en-US"/>
+          </a:p>
+        </p:txBody>
+      </p:sp>
+      <p:sp>
+        <p:nvSpPr>
+          <p:cNvPr id="6" name="AutoShape 6" descr="imap://richard%2Elin%40berkeley%2Eedu@imap.googlemail.com:993/fetch%3EUID%3E/INBOX%3E32182?part=1&amp;type=image/png&amp;filename=jrb.png"/>
+          <p:cNvSpPr>
+            <a:spLocks noChangeAspect="1" noChangeArrowheads="1"/>
+          </p:cNvSpPr>
+          <p:nvPr/>
+        </p:nvSpPr>
+        <p:spPr bwMode="auto">
+          <a:xfrm>
+            <a:off x="460375" y="160337"/>
+            <a:ext cx="304800" cy="304801"/>
+          </a:xfrm>
+          <a:prstGeom prst="rect">
+            <a:avLst/>
+          </a:prstGeom>
+          <a:noFill/>
+          <a:extLst>
+            <a:ext uri="{909E8E84-426E-40DD-AFC4-6F175D3DCCD1}">
+              <a14:hiddenFill xmlns:a14="http://schemas.microsoft.com/office/drawing/2010/main">
+                <a:solidFill>
+                  <a:srgbClr val="FFFFFF"/>
+                </a:solidFill>
+              </a14:hiddenFill>
+            </a:ext>
+          </a:extLst>
+        </p:spPr>
+        <p:txBody>
+          <a:bodyPr vert="horz" wrap="square" lIns="91440" tIns="45720" rIns="91440" bIns="45720" numCol="1" anchor="t" anchorCtr="0" compatLnSpc="1">
+            <a:prstTxWarp prst="textNoShape">
+              <a:avLst/>
+            </a:prstTxWarp>
+          </a:bodyPr>
+          <a:lstStyle/>
+          <a:p>
+            <a:endParaRPr lang="en-US"/>
+          </a:p>
+        </p:txBody>
+      </p:sp>
+      <p:pic>
+        <p:nvPicPr>
+          <p:cNvPr id="1031" name="Picture 7" descr="C:\Users\Ducky\Documents\GitHub\dreamer-talks\poster\INBOX32182.png"/>
+          <p:cNvPicPr>
+            <a:picLocks noChangeAspect="1" noChangeArrowheads="1"/>
+          </p:cNvPicPr>
+          <p:nvPr/>
+        </p:nvPicPr>
+        <p:blipFill rotWithShape="1">
+          <a:blip r:embed="rId12">
+            <a:extLst>
+              <a:ext uri="{28A0092B-C50C-407E-A947-70E740481C1C}">
+                <a14:useLocalDpi xmlns:a14="http://schemas.microsoft.com/office/drawing/2010/main" val="0"/>
+              </a:ext>
+            </a:extLst>
+          </a:blip>
+          <a:srcRect l="11555" r="12889"/>
+          <a:stretch/>
+        </p:blipFill>
+        <p:spPr bwMode="auto">
+          <a:xfrm>
+            <a:off x="30632400" y="685800"/>
+            <a:ext cx="1727200" cy="2286000"/>
+          </a:xfrm>
+          <a:prstGeom prst="rect">
+            <a:avLst/>
+          </a:prstGeom>
+          <a:noFill/>
+          <a:extLst>
+            <a:ext uri="{909E8E84-426E-40DD-AFC4-6F175D3DCCD1}">
+              <a14:hiddenFill xmlns:a14="http://schemas.microsoft.com/office/drawing/2010/main">
+                <a:solidFill>
+                  <a:srgbClr val="FFFFFF"/>
+                </a:solidFill>
+              </a14:hiddenFill>
+            </a:ext>
+          </a:extLst>
+        </p:spPr>
+      </p:pic>
     </p:spTree>
     <p:extLst>
       <p:ext uri="{BB962C8B-B14F-4D97-AF65-F5344CB8AC3E}">
